--- a/Spotify.pptx
+++ b/Spotify.pptx
@@ -6,8 +6,8 @@
   </p:sldMasterIdLst>
   <p:sldIdLst>
     <p:sldId id="256" r:id="rId2"/>
-    <p:sldId id="257" r:id="rId3"/>
-    <p:sldId id="258" r:id="rId4"/>
+    <p:sldId id="258" r:id="rId3"/>
+    <p:sldId id="257" r:id="rId4"/>
     <p:sldId id="259" r:id="rId5"/>
   </p:sldIdLst>
   <p:sldSz cx="12192000" cy="6858000"/>
@@ -119,6 +119,7 @@
 <p1510:revInfo xmlns:a="http://schemas.openxmlformats.org/drawingml/2006/main" xmlns:r="http://schemas.openxmlformats.org/officeDocument/2006/relationships" xmlns:p1510="http://schemas.microsoft.com/office/powerpoint/2015/10/main">
   <p1510:revLst>
     <p1510:client id="{D8B82574-E6C1-4A07-928C-117D6F16190E}" v="1276" dt="2021-09-25T17:01:05.626"/>
+    <p1510:client id="{EAFC9741-79A3-4D36-805F-093515CE5564}" v="13" dt="2021-09-25T17:47:51.111"/>
   </p1510:revLst>
 </p1510:revInfo>
 </file>
@@ -179,10 +180,854 @@
       </pc:sldChg>
     </pc:docChg>
   </pc:docChgLst>
+  <pc:docChgLst>
+    <pc:chgData name="Marcelo Alves Pereira" userId="86c29462c141b737" providerId="LiveId" clId="{EAFC9741-79A3-4D36-805F-093515CE5564}"/>
+    <pc:docChg chg="undo custSel addSld delSld modSld sldOrd">
+      <pc:chgData name="Marcelo Alves Pereira" userId="86c29462c141b737" providerId="LiveId" clId="{EAFC9741-79A3-4D36-805F-093515CE5564}" dt="2021-09-25T17:50:45.486" v="298" actId="20577"/>
+      <pc:docMkLst>
+        <pc:docMk/>
+      </pc:docMkLst>
+      <pc:sldChg chg="modSp">
+        <pc:chgData name="Marcelo Alves Pereira" userId="86c29462c141b737" providerId="LiveId" clId="{EAFC9741-79A3-4D36-805F-093515CE5564}" dt="2021-09-25T17:47:45.204" v="14" actId="13782"/>
+        <pc:sldMkLst>
+          <pc:docMk/>
+          <pc:sldMk cId="3546732777" sldId="257"/>
+        </pc:sldMkLst>
+        <pc:graphicFrameChg chg="mod">
+          <ac:chgData name="Marcelo Alves Pereira" userId="86c29462c141b737" providerId="LiveId" clId="{EAFC9741-79A3-4D36-805F-093515CE5564}" dt="2021-09-25T17:47:45.204" v="14" actId="13782"/>
+          <ac:graphicFrameMkLst>
+            <pc:docMk/>
+            <pc:sldMk cId="3546732777" sldId="257"/>
+            <ac:graphicFrameMk id="4" creationId="{FEEE29FD-C66D-4222-BAFE-5BAAD81FBC84}"/>
+          </ac:graphicFrameMkLst>
+        </pc:graphicFrameChg>
+      </pc:sldChg>
+      <pc:sldChg chg="ord">
+        <pc:chgData name="Marcelo Alves Pereira" userId="86c29462c141b737" providerId="LiveId" clId="{EAFC9741-79A3-4D36-805F-093515CE5564}" dt="2021-09-25T17:41:01.988" v="1"/>
+        <pc:sldMkLst>
+          <pc:docMk/>
+          <pc:sldMk cId="3049938711" sldId="258"/>
+        </pc:sldMkLst>
+      </pc:sldChg>
+      <pc:sldChg chg="addSp delSp modSp add del mod">
+        <pc:chgData name="Marcelo Alves Pereira" userId="86c29462c141b737" providerId="LiveId" clId="{EAFC9741-79A3-4D36-805F-093515CE5564}" dt="2021-09-25T17:50:45.486" v="298" actId="20577"/>
+        <pc:sldMkLst>
+          <pc:docMk/>
+          <pc:sldMk cId="1012132890" sldId="259"/>
+        </pc:sldMkLst>
+        <pc:spChg chg="del">
+          <ac:chgData name="Marcelo Alves Pereira" userId="86c29462c141b737" providerId="LiveId" clId="{EAFC9741-79A3-4D36-805F-093515CE5564}" dt="2021-09-25T17:42:07.964" v="2" actId="1032"/>
+          <ac:spMkLst>
+            <pc:docMk/>
+            <pc:sldMk cId="1012132890" sldId="259"/>
+            <ac:spMk id="3" creationId="{C288455F-F924-46B9-B406-6DA39F14CE8C}"/>
+          </ac:spMkLst>
+        </pc:spChg>
+        <pc:spChg chg="add mod">
+          <ac:chgData name="Marcelo Alves Pereira" userId="86c29462c141b737" providerId="LiveId" clId="{EAFC9741-79A3-4D36-805F-093515CE5564}" dt="2021-09-25T17:50:45.486" v="298" actId="20577"/>
+          <ac:spMkLst>
+            <pc:docMk/>
+            <pc:sldMk cId="1012132890" sldId="259"/>
+            <ac:spMk id="6" creationId="{CDA71F02-49FC-4C2A-BFB3-EB05433CB9AB}"/>
+          </ac:spMkLst>
+        </pc:spChg>
+        <pc:graphicFrameChg chg="add del mod modGraphic">
+          <ac:chgData name="Marcelo Alves Pereira" userId="86c29462c141b737" providerId="LiveId" clId="{EAFC9741-79A3-4D36-805F-093515CE5564}" dt="2021-09-25T17:48:11.437" v="15" actId="478"/>
+          <ac:graphicFrameMkLst>
+            <pc:docMk/>
+            <pc:sldMk cId="1012132890" sldId="259"/>
+            <ac:graphicFrameMk id="4" creationId="{97E72499-3B1F-42C6-BAB5-7F1A81E2BFF9}"/>
+          </ac:graphicFrameMkLst>
+        </pc:graphicFrameChg>
+      </pc:sldChg>
+    </pc:docChg>
+  </pc:docChgLst>
 </pc:chgInfo>
 </file>
 
 <file path=ppt/diagrams/colors1.xml><?xml version="1.0" encoding="utf-8"?>
+<dgm:colorsDef xmlns:dgm="http://schemas.openxmlformats.org/drawingml/2006/diagram" xmlns:a="http://schemas.openxmlformats.org/drawingml/2006/main" uniqueId="urn:microsoft.com/office/officeart/2005/8/colors/colorful5">
+  <dgm:title val=""/>
+  <dgm:desc val=""/>
+  <dgm:catLst>
+    <dgm:cat type="colorful" pri="10500"/>
+  </dgm:catLst>
+  <dgm:styleLbl name="node0">
+    <dgm:fillClrLst meth="repeat">
+      <a:schemeClr val="accent4"/>
+    </dgm:fillClrLst>
+    <dgm:linClrLst meth="repeat">
+      <a:schemeClr val="lt1"/>
+    </dgm:linClrLst>
+    <dgm:effectClrLst/>
+    <dgm:txLinClrLst/>
+    <dgm:txFillClrLst/>
+    <dgm:txEffectClrLst/>
+  </dgm:styleLbl>
+  <dgm:styleLbl name="node1">
+    <dgm:fillClrLst>
+      <a:schemeClr val="accent5"/>
+      <a:schemeClr val="accent6"/>
+    </dgm:fillClrLst>
+    <dgm:linClrLst meth="repeat">
+      <a:schemeClr val="lt1"/>
+    </dgm:linClrLst>
+    <dgm:effectClrLst/>
+    <dgm:txLinClrLst/>
+    <dgm:txFillClrLst/>
+    <dgm:txEffectClrLst/>
+  </dgm:styleLbl>
+  <dgm:styleLbl name="alignNode1">
+    <dgm:fillClrLst>
+      <a:schemeClr val="accent5"/>
+      <a:schemeClr val="accent6"/>
+    </dgm:fillClrLst>
+    <dgm:linClrLst>
+      <a:schemeClr val="accent5"/>
+      <a:schemeClr val="accent6"/>
+    </dgm:linClrLst>
+    <dgm:effectClrLst/>
+    <dgm:txLinClrLst/>
+    <dgm:txFillClrLst/>
+    <dgm:txEffectClrLst/>
+  </dgm:styleLbl>
+  <dgm:styleLbl name="lnNode1">
+    <dgm:fillClrLst>
+      <a:schemeClr val="accent5"/>
+      <a:schemeClr val="accent6"/>
+    </dgm:fillClrLst>
+    <dgm:linClrLst meth="repeat">
+      <a:schemeClr val="lt1"/>
+    </dgm:linClrLst>
+    <dgm:effectClrLst/>
+    <dgm:txLinClrLst/>
+    <dgm:txFillClrLst/>
+    <dgm:txEffectClrLst/>
+  </dgm:styleLbl>
+  <dgm:styleLbl name="vennNode1">
+    <dgm:fillClrLst>
+      <a:schemeClr val="accent5">
+        <a:alpha val="50000"/>
+      </a:schemeClr>
+      <a:schemeClr val="accent6">
+        <a:alpha val="50000"/>
+      </a:schemeClr>
+    </dgm:fillClrLst>
+    <dgm:linClrLst meth="repeat">
+      <a:schemeClr val="lt1"/>
+    </dgm:linClrLst>
+    <dgm:effectClrLst/>
+    <dgm:txLinClrLst/>
+    <dgm:txFillClrLst/>
+    <dgm:txEffectClrLst/>
+  </dgm:styleLbl>
+  <dgm:styleLbl name="node2">
+    <dgm:fillClrLst>
+      <a:schemeClr val="accent6"/>
+    </dgm:fillClrLst>
+    <dgm:linClrLst meth="repeat">
+      <a:schemeClr val="lt1"/>
+    </dgm:linClrLst>
+    <dgm:effectClrLst/>
+    <dgm:txLinClrLst/>
+    <dgm:txFillClrLst/>
+    <dgm:txEffectClrLst/>
+  </dgm:styleLbl>
+  <dgm:styleLbl name="node3">
+    <dgm:fillClrLst>
+      <a:schemeClr val="accent1"/>
+    </dgm:fillClrLst>
+    <dgm:linClrLst meth="repeat">
+      <a:schemeClr val="lt1"/>
+    </dgm:linClrLst>
+    <dgm:effectClrLst/>
+    <dgm:txLinClrLst/>
+    <dgm:txFillClrLst/>
+    <dgm:txEffectClrLst/>
+  </dgm:styleLbl>
+  <dgm:styleLbl name="node4">
+    <dgm:fillClrLst>
+      <a:schemeClr val="accent2"/>
+    </dgm:fillClrLst>
+    <dgm:linClrLst meth="repeat">
+      <a:schemeClr val="lt1"/>
+    </dgm:linClrLst>
+    <dgm:effectClrLst/>
+    <dgm:txLinClrLst/>
+    <dgm:txFillClrLst/>
+    <dgm:txEffectClrLst/>
+  </dgm:styleLbl>
+  <dgm:styleLbl name="fgImgPlace1">
+    <dgm:fillClrLst>
+      <a:schemeClr val="accent5">
+        <a:tint val="50000"/>
+      </a:schemeClr>
+      <a:schemeClr val="accent6">
+        <a:tint val="50000"/>
+      </a:schemeClr>
+    </dgm:fillClrLst>
+    <dgm:linClrLst meth="repeat">
+      <a:schemeClr val="lt1"/>
+    </dgm:linClrLst>
+    <dgm:effectClrLst/>
+    <dgm:txLinClrLst/>
+    <dgm:txFillClrLst meth="repeat">
+      <a:schemeClr val="lt1"/>
+    </dgm:txFillClrLst>
+    <dgm:txEffectClrLst/>
+  </dgm:styleLbl>
+  <dgm:styleLbl name="alignImgPlace1">
+    <dgm:fillClrLst>
+      <a:schemeClr val="accent5">
+        <a:tint val="50000"/>
+      </a:schemeClr>
+      <a:schemeClr val="accent6">
+        <a:tint val="20000"/>
+      </a:schemeClr>
+    </dgm:fillClrLst>
+    <dgm:linClrLst meth="repeat">
+      <a:schemeClr val="lt1"/>
+    </dgm:linClrLst>
+    <dgm:effectClrLst/>
+    <dgm:txLinClrLst/>
+    <dgm:txFillClrLst meth="repeat">
+      <a:schemeClr val="lt1"/>
+    </dgm:txFillClrLst>
+    <dgm:txEffectClrLst/>
+  </dgm:styleLbl>
+  <dgm:styleLbl name="bgImgPlace1">
+    <dgm:fillClrLst>
+      <a:schemeClr val="accent5">
+        <a:tint val="50000"/>
+      </a:schemeClr>
+      <a:schemeClr val="accent6">
+        <a:tint val="20000"/>
+      </a:schemeClr>
+    </dgm:fillClrLst>
+    <dgm:linClrLst meth="repeat">
+      <a:schemeClr val="lt1"/>
+    </dgm:linClrLst>
+    <dgm:effectClrLst/>
+    <dgm:txLinClrLst/>
+    <dgm:txFillClrLst meth="repeat">
+      <a:schemeClr val="lt1"/>
+    </dgm:txFillClrLst>
+    <dgm:txEffectClrLst/>
+  </dgm:styleLbl>
+  <dgm:styleLbl name="sibTrans2D1">
+    <dgm:fillClrLst>
+      <a:schemeClr val="accent5"/>
+      <a:schemeClr val="accent6"/>
+    </dgm:fillClrLst>
+    <dgm:linClrLst meth="repeat">
+      <a:schemeClr val="lt1"/>
+    </dgm:linClrLst>
+    <dgm:effectClrLst/>
+    <dgm:txLinClrLst/>
+    <dgm:txFillClrLst/>
+    <dgm:txEffectClrLst/>
+  </dgm:styleLbl>
+  <dgm:styleLbl name="fgSibTrans2D1">
+    <dgm:fillClrLst>
+      <a:schemeClr val="accent5"/>
+      <a:schemeClr val="accent6"/>
+    </dgm:fillClrLst>
+    <dgm:linClrLst meth="repeat">
+      <a:schemeClr val="lt1"/>
+    </dgm:linClrLst>
+    <dgm:effectClrLst/>
+    <dgm:txLinClrLst/>
+    <dgm:txFillClrLst meth="repeat">
+      <a:schemeClr val="lt1"/>
+    </dgm:txFillClrLst>
+    <dgm:txEffectClrLst/>
+  </dgm:styleLbl>
+  <dgm:styleLbl name="bgSibTrans2D1">
+    <dgm:fillClrLst>
+      <a:schemeClr val="accent5"/>
+      <a:schemeClr val="accent6"/>
+    </dgm:fillClrLst>
+    <dgm:linClrLst meth="repeat">
+      <a:schemeClr val="lt1"/>
+    </dgm:linClrLst>
+    <dgm:effectClrLst/>
+    <dgm:txLinClrLst/>
+    <dgm:txFillClrLst meth="repeat">
+      <a:schemeClr val="lt1"/>
+    </dgm:txFillClrLst>
+    <dgm:txEffectClrLst/>
+  </dgm:styleLbl>
+  <dgm:styleLbl name="sibTrans1D1">
+    <dgm:fillClrLst/>
+    <dgm:linClrLst>
+      <a:schemeClr val="accent5"/>
+      <a:schemeClr val="accent6"/>
+    </dgm:linClrLst>
+    <dgm:effectClrLst/>
+    <dgm:txLinClrLst/>
+    <dgm:txFillClrLst meth="repeat">
+      <a:schemeClr val="tx1"/>
+    </dgm:txFillClrLst>
+    <dgm:txEffectClrLst/>
+  </dgm:styleLbl>
+  <dgm:styleLbl name="callout">
+    <dgm:fillClrLst meth="repeat">
+      <a:schemeClr val="accent5"/>
+    </dgm:fillClrLst>
+    <dgm:linClrLst meth="repeat">
+      <a:schemeClr val="accent5">
+        <a:tint val="50000"/>
+      </a:schemeClr>
+    </dgm:linClrLst>
+    <dgm:effectClrLst/>
+    <dgm:txLinClrLst/>
+    <dgm:txFillClrLst meth="repeat">
+      <a:schemeClr val="tx1"/>
+    </dgm:txFillClrLst>
+    <dgm:txEffectClrLst/>
+  </dgm:styleLbl>
+  <dgm:styleLbl name="asst0">
+    <dgm:fillClrLst meth="repeat">
+      <a:schemeClr val="accent5"/>
+    </dgm:fillClrLst>
+    <dgm:linClrLst meth="repeat">
+      <a:schemeClr val="lt1">
+        <a:shade val="80000"/>
+      </a:schemeClr>
+    </dgm:linClrLst>
+    <dgm:effectClrLst/>
+    <dgm:txLinClrLst/>
+    <dgm:txFillClrLst/>
+    <dgm:txEffectClrLst/>
+  </dgm:styleLbl>
+  <dgm:styleLbl name="asst1">
+    <dgm:fillClrLst meth="repeat">
+      <a:schemeClr val="accent6"/>
+    </dgm:fillClrLst>
+    <dgm:linClrLst meth="repeat">
+      <a:schemeClr val="lt1">
+        <a:shade val="80000"/>
+      </a:schemeClr>
+    </dgm:linClrLst>
+    <dgm:effectClrLst/>
+    <dgm:txLinClrLst/>
+    <dgm:txFillClrLst/>
+    <dgm:txEffectClrLst/>
+  </dgm:styleLbl>
+  <dgm:styleLbl name="asst2">
+    <dgm:fillClrLst>
+      <a:schemeClr val="accent1"/>
+    </dgm:fillClrLst>
+    <dgm:linClrLst meth="repeat">
+      <a:schemeClr val="lt1"/>
+    </dgm:linClrLst>
+    <dgm:effectClrLst/>
+    <dgm:txLinClrLst/>
+    <dgm:txFillClrLst/>
+    <dgm:txEffectClrLst/>
+  </dgm:styleLbl>
+  <dgm:styleLbl name="asst3">
+    <dgm:fillClrLst>
+      <a:schemeClr val="accent2"/>
+    </dgm:fillClrLst>
+    <dgm:linClrLst meth="repeat">
+      <a:schemeClr val="lt1"/>
+    </dgm:linClrLst>
+    <dgm:effectClrLst/>
+    <dgm:txLinClrLst/>
+    <dgm:txFillClrLst/>
+    <dgm:txEffectClrLst/>
+  </dgm:styleLbl>
+  <dgm:styleLbl name="asst4">
+    <dgm:fillClrLst>
+      <a:schemeClr val="accent3"/>
+    </dgm:fillClrLst>
+    <dgm:linClrLst meth="repeat">
+      <a:schemeClr val="lt1"/>
+    </dgm:linClrLst>
+    <dgm:effectClrLst/>
+    <dgm:txLinClrLst/>
+    <dgm:txFillClrLst/>
+    <dgm:txEffectClrLst/>
+  </dgm:styleLbl>
+  <dgm:styleLbl name="parChTrans2D1">
+    <dgm:fillClrLst meth="repeat">
+      <a:schemeClr val="accent5"/>
+    </dgm:fillClrLst>
+    <dgm:linClrLst meth="repeat">
+      <a:schemeClr val="lt1"/>
+    </dgm:linClrLst>
+    <dgm:effectClrLst/>
+    <dgm:txLinClrLst/>
+    <dgm:txFillClrLst meth="repeat">
+      <a:schemeClr val="lt1"/>
+    </dgm:txFillClrLst>
+    <dgm:txEffectClrLst/>
+  </dgm:styleLbl>
+  <dgm:styleLbl name="parChTrans2D2">
+    <dgm:fillClrLst meth="repeat">
+      <a:schemeClr val="accent6"/>
+    </dgm:fillClrLst>
+    <dgm:linClrLst meth="repeat">
+      <a:schemeClr val="lt1"/>
+    </dgm:linClrLst>
+    <dgm:effectClrLst/>
+    <dgm:txLinClrLst/>
+    <dgm:txFillClrLst/>
+    <dgm:txEffectClrLst/>
+  </dgm:styleLbl>
+  <dgm:styleLbl name="parChTrans2D3">
+    <dgm:fillClrLst meth="repeat">
+      <a:schemeClr val="accent6"/>
+    </dgm:fillClrLst>
+    <dgm:linClrLst meth="repeat">
+      <a:schemeClr val="lt1"/>
+    </dgm:linClrLst>
+    <dgm:effectClrLst/>
+    <dgm:txLinClrLst/>
+    <dgm:txFillClrLst/>
+    <dgm:txEffectClrLst/>
+  </dgm:styleLbl>
+  <dgm:styleLbl name="parChTrans2D4">
+    <dgm:fillClrLst meth="repeat">
+      <a:schemeClr val="accent1"/>
+    </dgm:fillClrLst>
+    <dgm:linClrLst meth="repeat">
+      <a:schemeClr val="lt1"/>
+    </dgm:linClrLst>
+    <dgm:effectClrLst/>
+    <dgm:txLinClrLst/>
+    <dgm:txFillClrLst meth="repeat">
+      <a:schemeClr val="lt1"/>
+    </dgm:txFillClrLst>
+    <dgm:txEffectClrLst/>
+  </dgm:styleLbl>
+  <dgm:styleLbl name="parChTrans1D1">
+    <dgm:fillClrLst meth="repeat">
+      <a:schemeClr val="accent5"/>
+    </dgm:fillClrLst>
+    <dgm:linClrLst meth="repeat">
+      <a:schemeClr val="accent5"/>
+    </dgm:linClrLst>
+    <dgm:effectClrLst/>
+    <dgm:txLinClrLst/>
+    <dgm:txFillClrLst meth="repeat">
+      <a:schemeClr val="tx1"/>
+    </dgm:txFillClrLst>
+    <dgm:txEffectClrLst/>
+  </dgm:styleLbl>
+  <dgm:styleLbl name="parChTrans1D2">
+    <dgm:fillClrLst meth="repeat">
+      <a:schemeClr val="accent6">
+        <a:tint val="90000"/>
+      </a:schemeClr>
+    </dgm:fillClrLst>
+    <dgm:linClrLst meth="repeat">
+      <a:schemeClr val="accent6"/>
+    </dgm:linClrLst>
+    <dgm:effectClrLst/>
+    <dgm:txLinClrLst/>
+    <dgm:txFillClrLst meth="repeat">
+      <a:schemeClr val="tx1"/>
+    </dgm:txFillClrLst>
+    <dgm:txEffectClrLst/>
+  </dgm:styleLbl>
+  <dgm:styleLbl name="parChTrans1D3">
+    <dgm:fillClrLst meth="repeat">
+      <a:schemeClr val="accent6">
+        <a:tint val="70000"/>
+      </a:schemeClr>
+    </dgm:fillClrLst>
+    <dgm:linClrLst meth="repeat">
+      <a:schemeClr val="accent1"/>
+    </dgm:linClrLst>
+    <dgm:effectClrLst/>
+    <dgm:txLinClrLst/>
+    <dgm:txFillClrLst meth="repeat">
+      <a:schemeClr val="tx1"/>
+    </dgm:txFillClrLst>
+    <dgm:txEffectClrLst/>
+  </dgm:styleLbl>
+  <dgm:styleLbl name="parChTrans1D4">
+    <dgm:fillClrLst meth="repeat">
+      <a:schemeClr val="accent6">
+        <a:tint val="50000"/>
+      </a:schemeClr>
+    </dgm:fillClrLst>
+    <dgm:linClrLst meth="repeat">
+      <a:schemeClr val="accent2"/>
+    </dgm:linClrLst>
+    <dgm:effectClrLst/>
+    <dgm:txLinClrLst/>
+    <dgm:txFillClrLst meth="repeat">
+      <a:schemeClr val="tx1"/>
+    </dgm:txFillClrLst>
+    <dgm:txEffectClrLst/>
+  </dgm:styleLbl>
+  <dgm:styleLbl name="fgAcc1">
+    <dgm:fillClrLst meth="repeat">
+      <a:schemeClr val="lt1">
+        <a:alpha val="90000"/>
+      </a:schemeClr>
+    </dgm:fillClrLst>
+    <dgm:linClrLst>
+      <a:schemeClr val="accent5"/>
+      <a:schemeClr val="accent6"/>
+    </dgm:linClrLst>
+    <dgm:effectClrLst/>
+    <dgm:txLinClrLst/>
+    <dgm:txFillClrLst meth="repeat">
+      <a:schemeClr val="dk1"/>
+    </dgm:txFillClrLst>
+    <dgm:txEffectClrLst/>
+  </dgm:styleLbl>
+  <dgm:styleLbl name="conFgAcc1">
+    <dgm:fillClrLst meth="repeat">
+      <a:schemeClr val="lt1">
+        <a:alpha val="90000"/>
+      </a:schemeClr>
+    </dgm:fillClrLst>
+    <dgm:linClrLst>
+      <a:schemeClr val="accent5"/>
+      <a:schemeClr val="accent6"/>
+    </dgm:linClrLst>
+    <dgm:effectClrLst/>
+    <dgm:txLinClrLst/>
+    <dgm:txFillClrLst meth="repeat">
+      <a:schemeClr val="dk1"/>
+    </dgm:txFillClrLst>
+    <dgm:txEffectClrLst/>
+  </dgm:styleLbl>
+  <dgm:styleLbl name="alignAcc1">
+    <dgm:fillClrLst meth="repeat">
+      <a:schemeClr val="lt1">
+        <a:alpha val="90000"/>
+      </a:schemeClr>
+    </dgm:fillClrLst>
+    <dgm:linClrLst>
+      <a:schemeClr val="accent5"/>
+      <a:schemeClr val="accent6"/>
+    </dgm:linClrLst>
+    <dgm:effectClrLst/>
+    <dgm:txLinClrLst/>
+    <dgm:txFillClrLst meth="repeat">
+      <a:schemeClr val="dk1"/>
+    </dgm:txFillClrLst>
+    <dgm:txEffectClrLst/>
+  </dgm:styleLbl>
+  <dgm:styleLbl name="trAlignAcc1">
+    <dgm:fillClrLst meth="repeat">
+      <a:schemeClr val="lt1">
+        <a:alpha val="40000"/>
+      </a:schemeClr>
+    </dgm:fillClrLst>
+    <dgm:linClrLst meth="repeat">
+      <a:schemeClr val="accent5"/>
+    </dgm:linClrLst>
+    <dgm:effectClrLst/>
+    <dgm:txLinClrLst/>
+    <dgm:txFillClrLst meth="repeat">
+      <a:schemeClr val="dk1"/>
+    </dgm:txFillClrLst>
+    <dgm:txEffectClrLst/>
+  </dgm:styleLbl>
+  <dgm:styleLbl name="bgAcc1">
+    <dgm:fillClrLst meth="repeat">
+      <a:schemeClr val="lt1">
+        <a:alpha val="90000"/>
+      </a:schemeClr>
+    </dgm:fillClrLst>
+    <dgm:linClrLst>
+      <a:schemeClr val="accent5"/>
+      <a:schemeClr val="accent6"/>
+    </dgm:linClrLst>
+    <dgm:effectClrLst/>
+    <dgm:txLinClrLst/>
+    <dgm:txFillClrLst meth="repeat">
+      <a:schemeClr val="dk1"/>
+    </dgm:txFillClrLst>
+    <dgm:txEffectClrLst/>
+  </dgm:styleLbl>
+  <dgm:styleLbl name="solidFgAcc1">
+    <dgm:fillClrLst meth="repeat">
+      <a:schemeClr val="lt1"/>
+    </dgm:fillClrLst>
+    <dgm:linClrLst>
+      <a:schemeClr val="accent5"/>
+      <a:schemeClr val="accent6"/>
+    </dgm:linClrLst>
+    <dgm:effectClrLst/>
+    <dgm:txLinClrLst/>
+    <dgm:txFillClrLst meth="repeat">
+      <a:schemeClr val="dk1"/>
+    </dgm:txFillClrLst>
+    <dgm:txEffectClrLst/>
+  </dgm:styleLbl>
+  <dgm:styleLbl name="solidAlignAcc1">
+    <dgm:fillClrLst meth="repeat">
+      <a:schemeClr val="lt1"/>
+    </dgm:fillClrLst>
+    <dgm:linClrLst>
+      <a:schemeClr val="accent5"/>
+      <a:schemeClr val="accent6"/>
+    </dgm:linClrLst>
+    <dgm:effectClrLst/>
+    <dgm:txLinClrLst/>
+    <dgm:txFillClrLst meth="repeat">
+      <a:schemeClr val="dk1"/>
+    </dgm:txFillClrLst>
+    <dgm:txEffectClrLst/>
+  </dgm:styleLbl>
+  <dgm:styleLbl name="solidBgAcc1">
+    <dgm:fillClrLst meth="repeat">
+      <a:schemeClr val="lt1"/>
+    </dgm:fillClrLst>
+    <dgm:linClrLst>
+      <a:schemeClr val="accent5"/>
+      <a:schemeClr val="accent6"/>
+    </dgm:linClrLst>
+    <dgm:effectClrLst/>
+    <dgm:txLinClrLst/>
+    <dgm:txFillClrLst meth="repeat">
+      <a:schemeClr val="dk1"/>
+    </dgm:txFillClrLst>
+    <dgm:txEffectClrLst/>
+  </dgm:styleLbl>
+  <dgm:styleLbl name="fgAccFollowNode1">
+    <dgm:fillClrLst>
+      <a:schemeClr val="accent5">
+        <a:tint val="40000"/>
+        <a:alpha val="90000"/>
+      </a:schemeClr>
+      <a:schemeClr val="accent6">
+        <a:tint val="40000"/>
+        <a:alpha val="90000"/>
+      </a:schemeClr>
+    </dgm:fillClrLst>
+    <dgm:linClrLst>
+      <a:schemeClr val="accent5">
+        <a:tint val="40000"/>
+        <a:alpha val="90000"/>
+      </a:schemeClr>
+      <a:schemeClr val="accent5">
+        <a:tint val="40000"/>
+        <a:alpha val="90000"/>
+      </a:schemeClr>
+    </dgm:linClrLst>
+    <dgm:effectClrLst/>
+    <dgm:txLinClrLst/>
+    <dgm:txFillClrLst meth="repeat">
+      <a:schemeClr val="dk1"/>
+    </dgm:txFillClrLst>
+    <dgm:txEffectClrLst/>
+  </dgm:styleLbl>
+  <dgm:styleLbl name="alignAccFollowNode1">
+    <dgm:fillClrLst>
+      <a:schemeClr val="accent5">
+        <a:tint val="40000"/>
+        <a:alpha val="90000"/>
+      </a:schemeClr>
+      <a:schemeClr val="accent6">
+        <a:tint val="40000"/>
+        <a:alpha val="90000"/>
+      </a:schemeClr>
+    </dgm:fillClrLst>
+    <dgm:linClrLst>
+      <a:schemeClr val="accent5">
+        <a:tint val="40000"/>
+        <a:alpha val="90000"/>
+      </a:schemeClr>
+      <a:schemeClr val="accent6">
+        <a:tint val="40000"/>
+        <a:alpha val="90000"/>
+      </a:schemeClr>
+    </dgm:linClrLst>
+    <dgm:effectClrLst/>
+    <dgm:txLinClrLst/>
+    <dgm:txFillClrLst meth="repeat">
+      <a:schemeClr val="dk1"/>
+    </dgm:txFillClrLst>
+    <dgm:txEffectClrLst/>
+  </dgm:styleLbl>
+  <dgm:styleLbl name="bgAccFollowNode1">
+    <dgm:fillClrLst>
+      <a:schemeClr val="accent5">
+        <a:tint val="40000"/>
+        <a:alpha val="90000"/>
+      </a:schemeClr>
+      <a:schemeClr val="accent6">
+        <a:tint val="40000"/>
+        <a:alpha val="90000"/>
+      </a:schemeClr>
+    </dgm:fillClrLst>
+    <dgm:linClrLst>
+      <a:schemeClr val="accent5">
+        <a:tint val="40000"/>
+        <a:alpha val="90000"/>
+      </a:schemeClr>
+      <a:schemeClr val="accent6">
+        <a:tint val="40000"/>
+        <a:alpha val="90000"/>
+      </a:schemeClr>
+    </dgm:linClrLst>
+    <dgm:effectClrLst/>
+    <dgm:txLinClrLst/>
+    <dgm:txFillClrLst meth="repeat">
+      <a:schemeClr val="dk1"/>
+    </dgm:txFillClrLst>
+    <dgm:txEffectClrLst/>
+  </dgm:styleLbl>
+  <dgm:styleLbl name="fgAcc0">
+    <dgm:fillClrLst meth="repeat">
+      <a:schemeClr val="lt1">
+        <a:alpha val="90000"/>
+      </a:schemeClr>
+    </dgm:fillClrLst>
+    <dgm:linClrLst>
+      <a:schemeClr val="accent4"/>
+    </dgm:linClrLst>
+    <dgm:effectClrLst/>
+    <dgm:txLinClrLst/>
+    <dgm:txFillClrLst meth="repeat">
+      <a:schemeClr val="dk1"/>
+    </dgm:txFillClrLst>
+    <dgm:txEffectClrLst/>
+  </dgm:styleLbl>
+  <dgm:styleLbl name="fgAcc2">
+    <dgm:fillClrLst meth="repeat">
+      <a:schemeClr val="lt1">
+        <a:alpha val="90000"/>
+      </a:schemeClr>
+    </dgm:fillClrLst>
+    <dgm:linClrLst>
+      <a:schemeClr val="accent6"/>
+    </dgm:linClrLst>
+    <dgm:effectClrLst/>
+    <dgm:txLinClrLst/>
+    <dgm:txFillClrLst meth="repeat">
+      <a:schemeClr val="dk1"/>
+    </dgm:txFillClrLst>
+    <dgm:txEffectClrLst/>
+  </dgm:styleLbl>
+  <dgm:styleLbl name="fgAcc3">
+    <dgm:fillClrLst meth="repeat">
+      <a:schemeClr val="lt1">
+        <a:alpha val="90000"/>
+      </a:schemeClr>
+    </dgm:fillClrLst>
+    <dgm:linClrLst>
+      <a:schemeClr val="accent1"/>
+    </dgm:linClrLst>
+    <dgm:effectClrLst/>
+    <dgm:txLinClrLst/>
+    <dgm:txFillClrLst meth="repeat">
+      <a:schemeClr val="dk1"/>
+    </dgm:txFillClrLst>
+    <dgm:txEffectClrLst/>
+  </dgm:styleLbl>
+  <dgm:styleLbl name="fgAcc4">
+    <dgm:fillClrLst meth="repeat">
+      <a:schemeClr val="lt1">
+        <a:alpha val="90000"/>
+      </a:schemeClr>
+    </dgm:fillClrLst>
+    <dgm:linClrLst>
+      <a:schemeClr val="accent2"/>
+    </dgm:linClrLst>
+    <dgm:effectClrLst/>
+    <dgm:txLinClrLst/>
+    <dgm:txFillClrLst meth="repeat">
+      <a:schemeClr val="dk1"/>
+    </dgm:txFillClrLst>
+    <dgm:txEffectClrLst/>
+  </dgm:styleLbl>
+  <dgm:styleLbl name="bgShp">
+    <dgm:fillClrLst meth="repeat">
+      <a:schemeClr val="accent5">
+        <a:tint val="40000"/>
+      </a:schemeClr>
+    </dgm:fillClrLst>
+    <dgm:linClrLst meth="repeat">
+      <a:schemeClr val="dk1"/>
+    </dgm:linClrLst>
+    <dgm:effectClrLst/>
+    <dgm:txLinClrLst/>
+    <dgm:txFillClrLst meth="repeat">
+      <a:schemeClr val="dk1"/>
+    </dgm:txFillClrLst>
+    <dgm:txEffectClrLst/>
+  </dgm:styleLbl>
+  <dgm:styleLbl name="dkBgShp">
+    <dgm:fillClrLst meth="repeat">
+      <a:schemeClr val="accent5">
+        <a:shade val="90000"/>
+      </a:schemeClr>
+    </dgm:fillClrLst>
+    <dgm:linClrLst meth="repeat">
+      <a:schemeClr val="dk1"/>
+    </dgm:linClrLst>
+    <dgm:effectClrLst/>
+    <dgm:txLinClrLst/>
+    <dgm:txFillClrLst meth="repeat">
+      <a:schemeClr val="lt1"/>
+    </dgm:txFillClrLst>
+    <dgm:txEffectClrLst/>
+  </dgm:styleLbl>
+  <dgm:styleLbl name="trBgShp">
+    <dgm:fillClrLst meth="repeat">
+      <a:schemeClr val="accent5">
+        <a:tint val="50000"/>
+        <a:alpha val="40000"/>
+      </a:schemeClr>
+    </dgm:fillClrLst>
+    <dgm:linClrLst meth="repeat">
+      <a:schemeClr val="accent5"/>
+    </dgm:linClrLst>
+    <dgm:effectClrLst/>
+    <dgm:txLinClrLst/>
+    <dgm:txFillClrLst meth="repeat">
+      <a:schemeClr val="lt1"/>
+    </dgm:txFillClrLst>
+    <dgm:txEffectClrLst/>
+  </dgm:styleLbl>
+  <dgm:styleLbl name="fgShp">
+    <dgm:fillClrLst meth="repeat">
+      <a:schemeClr val="accent5">
+        <a:tint val="40000"/>
+      </a:schemeClr>
+    </dgm:fillClrLst>
+    <dgm:linClrLst meth="repeat">
+      <a:schemeClr val="lt1"/>
+    </dgm:linClrLst>
+    <dgm:effectClrLst/>
+    <dgm:txLinClrLst/>
+    <dgm:txFillClrLst meth="repeat">
+      <a:schemeClr val="dk1"/>
+    </dgm:txFillClrLst>
+    <dgm:txEffectClrLst/>
+  </dgm:styleLbl>
+  <dgm:styleLbl name="revTx">
+    <dgm:fillClrLst meth="repeat">
+      <a:schemeClr val="lt1">
+        <a:alpha val="0"/>
+      </a:schemeClr>
+    </dgm:fillClrLst>
+    <dgm:linClrLst meth="repeat">
+      <a:schemeClr val="dk1">
+        <a:alpha val="0"/>
+      </a:schemeClr>
+    </dgm:linClrLst>
+    <dgm:effectClrLst/>
+    <dgm:txLinClrLst/>
+    <dgm:txFillClrLst meth="repeat">
+      <a:schemeClr val="tx1"/>
+    </dgm:txFillClrLst>
+    <dgm:txEffectClrLst/>
+  </dgm:styleLbl>
+</dgm:colorsDef>
+</file>
+
+<file path=ppt/diagrams/colors2.xml><?xml version="1.0" encoding="utf-8"?>
 <dgm:colorsDef xmlns:dgm="http://schemas.openxmlformats.org/drawingml/2006/diagram" xmlns:a="http://schemas.openxmlformats.org/drawingml/2006/main" uniqueId="urn:microsoft.com/office/officeart/2005/8/colors/colorful1">
   <dgm:title val=""/>
   <dgm:desc val=""/>
@@ -1101,789 +1946,460 @@
 </dgm:colorsDef>
 </file>
 
-<file path=ppt/diagrams/colors2.xml><?xml version="1.0" encoding="utf-8"?>
-<dgm:colorsDef xmlns:dgm="http://schemas.openxmlformats.org/drawingml/2006/diagram" xmlns:a="http://schemas.openxmlformats.org/drawingml/2006/main" uniqueId="urn:microsoft.com/office/officeart/2005/8/colors/colorful5">
-  <dgm:title val=""/>
-  <dgm:desc val=""/>
-  <dgm:catLst>
-    <dgm:cat type="colorful" pri="10500"/>
-  </dgm:catLst>
-  <dgm:styleLbl name="node0">
-    <dgm:fillClrLst meth="repeat">
-      <a:schemeClr val="accent4"/>
-    </dgm:fillClrLst>
-    <dgm:linClrLst meth="repeat">
-      <a:schemeClr val="lt1"/>
-    </dgm:linClrLst>
-    <dgm:effectClrLst/>
-    <dgm:txLinClrLst/>
-    <dgm:txFillClrLst/>
-    <dgm:txEffectClrLst/>
-  </dgm:styleLbl>
-  <dgm:styleLbl name="node1">
-    <dgm:fillClrLst>
-      <a:schemeClr val="accent5"/>
-      <a:schemeClr val="accent6"/>
-    </dgm:fillClrLst>
-    <dgm:linClrLst meth="repeat">
-      <a:schemeClr val="lt1"/>
-    </dgm:linClrLst>
-    <dgm:effectClrLst/>
-    <dgm:txLinClrLst/>
-    <dgm:txFillClrLst/>
-    <dgm:txEffectClrLst/>
-  </dgm:styleLbl>
-  <dgm:styleLbl name="alignNode1">
-    <dgm:fillClrLst>
-      <a:schemeClr val="accent5"/>
-      <a:schemeClr val="accent6"/>
-    </dgm:fillClrLst>
-    <dgm:linClrLst>
-      <a:schemeClr val="accent5"/>
-      <a:schemeClr val="accent6"/>
-    </dgm:linClrLst>
-    <dgm:effectClrLst/>
-    <dgm:txLinClrLst/>
-    <dgm:txFillClrLst/>
-    <dgm:txEffectClrLst/>
-  </dgm:styleLbl>
-  <dgm:styleLbl name="lnNode1">
-    <dgm:fillClrLst>
-      <a:schemeClr val="accent5"/>
-      <a:schemeClr val="accent6"/>
-    </dgm:fillClrLst>
-    <dgm:linClrLst meth="repeat">
-      <a:schemeClr val="lt1"/>
-    </dgm:linClrLst>
-    <dgm:effectClrLst/>
-    <dgm:txLinClrLst/>
-    <dgm:txFillClrLst/>
-    <dgm:txEffectClrLst/>
-  </dgm:styleLbl>
-  <dgm:styleLbl name="vennNode1">
-    <dgm:fillClrLst>
-      <a:schemeClr val="accent5">
-        <a:alpha val="50000"/>
-      </a:schemeClr>
-      <a:schemeClr val="accent6">
-        <a:alpha val="50000"/>
-      </a:schemeClr>
-    </dgm:fillClrLst>
-    <dgm:linClrLst meth="repeat">
-      <a:schemeClr val="lt1"/>
-    </dgm:linClrLst>
-    <dgm:effectClrLst/>
-    <dgm:txLinClrLst/>
-    <dgm:txFillClrLst/>
-    <dgm:txEffectClrLst/>
-  </dgm:styleLbl>
-  <dgm:styleLbl name="node2">
-    <dgm:fillClrLst>
-      <a:schemeClr val="accent6"/>
-    </dgm:fillClrLst>
-    <dgm:linClrLst meth="repeat">
-      <a:schemeClr val="lt1"/>
-    </dgm:linClrLst>
-    <dgm:effectClrLst/>
-    <dgm:txLinClrLst/>
-    <dgm:txFillClrLst/>
-    <dgm:txEffectClrLst/>
-  </dgm:styleLbl>
-  <dgm:styleLbl name="node3">
-    <dgm:fillClrLst>
-      <a:schemeClr val="accent1"/>
-    </dgm:fillClrLst>
-    <dgm:linClrLst meth="repeat">
-      <a:schemeClr val="lt1"/>
-    </dgm:linClrLst>
-    <dgm:effectClrLst/>
-    <dgm:txLinClrLst/>
-    <dgm:txFillClrLst/>
-    <dgm:txEffectClrLst/>
-  </dgm:styleLbl>
-  <dgm:styleLbl name="node4">
-    <dgm:fillClrLst>
-      <a:schemeClr val="accent2"/>
-    </dgm:fillClrLst>
-    <dgm:linClrLst meth="repeat">
-      <a:schemeClr val="lt1"/>
-    </dgm:linClrLst>
-    <dgm:effectClrLst/>
-    <dgm:txLinClrLst/>
-    <dgm:txFillClrLst/>
-    <dgm:txEffectClrLst/>
-  </dgm:styleLbl>
-  <dgm:styleLbl name="fgImgPlace1">
-    <dgm:fillClrLst>
-      <a:schemeClr val="accent5">
-        <a:tint val="50000"/>
-      </a:schemeClr>
-      <a:schemeClr val="accent6">
-        <a:tint val="50000"/>
-      </a:schemeClr>
-    </dgm:fillClrLst>
-    <dgm:linClrLst meth="repeat">
-      <a:schemeClr val="lt1"/>
-    </dgm:linClrLst>
-    <dgm:effectClrLst/>
-    <dgm:txLinClrLst/>
-    <dgm:txFillClrLst meth="repeat">
-      <a:schemeClr val="lt1"/>
-    </dgm:txFillClrLst>
-    <dgm:txEffectClrLst/>
-  </dgm:styleLbl>
-  <dgm:styleLbl name="alignImgPlace1">
-    <dgm:fillClrLst>
-      <a:schemeClr val="accent5">
-        <a:tint val="50000"/>
-      </a:schemeClr>
-      <a:schemeClr val="accent6">
-        <a:tint val="20000"/>
-      </a:schemeClr>
-    </dgm:fillClrLst>
-    <dgm:linClrLst meth="repeat">
-      <a:schemeClr val="lt1"/>
-    </dgm:linClrLst>
-    <dgm:effectClrLst/>
-    <dgm:txLinClrLst/>
-    <dgm:txFillClrLst meth="repeat">
-      <a:schemeClr val="lt1"/>
-    </dgm:txFillClrLst>
-    <dgm:txEffectClrLst/>
-  </dgm:styleLbl>
-  <dgm:styleLbl name="bgImgPlace1">
-    <dgm:fillClrLst>
-      <a:schemeClr val="accent5">
-        <a:tint val="50000"/>
-      </a:schemeClr>
-      <a:schemeClr val="accent6">
-        <a:tint val="20000"/>
-      </a:schemeClr>
-    </dgm:fillClrLst>
-    <dgm:linClrLst meth="repeat">
-      <a:schemeClr val="lt1"/>
-    </dgm:linClrLst>
-    <dgm:effectClrLst/>
-    <dgm:txLinClrLst/>
-    <dgm:txFillClrLst meth="repeat">
-      <a:schemeClr val="lt1"/>
-    </dgm:txFillClrLst>
-    <dgm:txEffectClrLst/>
-  </dgm:styleLbl>
-  <dgm:styleLbl name="sibTrans2D1">
-    <dgm:fillClrLst>
-      <a:schemeClr val="accent5"/>
-      <a:schemeClr val="accent6"/>
-    </dgm:fillClrLst>
-    <dgm:linClrLst meth="repeat">
-      <a:schemeClr val="lt1"/>
-    </dgm:linClrLst>
-    <dgm:effectClrLst/>
-    <dgm:txLinClrLst/>
-    <dgm:txFillClrLst/>
-    <dgm:txEffectClrLst/>
-  </dgm:styleLbl>
-  <dgm:styleLbl name="fgSibTrans2D1">
-    <dgm:fillClrLst>
-      <a:schemeClr val="accent5"/>
-      <a:schemeClr val="accent6"/>
-    </dgm:fillClrLst>
-    <dgm:linClrLst meth="repeat">
-      <a:schemeClr val="lt1"/>
-    </dgm:linClrLst>
-    <dgm:effectClrLst/>
-    <dgm:txLinClrLst/>
-    <dgm:txFillClrLst meth="repeat">
-      <a:schemeClr val="lt1"/>
-    </dgm:txFillClrLst>
-    <dgm:txEffectClrLst/>
-  </dgm:styleLbl>
-  <dgm:styleLbl name="bgSibTrans2D1">
-    <dgm:fillClrLst>
-      <a:schemeClr val="accent5"/>
-      <a:schemeClr val="accent6"/>
-    </dgm:fillClrLst>
-    <dgm:linClrLst meth="repeat">
-      <a:schemeClr val="lt1"/>
-    </dgm:linClrLst>
-    <dgm:effectClrLst/>
-    <dgm:txLinClrLst/>
-    <dgm:txFillClrLst meth="repeat">
-      <a:schemeClr val="lt1"/>
-    </dgm:txFillClrLst>
-    <dgm:txEffectClrLst/>
-  </dgm:styleLbl>
-  <dgm:styleLbl name="sibTrans1D1">
-    <dgm:fillClrLst/>
-    <dgm:linClrLst>
-      <a:schemeClr val="accent5"/>
-      <a:schemeClr val="accent6"/>
-    </dgm:linClrLst>
-    <dgm:effectClrLst/>
-    <dgm:txLinClrLst/>
-    <dgm:txFillClrLst meth="repeat">
-      <a:schemeClr val="tx1"/>
-    </dgm:txFillClrLst>
-    <dgm:txEffectClrLst/>
-  </dgm:styleLbl>
-  <dgm:styleLbl name="callout">
-    <dgm:fillClrLst meth="repeat">
-      <a:schemeClr val="accent5"/>
-    </dgm:fillClrLst>
-    <dgm:linClrLst meth="repeat">
-      <a:schemeClr val="accent5">
-        <a:tint val="50000"/>
-      </a:schemeClr>
-    </dgm:linClrLst>
-    <dgm:effectClrLst/>
-    <dgm:txLinClrLst/>
-    <dgm:txFillClrLst meth="repeat">
-      <a:schemeClr val="tx1"/>
-    </dgm:txFillClrLst>
-    <dgm:txEffectClrLst/>
-  </dgm:styleLbl>
-  <dgm:styleLbl name="asst0">
-    <dgm:fillClrLst meth="repeat">
-      <a:schemeClr val="accent5"/>
-    </dgm:fillClrLst>
-    <dgm:linClrLst meth="repeat">
-      <a:schemeClr val="lt1">
-        <a:shade val="80000"/>
-      </a:schemeClr>
-    </dgm:linClrLst>
-    <dgm:effectClrLst/>
-    <dgm:txLinClrLst/>
-    <dgm:txFillClrLst/>
-    <dgm:txEffectClrLst/>
-  </dgm:styleLbl>
-  <dgm:styleLbl name="asst1">
-    <dgm:fillClrLst meth="repeat">
-      <a:schemeClr val="accent6"/>
-    </dgm:fillClrLst>
-    <dgm:linClrLst meth="repeat">
-      <a:schemeClr val="lt1">
-        <a:shade val="80000"/>
-      </a:schemeClr>
-    </dgm:linClrLst>
-    <dgm:effectClrLst/>
-    <dgm:txLinClrLst/>
-    <dgm:txFillClrLst/>
-    <dgm:txEffectClrLst/>
-  </dgm:styleLbl>
-  <dgm:styleLbl name="asst2">
-    <dgm:fillClrLst>
-      <a:schemeClr val="accent1"/>
-    </dgm:fillClrLst>
-    <dgm:linClrLst meth="repeat">
-      <a:schemeClr val="lt1"/>
-    </dgm:linClrLst>
-    <dgm:effectClrLst/>
-    <dgm:txLinClrLst/>
-    <dgm:txFillClrLst/>
-    <dgm:txEffectClrLst/>
-  </dgm:styleLbl>
-  <dgm:styleLbl name="asst3">
-    <dgm:fillClrLst>
-      <a:schemeClr val="accent2"/>
-    </dgm:fillClrLst>
-    <dgm:linClrLst meth="repeat">
-      <a:schemeClr val="lt1"/>
-    </dgm:linClrLst>
-    <dgm:effectClrLst/>
-    <dgm:txLinClrLst/>
-    <dgm:txFillClrLst/>
-    <dgm:txEffectClrLst/>
-  </dgm:styleLbl>
-  <dgm:styleLbl name="asst4">
-    <dgm:fillClrLst>
-      <a:schemeClr val="accent3"/>
-    </dgm:fillClrLst>
-    <dgm:linClrLst meth="repeat">
-      <a:schemeClr val="lt1"/>
-    </dgm:linClrLst>
-    <dgm:effectClrLst/>
-    <dgm:txLinClrLst/>
-    <dgm:txFillClrLst/>
-    <dgm:txEffectClrLst/>
-  </dgm:styleLbl>
-  <dgm:styleLbl name="parChTrans2D1">
-    <dgm:fillClrLst meth="repeat">
-      <a:schemeClr val="accent5"/>
-    </dgm:fillClrLst>
-    <dgm:linClrLst meth="repeat">
-      <a:schemeClr val="lt1"/>
-    </dgm:linClrLst>
-    <dgm:effectClrLst/>
-    <dgm:txLinClrLst/>
-    <dgm:txFillClrLst meth="repeat">
-      <a:schemeClr val="lt1"/>
-    </dgm:txFillClrLst>
-    <dgm:txEffectClrLst/>
-  </dgm:styleLbl>
-  <dgm:styleLbl name="parChTrans2D2">
-    <dgm:fillClrLst meth="repeat">
-      <a:schemeClr val="accent6"/>
-    </dgm:fillClrLst>
-    <dgm:linClrLst meth="repeat">
-      <a:schemeClr val="lt1"/>
-    </dgm:linClrLst>
-    <dgm:effectClrLst/>
-    <dgm:txLinClrLst/>
-    <dgm:txFillClrLst/>
-    <dgm:txEffectClrLst/>
-  </dgm:styleLbl>
-  <dgm:styleLbl name="parChTrans2D3">
-    <dgm:fillClrLst meth="repeat">
-      <a:schemeClr val="accent6"/>
-    </dgm:fillClrLst>
-    <dgm:linClrLst meth="repeat">
-      <a:schemeClr val="lt1"/>
-    </dgm:linClrLst>
-    <dgm:effectClrLst/>
-    <dgm:txLinClrLst/>
-    <dgm:txFillClrLst/>
-    <dgm:txEffectClrLst/>
-  </dgm:styleLbl>
-  <dgm:styleLbl name="parChTrans2D4">
-    <dgm:fillClrLst meth="repeat">
-      <a:schemeClr val="accent1"/>
-    </dgm:fillClrLst>
-    <dgm:linClrLst meth="repeat">
-      <a:schemeClr val="lt1"/>
-    </dgm:linClrLst>
-    <dgm:effectClrLst/>
-    <dgm:txLinClrLst/>
-    <dgm:txFillClrLst meth="repeat">
-      <a:schemeClr val="lt1"/>
-    </dgm:txFillClrLst>
-    <dgm:txEffectClrLst/>
-  </dgm:styleLbl>
-  <dgm:styleLbl name="parChTrans1D1">
-    <dgm:fillClrLst meth="repeat">
-      <a:schemeClr val="accent5"/>
-    </dgm:fillClrLst>
-    <dgm:linClrLst meth="repeat">
-      <a:schemeClr val="accent5"/>
-    </dgm:linClrLst>
-    <dgm:effectClrLst/>
-    <dgm:txLinClrLst/>
-    <dgm:txFillClrLst meth="repeat">
-      <a:schemeClr val="tx1"/>
-    </dgm:txFillClrLst>
-    <dgm:txEffectClrLst/>
-  </dgm:styleLbl>
-  <dgm:styleLbl name="parChTrans1D2">
-    <dgm:fillClrLst meth="repeat">
-      <a:schemeClr val="accent6">
-        <a:tint val="90000"/>
-      </a:schemeClr>
-    </dgm:fillClrLst>
-    <dgm:linClrLst meth="repeat">
-      <a:schemeClr val="accent6"/>
-    </dgm:linClrLst>
-    <dgm:effectClrLst/>
-    <dgm:txLinClrLst/>
-    <dgm:txFillClrLst meth="repeat">
-      <a:schemeClr val="tx1"/>
-    </dgm:txFillClrLst>
-    <dgm:txEffectClrLst/>
-  </dgm:styleLbl>
-  <dgm:styleLbl name="parChTrans1D3">
-    <dgm:fillClrLst meth="repeat">
-      <a:schemeClr val="accent6">
-        <a:tint val="70000"/>
-      </a:schemeClr>
-    </dgm:fillClrLst>
-    <dgm:linClrLst meth="repeat">
-      <a:schemeClr val="accent1"/>
-    </dgm:linClrLst>
-    <dgm:effectClrLst/>
-    <dgm:txLinClrLst/>
-    <dgm:txFillClrLst meth="repeat">
-      <a:schemeClr val="tx1"/>
-    </dgm:txFillClrLst>
-    <dgm:txEffectClrLst/>
-  </dgm:styleLbl>
-  <dgm:styleLbl name="parChTrans1D4">
-    <dgm:fillClrLst meth="repeat">
-      <a:schemeClr val="accent6">
-        <a:tint val="50000"/>
-      </a:schemeClr>
-    </dgm:fillClrLst>
-    <dgm:linClrLst meth="repeat">
-      <a:schemeClr val="accent2"/>
-    </dgm:linClrLst>
-    <dgm:effectClrLst/>
-    <dgm:txLinClrLst/>
-    <dgm:txFillClrLst meth="repeat">
-      <a:schemeClr val="tx1"/>
-    </dgm:txFillClrLst>
-    <dgm:txEffectClrLst/>
-  </dgm:styleLbl>
-  <dgm:styleLbl name="fgAcc1">
-    <dgm:fillClrLst meth="repeat">
-      <a:schemeClr val="lt1">
-        <a:alpha val="90000"/>
-      </a:schemeClr>
-    </dgm:fillClrLst>
-    <dgm:linClrLst>
-      <a:schemeClr val="accent5"/>
-      <a:schemeClr val="accent6"/>
-    </dgm:linClrLst>
-    <dgm:effectClrLst/>
-    <dgm:txLinClrLst/>
-    <dgm:txFillClrLst meth="repeat">
-      <a:schemeClr val="dk1"/>
-    </dgm:txFillClrLst>
-    <dgm:txEffectClrLst/>
-  </dgm:styleLbl>
-  <dgm:styleLbl name="conFgAcc1">
-    <dgm:fillClrLst meth="repeat">
-      <a:schemeClr val="lt1">
-        <a:alpha val="90000"/>
-      </a:schemeClr>
-    </dgm:fillClrLst>
-    <dgm:linClrLst>
-      <a:schemeClr val="accent5"/>
-      <a:schemeClr val="accent6"/>
-    </dgm:linClrLst>
-    <dgm:effectClrLst/>
-    <dgm:txLinClrLst/>
-    <dgm:txFillClrLst meth="repeat">
-      <a:schemeClr val="dk1"/>
-    </dgm:txFillClrLst>
-    <dgm:txEffectClrLst/>
-  </dgm:styleLbl>
-  <dgm:styleLbl name="alignAcc1">
-    <dgm:fillClrLst meth="repeat">
-      <a:schemeClr val="lt1">
-        <a:alpha val="90000"/>
-      </a:schemeClr>
-    </dgm:fillClrLst>
-    <dgm:linClrLst>
-      <a:schemeClr val="accent5"/>
-      <a:schemeClr val="accent6"/>
-    </dgm:linClrLst>
-    <dgm:effectClrLst/>
-    <dgm:txLinClrLst/>
-    <dgm:txFillClrLst meth="repeat">
-      <a:schemeClr val="dk1"/>
-    </dgm:txFillClrLst>
-    <dgm:txEffectClrLst/>
-  </dgm:styleLbl>
-  <dgm:styleLbl name="trAlignAcc1">
-    <dgm:fillClrLst meth="repeat">
-      <a:schemeClr val="lt1">
-        <a:alpha val="40000"/>
-      </a:schemeClr>
-    </dgm:fillClrLst>
-    <dgm:linClrLst meth="repeat">
-      <a:schemeClr val="accent5"/>
-    </dgm:linClrLst>
-    <dgm:effectClrLst/>
-    <dgm:txLinClrLst/>
-    <dgm:txFillClrLst meth="repeat">
-      <a:schemeClr val="dk1"/>
-    </dgm:txFillClrLst>
-    <dgm:txEffectClrLst/>
-  </dgm:styleLbl>
-  <dgm:styleLbl name="bgAcc1">
-    <dgm:fillClrLst meth="repeat">
-      <a:schemeClr val="lt1">
-        <a:alpha val="90000"/>
-      </a:schemeClr>
-    </dgm:fillClrLst>
-    <dgm:linClrLst>
-      <a:schemeClr val="accent5"/>
-      <a:schemeClr val="accent6"/>
-    </dgm:linClrLst>
-    <dgm:effectClrLst/>
-    <dgm:txLinClrLst/>
-    <dgm:txFillClrLst meth="repeat">
-      <a:schemeClr val="dk1"/>
-    </dgm:txFillClrLst>
-    <dgm:txEffectClrLst/>
-  </dgm:styleLbl>
-  <dgm:styleLbl name="solidFgAcc1">
-    <dgm:fillClrLst meth="repeat">
-      <a:schemeClr val="lt1"/>
-    </dgm:fillClrLst>
-    <dgm:linClrLst>
-      <a:schemeClr val="accent5"/>
-      <a:schemeClr val="accent6"/>
-    </dgm:linClrLst>
-    <dgm:effectClrLst/>
-    <dgm:txLinClrLst/>
-    <dgm:txFillClrLst meth="repeat">
-      <a:schemeClr val="dk1"/>
-    </dgm:txFillClrLst>
-    <dgm:txEffectClrLst/>
-  </dgm:styleLbl>
-  <dgm:styleLbl name="solidAlignAcc1">
-    <dgm:fillClrLst meth="repeat">
-      <a:schemeClr val="lt1"/>
-    </dgm:fillClrLst>
-    <dgm:linClrLst>
-      <a:schemeClr val="accent5"/>
-      <a:schemeClr val="accent6"/>
-    </dgm:linClrLst>
-    <dgm:effectClrLst/>
-    <dgm:txLinClrLst/>
-    <dgm:txFillClrLst meth="repeat">
-      <a:schemeClr val="dk1"/>
-    </dgm:txFillClrLst>
-    <dgm:txEffectClrLst/>
-  </dgm:styleLbl>
-  <dgm:styleLbl name="solidBgAcc1">
-    <dgm:fillClrLst meth="repeat">
-      <a:schemeClr val="lt1"/>
-    </dgm:fillClrLst>
-    <dgm:linClrLst>
-      <a:schemeClr val="accent5"/>
-      <a:schemeClr val="accent6"/>
-    </dgm:linClrLst>
-    <dgm:effectClrLst/>
-    <dgm:txLinClrLst/>
-    <dgm:txFillClrLst meth="repeat">
-      <a:schemeClr val="dk1"/>
-    </dgm:txFillClrLst>
-    <dgm:txEffectClrLst/>
-  </dgm:styleLbl>
-  <dgm:styleLbl name="fgAccFollowNode1">
-    <dgm:fillClrLst>
-      <a:schemeClr val="accent5">
-        <a:tint val="40000"/>
-        <a:alpha val="90000"/>
-      </a:schemeClr>
-      <a:schemeClr val="accent6">
-        <a:tint val="40000"/>
-        <a:alpha val="90000"/>
-      </a:schemeClr>
-    </dgm:fillClrLst>
-    <dgm:linClrLst>
-      <a:schemeClr val="accent5">
-        <a:tint val="40000"/>
-        <a:alpha val="90000"/>
-      </a:schemeClr>
-      <a:schemeClr val="accent5">
-        <a:tint val="40000"/>
-        <a:alpha val="90000"/>
-      </a:schemeClr>
-    </dgm:linClrLst>
-    <dgm:effectClrLst/>
-    <dgm:txLinClrLst/>
-    <dgm:txFillClrLst meth="repeat">
-      <a:schemeClr val="dk1"/>
-    </dgm:txFillClrLst>
-    <dgm:txEffectClrLst/>
-  </dgm:styleLbl>
-  <dgm:styleLbl name="alignAccFollowNode1">
-    <dgm:fillClrLst>
-      <a:schemeClr val="accent5">
-        <a:tint val="40000"/>
-        <a:alpha val="90000"/>
-      </a:schemeClr>
-      <a:schemeClr val="accent6">
-        <a:tint val="40000"/>
-        <a:alpha val="90000"/>
-      </a:schemeClr>
-    </dgm:fillClrLst>
-    <dgm:linClrLst>
-      <a:schemeClr val="accent5">
-        <a:tint val="40000"/>
-        <a:alpha val="90000"/>
-      </a:schemeClr>
-      <a:schemeClr val="accent6">
-        <a:tint val="40000"/>
-        <a:alpha val="90000"/>
-      </a:schemeClr>
-    </dgm:linClrLst>
-    <dgm:effectClrLst/>
-    <dgm:txLinClrLst/>
-    <dgm:txFillClrLst meth="repeat">
-      <a:schemeClr val="dk1"/>
-    </dgm:txFillClrLst>
-    <dgm:txEffectClrLst/>
-  </dgm:styleLbl>
-  <dgm:styleLbl name="bgAccFollowNode1">
-    <dgm:fillClrLst>
-      <a:schemeClr val="accent5">
-        <a:tint val="40000"/>
-        <a:alpha val="90000"/>
-      </a:schemeClr>
-      <a:schemeClr val="accent6">
-        <a:tint val="40000"/>
-        <a:alpha val="90000"/>
-      </a:schemeClr>
-    </dgm:fillClrLst>
-    <dgm:linClrLst>
-      <a:schemeClr val="accent5">
-        <a:tint val="40000"/>
-        <a:alpha val="90000"/>
-      </a:schemeClr>
-      <a:schemeClr val="accent6">
-        <a:tint val="40000"/>
-        <a:alpha val="90000"/>
-      </a:schemeClr>
-    </dgm:linClrLst>
-    <dgm:effectClrLst/>
-    <dgm:txLinClrLst/>
-    <dgm:txFillClrLst meth="repeat">
-      <a:schemeClr val="dk1"/>
-    </dgm:txFillClrLst>
-    <dgm:txEffectClrLst/>
-  </dgm:styleLbl>
-  <dgm:styleLbl name="fgAcc0">
-    <dgm:fillClrLst meth="repeat">
-      <a:schemeClr val="lt1">
-        <a:alpha val="90000"/>
-      </a:schemeClr>
-    </dgm:fillClrLst>
-    <dgm:linClrLst>
-      <a:schemeClr val="accent4"/>
-    </dgm:linClrLst>
-    <dgm:effectClrLst/>
-    <dgm:txLinClrLst/>
-    <dgm:txFillClrLst meth="repeat">
-      <a:schemeClr val="dk1"/>
-    </dgm:txFillClrLst>
-    <dgm:txEffectClrLst/>
-  </dgm:styleLbl>
-  <dgm:styleLbl name="fgAcc2">
-    <dgm:fillClrLst meth="repeat">
-      <a:schemeClr val="lt1">
-        <a:alpha val="90000"/>
-      </a:schemeClr>
-    </dgm:fillClrLst>
-    <dgm:linClrLst>
-      <a:schemeClr val="accent6"/>
-    </dgm:linClrLst>
-    <dgm:effectClrLst/>
-    <dgm:txLinClrLst/>
-    <dgm:txFillClrLst meth="repeat">
-      <a:schemeClr val="dk1"/>
-    </dgm:txFillClrLst>
-    <dgm:txEffectClrLst/>
-  </dgm:styleLbl>
-  <dgm:styleLbl name="fgAcc3">
-    <dgm:fillClrLst meth="repeat">
-      <a:schemeClr val="lt1">
-        <a:alpha val="90000"/>
-      </a:schemeClr>
-    </dgm:fillClrLst>
-    <dgm:linClrLst>
-      <a:schemeClr val="accent1"/>
-    </dgm:linClrLst>
-    <dgm:effectClrLst/>
-    <dgm:txLinClrLst/>
-    <dgm:txFillClrLst meth="repeat">
-      <a:schemeClr val="dk1"/>
-    </dgm:txFillClrLst>
-    <dgm:txEffectClrLst/>
-  </dgm:styleLbl>
-  <dgm:styleLbl name="fgAcc4">
-    <dgm:fillClrLst meth="repeat">
-      <a:schemeClr val="lt1">
-        <a:alpha val="90000"/>
-      </a:schemeClr>
-    </dgm:fillClrLst>
-    <dgm:linClrLst>
-      <a:schemeClr val="accent2"/>
-    </dgm:linClrLst>
-    <dgm:effectClrLst/>
-    <dgm:txLinClrLst/>
-    <dgm:txFillClrLst meth="repeat">
-      <a:schemeClr val="dk1"/>
-    </dgm:txFillClrLst>
-    <dgm:txEffectClrLst/>
-  </dgm:styleLbl>
-  <dgm:styleLbl name="bgShp">
-    <dgm:fillClrLst meth="repeat">
-      <a:schemeClr val="accent5">
-        <a:tint val="40000"/>
-      </a:schemeClr>
-    </dgm:fillClrLst>
-    <dgm:linClrLst meth="repeat">
-      <a:schemeClr val="dk1"/>
-    </dgm:linClrLst>
-    <dgm:effectClrLst/>
-    <dgm:txLinClrLst/>
-    <dgm:txFillClrLst meth="repeat">
-      <a:schemeClr val="dk1"/>
-    </dgm:txFillClrLst>
-    <dgm:txEffectClrLst/>
-  </dgm:styleLbl>
-  <dgm:styleLbl name="dkBgShp">
-    <dgm:fillClrLst meth="repeat">
-      <a:schemeClr val="accent5">
-        <a:shade val="90000"/>
-      </a:schemeClr>
-    </dgm:fillClrLst>
-    <dgm:linClrLst meth="repeat">
-      <a:schemeClr val="dk1"/>
-    </dgm:linClrLst>
-    <dgm:effectClrLst/>
-    <dgm:txLinClrLst/>
-    <dgm:txFillClrLst meth="repeat">
-      <a:schemeClr val="lt1"/>
-    </dgm:txFillClrLst>
-    <dgm:txEffectClrLst/>
-  </dgm:styleLbl>
-  <dgm:styleLbl name="trBgShp">
-    <dgm:fillClrLst meth="repeat">
-      <a:schemeClr val="accent5">
-        <a:tint val="50000"/>
-        <a:alpha val="40000"/>
-      </a:schemeClr>
-    </dgm:fillClrLst>
-    <dgm:linClrLst meth="repeat">
-      <a:schemeClr val="accent5"/>
-    </dgm:linClrLst>
-    <dgm:effectClrLst/>
-    <dgm:txLinClrLst/>
-    <dgm:txFillClrLst meth="repeat">
-      <a:schemeClr val="lt1"/>
-    </dgm:txFillClrLst>
-    <dgm:txEffectClrLst/>
-  </dgm:styleLbl>
-  <dgm:styleLbl name="fgShp">
-    <dgm:fillClrLst meth="repeat">
-      <a:schemeClr val="accent5">
-        <a:tint val="40000"/>
-      </a:schemeClr>
-    </dgm:fillClrLst>
-    <dgm:linClrLst meth="repeat">
-      <a:schemeClr val="lt1"/>
-    </dgm:linClrLst>
-    <dgm:effectClrLst/>
-    <dgm:txLinClrLst/>
-    <dgm:txFillClrLst meth="repeat">
-      <a:schemeClr val="dk1"/>
-    </dgm:txFillClrLst>
-    <dgm:txEffectClrLst/>
-  </dgm:styleLbl>
-  <dgm:styleLbl name="revTx">
-    <dgm:fillClrLst meth="repeat">
-      <a:schemeClr val="lt1">
-        <a:alpha val="0"/>
-      </a:schemeClr>
-    </dgm:fillClrLst>
-    <dgm:linClrLst meth="repeat">
-      <a:schemeClr val="dk1">
-        <a:alpha val="0"/>
-      </a:schemeClr>
-    </dgm:linClrLst>
-    <dgm:effectClrLst/>
-    <dgm:txLinClrLst/>
-    <dgm:txFillClrLst meth="repeat">
-      <a:schemeClr val="tx1"/>
-    </dgm:txFillClrLst>
-    <dgm:txEffectClrLst/>
-  </dgm:styleLbl>
-</dgm:colorsDef>
+<file path=ppt/diagrams/data1.xml><?xml version="1.0" encoding="utf-8"?>
+<dgm:dataModel xmlns:dgm="http://schemas.openxmlformats.org/drawingml/2006/diagram" xmlns:a="http://schemas.openxmlformats.org/drawingml/2006/main">
+  <dgm:ptLst>
+    <dgm:pt modelId="{FA2E557E-F158-4CBC-A5F6-8D3D6C7C3D60}" type="doc">
+      <dgm:prSet loTypeId="urn:microsoft.com/office/officeart/2005/8/layout/target3" loCatId="list" qsTypeId="urn:microsoft.com/office/officeart/2005/8/quickstyle/simple1" qsCatId="simple" csTypeId="urn:microsoft.com/office/officeart/2005/8/colors/colorful5" csCatId="colorful" phldr="1"/>
+      <dgm:spPr/>
+      <dgm:t>
+        <a:bodyPr/>
+        <a:lstStyle/>
+        <a:p>
+          <a:endParaRPr lang="en-US"/>
+        </a:p>
+      </dgm:t>
+    </dgm:pt>
+    <dgm:pt modelId="{95A91894-A46E-472F-80D8-F65E91E531C8}">
+      <dgm:prSet phldrT="[Text]"/>
+      <dgm:spPr/>
+      <dgm:t>
+        <a:bodyPr/>
+        <a:lstStyle/>
+        <a:p>
+          <a:r>
+            <a:rPr lang="en-US" dirty="0"/>
+            <a:t>Model</a:t>
+          </a:r>
+        </a:p>
+      </dgm:t>
+    </dgm:pt>
+    <dgm:pt modelId="{7CE12A53-C969-476F-9CE9-2331B11AE65F}" type="parTrans" cxnId="{69B130CC-D011-4092-A978-89A566FB8EB3}">
+      <dgm:prSet/>
+      <dgm:spPr/>
+      <dgm:t>
+        <a:bodyPr/>
+        <a:lstStyle/>
+        <a:p>
+          <a:endParaRPr lang="en-US"/>
+        </a:p>
+      </dgm:t>
+    </dgm:pt>
+    <dgm:pt modelId="{312BBF37-88BF-4F5B-A8F5-6D552CCA7057}" type="sibTrans" cxnId="{69B130CC-D011-4092-A978-89A566FB8EB3}">
+      <dgm:prSet/>
+      <dgm:spPr/>
+      <dgm:t>
+        <a:bodyPr/>
+        <a:lstStyle/>
+        <a:p>
+          <a:endParaRPr lang="en-US"/>
+        </a:p>
+      </dgm:t>
+    </dgm:pt>
+    <dgm:pt modelId="{DCECE32E-24E0-4F0A-9EB0-26ECB0B36C9E}">
+      <dgm:prSet phldrT="[Text]"/>
+      <dgm:spPr/>
+      <dgm:t>
+        <a:bodyPr/>
+        <a:lstStyle/>
+        <a:p>
+          <a:r>
+            <a:rPr lang="en-US" b="1" dirty="0"/>
+            <a:t>Aim:</a:t>
+          </a:r>
+          <a:r>
+            <a:rPr lang="en-US" dirty="0"/>
+            <a:t> suggest songs inspired by the current playlist</a:t>
+          </a:r>
+        </a:p>
+      </dgm:t>
+    </dgm:pt>
+    <dgm:pt modelId="{58E46030-C161-4DA3-B6B6-ABECAD750EE1}" type="parTrans" cxnId="{CDF03E8D-55CD-4D9E-B0E2-26D708F0EDC9}">
+      <dgm:prSet/>
+      <dgm:spPr/>
+      <dgm:t>
+        <a:bodyPr/>
+        <a:lstStyle/>
+        <a:p>
+          <a:endParaRPr lang="en-US"/>
+        </a:p>
+      </dgm:t>
+    </dgm:pt>
+    <dgm:pt modelId="{484776BB-13F6-4B73-8A47-0066F714CF55}" type="sibTrans" cxnId="{CDF03E8D-55CD-4D9E-B0E2-26D708F0EDC9}">
+      <dgm:prSet/>
+      <dgm:spPr/>
+      <dgm:t>
+        <a:bodyPr/>
+        <a:lstStyle/>
+        <a:p>
+          <a:endParaRPr lang="en-US"/>
+        </a:p>
+      </dgm:t>
+    </dgm:pt>
+    <dgm:pt modelId="{9A073F8F-1A9F-4CD2-B2F2-79EA745E402F}">
+      <dgm:prSet phldrT="[Text]"/>
+      <dgm:spPr/>
+      <dgm:t>
+        <a:bodyPr/>
+        <a:lstStyle/>
+        <a:p>
+          <a:r>
+            <a:rPr lang="en-US" dirty="0"/>
+            <a:t>Train model with all song of each playlist</a:t>
+          </a:r>
+        </a:p>
+      </dgm:t>
+    </dgm:pt>
+    <dgm:pt modelId="{DF8B603C-3989-409B-9391-AB84530103AF}" type="parTrans" cxnId="{5379BCF6-B777-4BD1-95E6-6FFA1FC26DD7}">
+      <dgm:prSet/>
+      <dgm:spPr/>
+      <dgm:t>
+        <a:bodyPr/>
+        <a:lstStyle/>
+        <a:p>
+          <a:endParaRPr lang="en-US"/>
+        </a:p>
+      </dgm:t>
+    </dgm:pt>
+    <dgm:pt modelId="{ED9A71A3-E30B-4425-A924-C0F17DB828A5}" type="sibTrans" cxnId="{5379BCF6-B777-4BD1-95E6-6FFA1FC26DD7}">
+      <dgm:prSet/>
+      <dgm:spPr/>
+      <dgm:t>
+        <a:bodyPr/>
+        <a:lstStyle/>
+        <a:p>
+          <a:endParaRPr lang="en-US"/>
+        </a:p>
+      </dgm:t>
+    </dgm:pt>
+    <dgm:pt modelId="{4E56B1E4-B131-41B0-9402-CAA4079F6B0B}">
+      <dgm:prSet phldrT="[Text]"/>
+      <dgm:spPr/>
+      <dgm:t>
+        <a:bodyPr/>
+        <a:lstStyle/>
+        <a:p>
+          <a:r>
+            <a:rPr lang="en-US" b="1" dirty="0"/>
+            <a:t>Method:</a:t>
+          </a:r>
+          <a:r>
+            <a:rPr lang="en-US" dirty="0"/>
+            <a:t> Select 70% of the songs of the playlist and try to “guess” the 30% missing</a:t>
+          </a:r>
+        </a:p>
+      </dgm:t>
+    </dgm:pt>
+    <dgm:pt modelId="{F2F7420D-A803-482C-837D-B29FE9BEF721}" type="parTrans" cxnId="{37E6E434-B518-4333-AB86-41F1526DB273}">
+      <dgm:prSet/>
+      <dgm:spPr/>
+      <dgm:t>
+        <a:bodyPr/>
+        <a:lstStyle/>
+        <a:p>
+          <a:endParaRPr lang="en-US"/>
+        </a:p>
+      </dgm:t>
+    </dgm:pt>
+    <dgm:pt modelId="{69C6FA25-A640-4FA7-96EE-1DCFDBE723C0}" type="sibTrans" cxnId="{37E6E434-B518-4333-AB86-41F1526DB273}">
+      <dgm:prSet/>
+      <dgm:spPr/>
+      <dgm:t>
+        <a:bodyPr/>
+        <a:lstStyle/>
+        <a:p>
+          <a:endParaRPr lang="en-US"/>
+        </a:p>
+      </dgm:t>
+    </dgm:pt>
+    <dgm:pt modelId="{8C8F6346-000E-471C-A193-41E7F8A5850A}">
+      <dgm:prSet phldrT="[Text]"/>
+      <dgm:spPr/>
+      <dgm:t>
+        <a:bodyPr/>
+        <a:lstStyle/>
+        <a:p>
+          <a:r>
+            <a:rPr lang="en-US" b="1" dirty="0"/>
+            <a:t>Performance indicator:</a:t>
+          </a:r>
+          <a:r>
+            <a:rPr lang="en-US" dirty="0"/>
+            <a:t> model accuracy matching the 30% missing in the playlist</a:t>
+          </a:r>
+        </a:p>
+      </dgm:t>
+    </dgm:pt>
+    <dgm:pt modelId="{DFE0E806-1276-4465-89ED-360C8F876232}" type="parTrans" cxnId="{616B99EA-EB10-4B0C-A816-122BB6F87FC6}">
+      <dgm:prSet/>
+      <dgm:spPr/>
+      <dgm:t>
+        <a:bodyPr/>
+        <a:lstStyle/>
+        <a:p>
+          <a:endParaRPr lang="en-US"/>
+        </a:p>
+      </dgm:t>
+    </dgm:pt>
+    <dgm:pt modelId="{23793724-FC95-4C94-B1D2-950ADF753A28}" type="sibTrans" cxnId="{616B99EA-EB10-4B0C-A816-122BB6F87FC6}">
+      <dgm:prSet/>
+      <dgm:spPr/>
+      <dgm:t>
+        <a:bodyPr/>
+        <a:lstStyle/>
+        <a:p>
+          <a:endParaRPr lang="en-US"/>
+        </a:p>
+      </dgm:t>
+    </dgm:pt>
+    <dgm:pt modelId="{A10C1B36-D92B-4781-9AF8-3FDBEA5272E6}">
+      <dgm:prSet phldrT="[Text]"/>
+      <dgm:spPr/>
+      <dgm:t>
+        <a:bodyPr/>
+        <a:lstStyle/>
+        <a:p>
+          <a:r>
+            <a:rPr lang="en-US" b="1" dirty="0"/>
+            <a:t>Assumption:</a:t>
+          </a:r>
+          <a:r>
+            <a:rPr lang="en-US" dirty="0"/>
+            <a:t> model with good accuracy is a good suggestion tool for new songs beyond the current playlist</a:t>
+          </a:r>
+        </a:p>
+      </dgm:t>
+    </dgm:pt>
+    <dgm:pt modelId="{0E228C61-CE52-4841-B0E1-15F359710512}" type="parTrans" cxnId="{2B9F446D-8897-4AF3-A1D1-584588CD7F4B}">
+      <dgm:prSet/>
+      <dgm:spPr/>
+      <dgm:t>
+        <a:bodyPr/>
+        <a:lstStyle/>
+        <a:p>
+          <a:endParaRPr lang="en-US"/>
+        </a:p>
+      </dgm:t>
+    </dgm:pt>
+    <dgm:pt modelId="{626E2FED-742B-4887-AD40-2ABD21A823D4}" type="sibTrans" cxnId="{2B9F446D-8897-4AF3-A1D1-584588CD7F4B}">
+      <dgm:prSet/>
+      <dgm:spPr/>
+      <dgm:t>
+        <a:bodyPr/>
+        <a:lstStyle/>
+        <a:p>
+          <a:endParaRPr lang="en-US"/>
+        </a:p>
+      </dgm:t>
+    </dgm:pt>
+    <dgm:pt modelId="{158961B9-CC5C-47E7-B4F9-FB4F7FA5087D}">
+      <dgm:prSet phldrT="[Text]"/>
+      <dgm:spPr/>
+      <dgm:t>
+        <a:bodyPr/>
+        <a:lstStyle/>
+        <a:p>
+          <a:r>
+            <a:rPr lang="en-US" dirty="0"/>
+            <a:t>Training: 70%</a:t>
+          </a:r>
+        </a:p>
+      </dgm:t>
+    </dgm:pt>
+    <dgm:pt modelId="{C6C1CF4D-8DE2-4771-8BCD-65B10E955FF3}" type="sibTrans" cxnId="{1D2E2F7B-5D74-490E-90BE-B8739B7799CD}">
+      <dgm:prSet/>
+      <dgm:spPr/>
+      <dgm:t>
+        <a:bodyPr/>
+        <a:lstStyle/>
+        <a:p>
+          <a:endParaRPr lang="en-US"/>
+        </a:p>
+      </dgm:t>
+    </dgm:pt>
+    <dgm:pt modelId="{B4417F76-F703-49FE-B6A5-E20DAE4A91A9}" type="parTrans" cxnId="{1D2E2F7B-5D74-490E-90BE-B8739B7799CD}">
+      <dgm:prSet/>
+      <dgm:spPr/>
+      <dgm:t>
+        <a:bodyPr/>
+        <a:lstStyle/>
+        <a:p>
+          <a:endParaRPr lang="en-US"/>
+        </a:p>
+      </dgm:t>
+    </dgm:pt>
+    <dgm:pt modelId="{96BD55D6-AAC9-4259-85FA-500BA70F6642}">
+      <dgm:prSet phldrT="[Text]"/>
+      <dgm:spPr/>
+      <dgm:t>
+        <a:bodyPr/>
+        <a:lstStyle/>
+        <a:p>
+          <a:r>
+            <a:rPr lang="en-US" dirty="0"/>
+            <a:t>Evaluation: 30%</a:t>
+          </a:r>
+        </a:p>
+      </dgm:t>
+    </dgm:pt>
+    <dgm:pt modelId="{B04EE5CF-BC9E-405A-8CA1-7DC160B4B05A}" type="sibTrans" cxnId="{590C2842-2A8E-4452-BA12-EAC351630BDF}">
+      <dgm:prSet/>
+      <dgm:spPr/>
+      <dgm:t>
+        <a:bodyPr/>
+        <a:lstStyle/>
+        <a:p>
+          <a:endParaRPr lang="en-US"/>
+        </a:p>
+      </dgm:t>
+    </dgm:pt>
+    <dgm:pt modelId="{68FE1BC5-DE83-49E4-BCBB-A73E5B92E079}" type="parTrans" cxnId="{590C2842-2A8E-4452-BA12-EAC351630BDF}">
+      <dgm:prSet/>
+      <dgm:spPr/>
+      <dgm:t>
+        <a:bodyPr/>
+        <a:lstStyle/>
+        <a:p>
+          <a:endParaRPr lang="en-US"/>
+        </a:p>
+      </dgm:t>
+    </dgm:pt>
+    <dgm:pt modelId="{BD9117E0-507E-45C5-8FA4-57237BEACC6E}">
+      <dgm:prSet phldrT="[Text]"/>
+      <dgm:spPr/>
+      <dgm:t>
+        <a:bodyPr/>
+        <a:lstStyle/>
+        <a:p>
+          <a:r>
+            <a:rPr lang="en-US" dirty="0"/>
+            <a:t>Playlists</a:t>
+          </a:r>
+        </a:p>
+      </dgm:t>
+    </dgm:pt>
+    <dgm:pt modelId="{F4EDF0EA-CB73-45AD-903B-C600BDC068CA}" type="parTrans" cxnId="{128F0AE4-6D71-40DC-9D09-705E51A72710}">
+      <dgm:prSet/>
+      <dgm:spPr/>
+    </dgm:pt>
+    <dgm:pt modelId="{0A7A08A9-C8BE-4235-A4F5-032F4D02624C}" type="sibTrans" cxnId="{128F0AE4-6D71-40DC-9D09-705E51A72710}">
+      <dgm:prSet/>
+      <dgm:spPr/>
+    </dgm:pt>
+    <dgm:pt modelId="{9F0F584C-7469-45FC-8BE3-E5B811A7B2C9}" type="pres">
+      <dgm:prSet presAssocID="{FA2E557E-F158-4CBC-A5F6-8D3D6C7C3D60}" presName="Name0" presStyleCnt="0">
+        <dgm:presLayoutVars>
+          <dgm:chMax val="7"/>
+          <dgm:dir/>
+          <dgm:animLvl val="lvl"/>
+          <dgm:resizeHandles val="exact"/>
+        </dgm:presLayoutVars>
+      </dgm:prSet>
+      <dgm:spPr/>
+    </dgm:pt>
+    <dgm:pt modelId="{9060F266-88B4-431D-A1B3-C3AE96DB1479}" type="pres">
+      <dgm:prSet presAssocID="{BD9117E0-507E-45C5-8FA4-57237BEACC6E}" presName="circle1" presStyleLbl="node1" presStyleIdx="0" presStyleCnt="2"/>
+      <dgm:spPr/>
+    </dgm:pt>
+    <dgm:pt modelId="{55841FFB-2F5A-46C3-A7F3-79BF0C5164DF}" type="pres">
+      <dgm:prSet presAssocID="{BD9117E0-507E-45C5-8FA4-57237BEACC6E}" presName="space" presStyleCnt="0"/>
+      <dgm:spPr/>
+    </dgm:pt>
+    <dgm:pt modelId="{B835AEEC-6B8F-4B74-8B49-BCDC7D5876F0}" type="pres">
+      <dgm:prSet presAssocID="{BD9117E0-507E-45C5-8FA4-57237BEACC6E}" presName="rect1" presStyleLbl="alignAcc1" presStyleIdx="0" presStyleCnt="2"/>
+      <dgm:spPr/>
+    </dgm:pt>
+    <dgm:pt modelId="{5783E3C5-F1B6-45BA-B7D2-8DBC88B647EF}" type="pres">
+      <dgm:prSet presAssocID="{95A91894-A46E-472F-80D8-F65E91E531C8}" presName="vertSpace2" presStyleLbl="node1" presStyleIdx="0" presStyleCnt="2"/>
+      <dgm:spPr/>
+    </dgm:pt>
+    <dgm:pt modelId="{0452C1EC-3A21-4421-B0EA-9625FD560D86}" type="pres">
+      <dgm:prSet presAssocID="{95A91894-A46E-472F-80D8-F65E91E531C8}" presName="circle2" presStyleLbl="node1" presStyleIdx="1" presStyleCnt="2"/>
+      <dgm:spPr/>
+    </dgm:pt>
+    <dgm:pt modelId="{07059255-70FD-47E4-A1A2-447BADABE3DC}" type="pres">
+      <dgm:prSet presAssocID="{95A91894-A46E-472F-80D8-F65E91E531C8}" presName="rect2" presStyleLbl="alignAcc1" presStyleIdx="1" presStyleCnt="2"/>
+      <dgm:spPr/>
+    </dgm:pt>
+    <dgm:pt modelId="{8FA2B959-4704-406E-BE34-53C03CAF5056}" type="pres">
+      <dgm:prSet presAssocID="{BD9117E0-507E-45C5-8FA4-57237BEACC6E}" presName="rect1ParTx" presStyleLbl="alignAcc1" presStyleIdx="1" presStyleCnt="2">
+        <dgm:presLayoutVars>
+          <dgm:chMax val="1"/>
+          <dgm:bulletEnabled val="1"/>
+        </dgm:presLayoutVars>
+      </dgm:prSet>
+      <dgm:spPr/>
+    </dgm:pt>
+    <dgm:pt modelId="{F81966C5-2EC3-4E13-B36A-92FDA21DBB71}" type="pres">
+      <dgm:prSet presAssocID="{BD9117E0-507E-45C5-8FA4-57237BEACC6E}" presName="rect1ChTx" presStyleLbl="alignAcc1" presStyleIdx="1" presStyleCnt="2">
+        <dgm:presLayoutVars>
+          <dgm:bulletEnabled val="1"/>
+        </dgm:presLayoutVars>
+      </dgm:prSet>
+      <dgm:spPr/>
+    </dgm:pt>
+    <dgm:pt modelId="{E7A5746A-FB41-41AF-8551-3AD3764D2F71}" type="pres">
+      <dgm:prSet presAssocID="{95A91894-A46E-472F-80D8-F65E91E531C8}" presName="rect2ParTx" presStyleLbl="alignAcc1" presStyleIdx="1" presStyleCnt="2">
+        <dgm:presLayoutVars>
+          <dgm:chMax val="1"/>
+          <dgm:bulletEnabled val="1"/>
+        </dgm:presLayoutVars>
+      </dgm:prSet>
+      <dgm:spPr/>
+    </dgm:pt>
+    <dgm:pt modelId="{FFDEDC35-17BB-4548-ACE6-818E62F9AD4C}" type="pres">
+      <dgm:prSet presAssocID="{95A91894-A46E-472F-80D8-F65E91E531C8}" presName="rect2ChTx" presStyleLbl="alignAcc1" presStyleIdx="1" presStyleCnt="2">
+        <dgm:presLayoutVars>
+          <dgm:bulletEnabled val="1"/>
+        </dgm:presLayoutVars>
+      </dgm:prSet>
+      <dgm:spPr/>
+    </dgm:pt>
+  </dgm:ptLst>
+  <dgm:cxnLst>
+    <dgm:cxn modelId="{5F3A122F-E997-499D-A4A4-A6E746D53DC2}" type="presOf" srcId="{9A073F8F-1A9F-4CD2-B2F2-79EA745E402F}" destId="{FFDEDC35-17BB-4548-ACE6-818E62F9AD4C}" srcOrd="0" destOrd="0" presId="urn:microsoft.com/office/officeart/2005/8/layout/target3"/>
+    <dgm:cxn modelId="{193EBD30-9A37-4B18-938E-A2A440F337D1}" type="presOf" srcId="{4E56B1E4-B131-41B0-9402-CAA4079F6B0B}" destId="{FFDEDC35-17BB-4548-ACE6-818E62F9AD4C}" srcOrd="0" destOrd="2" presId="urn:microsoft.com/office/officeart/2005/8/layout/target3"/>
+    <dgm:cxn modelId="{37E6E434-B518-4333-AB86-41F1526DB273}" srcId="{95A91894-A46E-472F-80D8-F65E91E531C8}" destId="{4E56B1E4-B131-41B0-9402-CAA4079F6B0B}" srcOrd="2" destOrd="0" parTransId="{F2F7420D-A803-482C-837D-B29FE9BEF721}" sibTransId="{69C6FA25-A640-4FA7-96EE-1DCFDBE723C0}"/>
+    <dgm:cxn modelId="{590C2842-2A8E-4452-BA12-EAC351630BDF}" srcId="{BD9117E0-507E-45C5-8FA4-57237BEACC6E}" destId="{96BD55D6-AAC9-4259-85FA-500BA70F6642}" srcOrd="1" destOrd="0" parTransId="{68FE1BC5-DE83-49E4-BCBB-A73E5B92E079}" sibTransId="{B04EE5CF-BC9E-405A-8CA1-7DC160B4B05A}"/>
+    <dgm:cxn modelId="{0555744A-48DE-4D19-B297-5FDD63FE6E21}" type="presOf" srcId="{FA2E557E-F158-4CBC-A5F6-8D3D6C7C3D60}" destId="{9F0F584C-7469-45FC-8BE3-E5B811A7B2C9}" srcOrd="0" destOrd="0" presId="urn:microsoft.com/office/officeart/2005/8/layout/target3"/>
+    <dgm:cxn modelId="{2B9F446D-8897-4AF3-A1D1-584588CD7F4B}" srcId="{95A91894-A46E-472F-80D8-F65E91E531C8}" destId="{A10C1B36-D92B-4781-9AF8-3FDBEA5272E6}" srcOrd="4" destOrd="0" parTransId="{0E228C61-CE52-4841-B0E1-15F359710512}" sibTransId="{626E2FED-742B-4887-AD40-2ABD21A823D4}"/>
+    <dgm:cxn modelId="{8550347A-9AE4-4476-8310-3AB2D935973A}" type="presOf" srcId="{158961B9-CC5C-47E7-B4F9-FB4F7FA5087D}" destId="{F81966C5-2EC3-4E13-B36A-92FDA21DBB71}" srcOrd="0" destOrd="0" presId="urn:microsoft.com/office/officeart/2005/8/layout/target3"/>
+    <dgm:cxn modelId="{1D2E2F7B-5D74-490E-90BE-B8739B7799CD}" srcId="{BD9117E0-507E-45C5-8FA4-57237BEACC6E}" destId="{158961B9-CC5C-47E7-B4F9-FB4F7FA5087D}" srcOrd="0" destOrd="0" parTransId="{B4417F76-F703-49FE-B6A5-E20DAE4A91A9}" sibTransId="{C6C1CF4D-8DE2-4771-8BCD-65B10E955FF3}"/>
+    <dgm:cxn modelId="{563F1487-D87E-463A-A9F1-1066BD499DB5}" type="presOf" srcId="{96BD55D6-AAC9-4259-85FA-500BA70F6642}" destId="{F81966C5-2EC3-4E13-B36A-92FDA21DBB71}" srcOrd="0" destOrd="1" presId="urn:microsoft.com/office/officeart/2005/8/layout/target3"/>
+    <dgm:cxn modelId="{CDF03E8D-55CD-4D9E-B0E2-26D708F0EDC9}" srcId="{95A91894-A46E-472F-80D8-F65E91E531C8}" destId="{DCECE32E-24E0-4F0A-9EB0-26ECB0B36C9E}" srcOrd="1" destOrd="0" parTransId="{58E46030-C161-4DA3-B6B6-ABECAD750EE1}" sibTransId="{484776BB-13F6-4B73-8A47-0066F714CF55}"/>
+    <dgm:cxn modelId="{6C5DF08D-A00D-4C2F-B2D3-6E765D6A40D3}" type="presOf" srcId="{A10C1B36-D92B-4781-9AF8-3FDBEA5272E6}" destId="{FFDEDC35-17BB-4548-ACE6-818E62F9AD4C}" srcOrd="0" destOrd="4" presId="urn:microsoft.com/office/officeart/2005/8/layout/target3"/>
+    <dgm:cxn modelId="{ECFB7792-DE31-45F3-9A5A-D8DC162EBAEE}" type="presOf" srcId="{8C8F6346-000E-471C-A193-41E7F8A5850A}" destId="{FFDEDC35-17BB-4548-ACE6-818E62F9AD4C}" srcOrd="0" destOrd="3" presId="urn:microsoft.com/office/officeart/2005/8/layout/target3"/>
+    <dgm:cxn modelId="{74CEE4C8-F4B9-48B4-AA87-F7ACF84D19E6}" type="presOf" srcId="{BD9117E0-507E-45C5-8FA4-57237BEACC6E}" destId="{B835AEEC-6B8F-4B74-8B49-BCDC7D5876F0}" srcOrd="0" destOrd="0" presId="urn:microsoft.com/office/officeart/2005/8/layout/target3"/>
+    <dgm:cxn modelId="{69B130CC-D011-4092-A978-89A566FB8EB3}" srcId="{FA2E557E-F158-4CBC-A5F6-8D3D6C7C3D60}" destId="{95A91894-A46E-472F-80D8-F65E91E531C8}" srcOrd="1" destOrd="0" parTransId="{7CE12A53-C969-476F-9CE9-2331B11AE65F}" sibTransId="{312BBF37-88BF-4F5B-A8F5-6D552CCA7057}"/>
+    <dgm:cxn modelId="{0DD2E3CC-B115-4D23-98EB-2A251F56815A}" type="presOf" srcId="{95A91894-A46E-472F-80D8-F65E91E531C8}" destId="{07059255-70FD-47E4-A1A2-447BADABE3DC}" srcOrd="0" destOrd="0" presId="urn:microsoft.com/office/officeart/2005/8/layout/target3"/>
+    <dgm:cxn modelId="{276228CE-7025-40CD-84C9-8DF5DC814495}" type="presOf" srcId="{BD9117E0-507E-45C5-8FA4-57237BEACC6E}" destId="{8FA2B959-4704-406E-BE34-53C03CAF5056}" srcOrd="1" destOrd="0" presId="urn:microsoft.com/office/officeart/2005/8/layout/target3"/>
+    <dgm:cxn modelId="{D98346D0-1193-42D1-B7D5-57EF0B5C09FF}" type="presOf" srcId="{95A91894-A46E-472F-80D8-F65E91E531C8}" destId="{E7A5746A-FB41-41AF-8551-3AD3764D2F71}" srcOrd="1" destOrd="0" presId="urn:microsoft.com/office/officeart/2005/8/layout/target3"/>
+    <dgm:cxn modelId="{128F0AE4-6D71-40DC-9D09-705E51A72710}" srcId="{FA2E557E-F158-4CBC-A5F6-8D3D6C7C3D60}" destId="{BD9117E0-507E-45C5-8FA4-57237BEACC6E}" srcOrd="0" destOrd="0" parTransId="{F4EDF0EA-CB73-45AD-903B-C600BDC068CA}" sibTransId="{0A7A08A9-C8BE-4235-A4F5-032F4D02624C}"/>
+    <dgm:cxn modelId="{616B99EA-EB10-4B0C-A816-122BB6F87FC6}" srcId="{95A91894-A46E-472F-80D8-F65E91E531C8}" destId="{8C8F6346-000E-471C-A193-41E7F8A5850A}" srcOrd="3" destOrd="0" parTransId="{DFE0E806-1276-4465-89ED-360C8F876232}" sibTransId="{23793724-FC95-4C94-B1D2-950ADF753A28}"/>
+    <dgm:cxn modelId="{98A21AEE-2969-43D8-A6F3-47A6A291B325}" type="presOf" srcId="{DCECE32E-24E0-4F0A-9EB0-26ECB0B36C9E}" destId="{FFDEDC35-17BB-4548-ACE6-818E62F9AD4C}" srcOrd="0" destOrd="1" presId="urn:microsoft.com/office/officeart/2005/8/layout/target3"/>
+    <dgm:cxn modelId="{5379BCF6-B777-4BD1-95E6-6FFA1FC26DD7}" srcId="{95A91894-A46E-472F-80D8-F65E91E531C8}" destId="{9A073F8F-1A9F-4CD2-B2F2-79EA745E402F}" srcOrd="0" destOrd="0" parTransId="{DF8B603C-3989-409B-9391-AB84530103AF}" sibTransId="{ED9A71A3-E30B-4425-A924-C0F17DB828A5}"/>
+    <dgm:cxn modelId="{53EAA13D-A67D-4B21-A7D6-A96CCAB97DDC}" type="presParOf" srcId="{9F0F584C-7469-45FC-8BE3-E5B811A7B2C9}" destId="{9060F266-88B4-431D-A1B3-C3AE96DB1479}" srcOrd="0" destOrd="0" presId="urn:microsoft.com/office/officeart/2005/8/layout/target3"/>
+    <dgm:cxn modelId="{49570EC3-2340-41D0-8D92-113416F7AB8C}" type="presParOf" srcId="{9F0F584C-7469-45FC-8BE3-E5B811A7B2C9}" destId="{55841FFB-2F5A-46C3-A7F3-79BF0C5164DF}" srcOrd="1" destOrd="0" presId="urn:microsoft.com/office/officeart/2005/8/layout/target3"/>
+    <dgm:cxn modelId="{CEFB8F79-0C2C-4986-A3F2-F9772131E764}" type="presParOf" srcId="{9F0F584C-7469-45FC-8BE3-E5B811A7B2C9}" destId="{B835AEEC-6B8F-4B74-8B49-BCDC7D5876F0}" srcOrd="2" destOrd="0" presId="urn:microsoft.com/office/officeart/2005/8/layout/target3"/>
+    <dgm:cxn modelId="{D5FCEDA3-D686-4CAA-B8B9-D24913B07368}" type="presParOf" srcId="{9F0F584C-7469-45FC-8BE3-E5B811A7B2C9}" destId="{5783E3C5-F1B6-45BA-B7D2-8DBC88B647EF}" srcOrd="3" destOrd="0" presId="urn:microsoft.com/office/officeart/2005/8/layout/target3"/>
+    <dgm:cxn modelId="{63ABC84D-2ABC-4D01-9D38-D1341FE4FC7A}" type="presParOf" srcId="{9F0F584C-7469-45FC-8BE3-E5B811A7B2C9}" destId="{0452C1EC-3A21-4421-B0EA-9625FD560D86}" srcOrd="4" destOrd="0" presId="urn:microsoft.com/office/officeart/2005/8/layout/target3"/>
+    <dgm:cxn modelId="{C90D7A09-DE66-4BF1-A938-EEF263CEE1C8}" type="presParOf" srcId="{9F0F584C-7469-45FC-8BE3-E5B811A7B2C9}" destId="{07059255-70FD-47E4-A1A2-447BADABE3DC}" srcOrd="5" destOrd="0" presId="urn:microsoft.com/office/officeart/2005/8/layout/target3"/>
+    <dgm:cxn modelId="{4A6A6B47-8AA3-4075-9FE6-F8892F75A1F6}" type="presParOf" srcId="{9F0F584C-7469-45FC-8BE3-E5B811A7B2C9}" destId="{8FA2B959-4704-406E-BE34-53C03CAF5056}" srcOrd="6" destOrd="0" presId="urn:microsoft.com/office/officeart/2005/8/layout/target3"/>
+    <dgm:cxn modelId="{D84BE8F0-C7A5-46F2-8AB1-93AA40AC846D}" type="presParOf" srcId="{9F0F584C-7469-45FC-8BE3-E5B811A7B2C9}" destId="{F81966C5-2EC3-4E13-B36A-92FDA21DBB71}" srcOrd="7" destOrd="0" presId="urn:microsoft.com/office/officeart/2005/8/layout/target3"/>
+    <dgm:cxn modelId="{9CE7CD12-310C-4411-BDCD-99E5A7482D63}" type="presParOf" srcId="{9F0F584C-7469-45FC-8BE3-E5B811A7B2C9}" destId="{E7A5746A-FB41-41AF-8551-3AD3764D2F71}" srcOrd="8" destOrd="0" presId="urn:microsoft.com/office/officeart/2005/8/layout/target3"/>
+    <dgm:cxn modelId="{DDA80B4F-D3F2-4730-9C18-4AFF72D37B5F}" type="presParOf" srcId="{9F0F584C-7469-45FC-8BE3-E5B811A7B2C9}" destId="{FFDEDC35-17BB-4548-ACE6-818E62F9AD4C}" srcOrd="9" destOrd="0" presId="urn:microsoft.com/office/officeart/2005/8/layout/target3"/>
+  </dgm:cxnLst>
+  <dgm:bg/>
+  <dgm:whole/>
+  <dgm:extLst>
+    <a:ext uri="http://schemas.microsoft.com/office/drawing/2008/diagram">
+      <dsp:dataModelExt xmlns:dsp="http://schemas.microsoft.com/office/drawing/2008/diagram" relId="rId6" minVer="http://schemas.openxmlformats.org/drawingml/2006/diagram"/>
+    </a:ext>
+  </dgm:extLst>
+</dgm:dataModel>
 </file>
 
-<file path=ppt/diagrams/data1.xml><?xml version="1.0" encoding="utf-8"?>
+<file path=ppt/diagrams/data2.xml><?xml version="1.0" encoding="utf-8"?>
 <dgm:dataModel xmlns:dgm="http://schemas.openxmlformats.org/drawingml/2006/diagram" xmlns:a="http://schemas.openxmlformats.org/drawingml/2006/main">
   <dgm:ptLst>
     <dgm:pt modelId="{2929C70E-A459-4EB6-B0FE-C0FC0BDC6079}" type="doc">
@@ -1979,7 +2495,7 @@
         <a:p>
           <a:r>
             <a:rPr lang="en-US" dirty="0"/>
-            <a:t>Songs</a:t>
+            <a:t>Song</a:t>
           </a:r>
         </a:p>
       </dgm:t>
@@ -3569,1770 +4085,7 @@
 </dgm:dataModel>
 </file>
 
-<file path=ppt/diagrams/data2.xml><?xml version="1.0" encoding="utf-8"?>
-<dgm:dataModel xmlns:dgm="http://schemas.openxmlformats.org/drawingml/2006/diagram" xmlns:a="http://schemas.openxmlformats.org/drawingml/2006/main">
-  <dgm:ptLst>
-    <dgm:pt modelId="{FA2E557E-F158-4CBC-A5F6-8D3D6C7C3D60}" type="doc">
-      <dgm:prSet loTypeId="urn:microsoft.com/office/officeart/2005/8/layout/target3" loCatId="list" qsTypeId="urn:microsoft.com/office/officeart/2005/8/quickstyle/simple1" qsCatId="simple" csTypeId="urn:microsoft.com/office/officeart/2005/8/colors/colorful5" csCatId="colorful" phldr="1"/>
-      <dgm:spPr/>
-      <dgm:t>
-        <a:bodyPr/>
-        <a:lstStyle/>
-        <a:p>
-          <a:endParaRPr lang="en-US"/>
-        </a:p>
-      </dgm:t>
-    </dgm:pt>
-    <dgm:pt modelId="{95A91894-A46E-472F-80D8-F65E91E531C8}">
-      <dgm:prSet phldrT="[Text]"/>
-      <dgm:spPr/>
-      <dgm:t>
-        <a:bodyPr/>
-        <a:lstStyle/>
-        <a:p>
-          <a:r>
-            <a:rPr lang="en-US" dirty="0"/>
-            <a:t>Model</a:t>
-          </a:r>
-        </a:p>
-      </dgm:t>
-    </dgm:pt>
-    <dgm:pt modelId="{7CE12A53-C969-476F-9CE9-2331B11AE65F}" type="parTrans" cxnId="{69B130CC-D011-4092-A978-89A566FB8EB3}">
-      <dgm:prSet/>
-      <dgm:spPr/>
-      <dgm:t>
-        <a:bodyPr/>
-        <a:lstStyle/>
-        <a:p>
-          <a:endParaRPr lang="en-US"/>
-        </a:p>
-      </dgm:t>
-    </dgm:pt>
-    <dgm:pt modelId="{312BBF37-88BF-4F5B-A8F5-6D552CCA7057}" type="sibTrans" cxnId="{69B130CC-D011-4092-A978-89A566FB8EB3}">
-      <dgm:prSet/>
-      <dgm:spPr/>
-      <dgm:t>
-        <a:bodyPr/>
-        <a:lstStyle/>
-        <a:p>
-          <a:endParaRPr lang="en-US"/>
-        </a:p>
-      </dgm:t>
-    </dgm:pt>
-    <dgm:pt modelId="{DCECE32E-24E0-4F0A-9EB0-26ECB0B36C9E}">
-      <dgm:prSet phldrT="[Text]"/>
-      <dgm:spPr/>
-      <dgm:t>
-        <a:bodyPr/>
-        <a:lstStyle/>
-        <a:p>
-          <a:r>
-            <a:rPr lang="en-US" b="1" dirty="0"/>
-            <a:t>Aim:</a:t>
-          </a:r>
-          <a:r>
-            <a:rPr lang="en-US" dirty="0"/>
-            <a:t> suggest songs inspired by the current playlist</a:t>
-          </a:r>
-        </a:p>
-      </dgm:t>
-    </dgm:pt>
-    <dgm:pt modelId="{58E46030-C161-4DA3-B6B6-ABECAD750EE1}" type="parTrans" cxnId="{CDF03E8D-55CD-4D9E-B0E2-26D708F0EDC9}">
-      <dgm:prSet/>
-      <dgm:spPr/>
-      <dgm:t>
-        <a:bodyPr/>
-        <a:lstStyle/>
-        <a:p>
-          <a:endParaRPr lang="en-US"/>
-        </a:p>
-      </dgm:t>
-    </dgm:pt>
-    <dgm:pt modelId="{484776BB-13F6-4B73-8A47-0066F714CF55}" type="sibTrans" cxnId="{CDF03E8D-55CD-4D9E-B0E2-26D708F0EDC9}">
-      <dgm:prSet/>
-      <dgm:spPr/>
-      <dgm:t>
-        <a:bodyPr/>
-        <a:lstStyle/>
-        <a:p>
-          <a:endParaRPr lang="en-US"/>
-        </a:p>
-      </dgm:t>
-    </dgm:pt>
-    <dgm:pt modelId="{9A073F8F-1A9F-4CD2-B2F2-79EA745E402F}">
-      <dgm:prSet phldrT="[Text]"/>
-      <dgm:spPr/>
-      <dgm:t>
-        <a:bodyPr/>
-        <a:lstStyle/>
-        <a:p>
-          <a:r>
-            <a:rPr lang="en-US" dirty="0"/>
-            <a:t>Train model with all song of each playlist</a:t>
-          </a:r>
-        </a:p>
-      </dgm:t>
-    </dgm:pt>
-    <dgm:pt modelId="{DF8B603C-3989-409B-9391-AB84530103AF}" type="parTrans" cxnId="{5379BCF6-B777-4BD1-95E6-6FFA1FC26DD7}">
-      <dgm:prSet/>
-      <dgm:spPr/>
-      <dgm:t>
-        <a:bodyPr/>
-        <a:lstStyle/>
-        <a:p>
-          <a:endParaRPr lang="en-US"/>
-        </a:p>
-      </dgm:t>
-    </dgm:pt>
-    <dgm:pt modelId="{ED9A71A3-E30B-4425-A924-C0F17DB828A5}" type="sibTrans" cxnId="{5379BCF6-B777-4BD1-95E6-6FFA1FC26DD7}">
-      <dgm:prSet/>
-      <dgm:spPr/>
-      <dgm:t>
-        <a:bodyPr/>
-        <a:lstStyle/>
-        <a:p>
-          <a:endParaRPr lang="en-US"/>
-        </a:p>
-      </dgm:t>
-    </dgm:pt>
-    <dgm:pt modelId="{4E56B1E4-B131-41B0-9402-CAA4079F6B0B}">
-      <dgm:prSet phldrT="[Text]"/>
-      <dgm:spPr/>
-      <dgm:t>
-        <a:bodyPr/>
-        <a:lstStyle/>
-        <a:p>
-          <a:r>
-            <a:rPr lang="en-US" b="1" dirty="0"/>
-            <a:t>Method:</a:t>
-          </a:r>
-          <a:r>
-            <a:rPr lang="en-US" dirty="0"/>
-            <a:t> Select 70% of the songs of the playlist and try to “guess” the 30% missing</a:t>
-          </a:r>
-        </a:p>
-      </dgm:t>
-    </dgm:pt>
-    <dgm:pt modelId="{F2F7420D-A803-482C-837D-B29FE9BEF721}" type="parTrans" cxnId="{37E6E434-B518-4333-AB86-41F1526DB273}">
-      <dgm:prSet/>
-      <dgm:spPr/>
-      <dgm:t>
-        <a:bodyPr/>
-        <a:lstStyle/>
-        <a:p>
-          <a:endParaRPr lang="en-US"/>
-        </a:p>
-      </dgm:t>
-    </dgm:pt>
-    <dgm:pt modelId="{69C6FA25-A640-4FA7-96EE-1DCFDBE723C0}" type="sibTrans" cxnId="{37E6E434-B518-4333-AB86-41F1526DB273}">
-      <dgm:prSet/>
-      <dgm:spPr/>
-      <dgm:t>
-        <a:bodyPr/>
-        <a:lstStyle/>
-        <a:p>
-          <a:endParaRPr lang="en-US"/>
-        </a:p>
-      </dgm:t>
-    </dgm:pt>
-    <dgm:pt modelId="{8C8F6346-000E-471C-A193-41E7F8A5850A}">
-      <dgm:prSet phldrT="[Text]"/>
-      <dgm:spPr/>
-      <dgm:t>
-        <a:bodyPr/>
-        <a:lstStyle/>
-        <a:p>
-          <a:r>
-            <a:rPr lang="en-US" b="1" dirty="0"/>
-            <a:t>Performance indicator:</a:t>
-          </a:r>
-          <a:r>
-            <a:rPr lang="en-US" dirty="0"/>
-            <a:t> model accuracy matching the 30% missing in the playlist</a:t>
-          </a:r>
-        </a:p>
-      </dgm:t>
-    </dgm:pt>
-    <dgm:pt modelId="{DFE0E806-1276-4465-89ED-360C8F876232}" type="parTrans" cxnId="{616B99EA-EB10-4B0C-A816-122BB6F87FC6}">
-      <dgm:prSet/>
-      <dgm:spPr/>
-      <dgm:t>
-        <a:bodyPr/>
-        <a:lstStyle/>
-        <a:p>
-          <a:endParaRPr lang="en-US"/>
-        </a:p>
-      </dgm:t>
-    </dgm:pt>
-    <dgm:pt modelId="{23793724-FC95-4C94-B1D2-950ADF753A28}" type="sibTrans" cxnId="{616B99EA-EB10-4B0C-A816-122BB6F87FC6}">
-      <dgm:prSet/>
-      <dgm:spPr/>
-      <dgm:t>
-        <a:bodyPr/>
-        <a:lstStyle/>
-        <a:p>
-          <a:endParaRPr lang="en-US"/>
-        </a:p>
-      </dgm:t>
-    </dgm:pt>
-    <dgm:pt modelId="{A10C1B36-D92B-4781-9AF8-3FDBEA5272E6}">
-      <dgm:prSet phldrT="[Text]"/>
-      <dgm:spPr/>
-      <dgm:t>
-        <a:bodyPr/>
-        <a:lstStyle/>
-        <a:p>
-          <a:r>
-            <a:rPr lang="en-US" b="1" dirty="0"/>
-            <a:t>Assumption:</a:t>
-          </a:r>
-          <a:r>
-            <a:rPr lang="en-US" dirty="0"/>
-            <a:t> model with good accuracy is a good suggestion tool for new songs beyond the current playlist</a:t>
-          </a:r>
-        </a:p>
-      </dgm:t>
-    </dgm:pt>
-    <dgm:pt modelId="{0E228C61-CE52-4841-B0E1-15F359710512}" type="parTrans" cxnId="{2B9F446D-8897-4AF3-A1D1-584588CD7F4B}">
-      <dgm:prSet/>
-      <dgm:spPr/>
-      <dgm:t>
-        <a:bodyPr/>
-        <a:lstStyle/>
-        <a:p>
-          <a:endParaRPr lang="en-US"/>
-        </a:p>
-      </dgm:t>
-    </dgm:pt>
-    <dgm:pt modelId="{626E2FED-742B-4887-AD40-2ABD21A823D4}" type="sibTrans" cxnId="{2B9F446D-8897-4AF3-A1D1-584588CD7F4B}">
-      <dgm:prSet/>
-      <dgm:spPr/>
-      <dgm:t>
-        <a:bodyPr/>
-        <a:lstStyle/>
-        <a:p>
-          <a:endParaRPr lang="en-US"/>
-        </a:p>
-      </dgm:t>
-    </dgm:pt>
-    <dgm:pt modelId="{158961B9-CC5C-47E7-B4F9-FB4F7FA5087D}">
-      <dgm:prSet phldrT="[Text]"/>
-      <dgm:spPr/>
-      <dgm:t>
-        <a:bodyPr/>
-        <a:lstStyle/>
-        <a:p>
-          <a:r>
-            <a:rPr lang="en-US" dirty="0"/>
-            <a:t>Training: 70%</a:t>
-          </a:r>
-        </a:p>
-      </dgm:t>
-    </dgm:pt>
-    <dgm:pt modelId="{C6C1CF4D-8DE2-4771-8BCD-65B10E955FF3}" type="sibTrans" cxnId="{1D2E2F7B-5D74-490E-90BE-B8739B7799CD}">
-      <dgm:prSet/>
-      <dgm:spPr/>
-      <dgm:t>
-        <a:bodyPr/>
-        <a:lstStyle/>
-        <a:p>
-          <a:endParaRPr lang="en-US"/>
-        </a:p>
-      </dgm:t>
-    </dgm:pt>
-    <dgm:pt modelId="{B4417F76-F703-49FE-B6A5-E20DAE4A91A9}" type="parTrans" cxnId="{1D2E2F7B-5D74-490E-90BE-B8739B7799CD}">
-      <dgm:prSet/>
-      <dgm:spPr/>
-      <dgm:t>
-        <a:bodyPr/>
-        <a:lstStyle/>
-        <a:p>
-          <a:endParaRPr lang="en-US"/>
-        </a:p>
-      </dgm:t>
-    </dgm:pt>
-    <dgm:pt modelId="{96BD55D6-AAC9-4259-85FA-500BA70F6642}">
-      <dgm:prSet phldrT="[Text]"/>
-      <dgm:spPr/>
-      <dgm:t>
-        <a:bodyPr/>
-        <a:lstStyle/>
-        <a:p>
-          <a:r>
-            <a:rPr lang="en-US" dirty="0"/>
-            <a:t>Evaluation: 30%</a:t>
-          </a:r>
-        </a:p>
-      </dgm:t>
-    </dgm:pt>
-    <dgm:pt modelId="{B04EE5CF-BC9E-405A-8CA1-7DC160B4B05A}" type="sibTrans" cxnId="{590C2842-2A8E-4452-BA12-EAC351630BDF}">
-      <dgm:prSet/>
-      <dgm:spPr/>
-      <dgm:t>
-        <a:bodyPr/>
-        <a:lstStyle/>
-        <a:p>
-          <a:endParaRPr lang="en-US"/>
-        </a:p>
-      </dgm:t>
-    </dgm:pt>
-    <dgm:pt modelId="{68FE1BC5-DE83-49E4-BCBB-A73E5B92E079}" type="parTrans" cxnId="{590C2842-2A8E-4452-BA12-EAC351630BDF}">
-      <dgm:prSet/>
-      <dgm:spPr/>
-      <dgm:t>
-        <a:bodyPr/>
-        <a:lstStyle/>
-        <a:p>
-          <a:endParaRPr lang="en-US"/>
-        </a:p>
-      </dgm:t>
-    </dgm:pt>
-    <dgm:pt modelId="{BD9117E0-507E-45C5-8FA4-57237BEACC6E}">
-      <dgm:prSet phldrT="[Text]"/>
-      <dgm:spPr/>
-      <dgm:t>
-        <a:bodyPr/>
-        <a:lstStyle/>
-        <a:p>
-          <a:r>
-            <a:rPr lang="en-US" dirty="0"/>
-            <a:t>Playlists</a:t>
-          </a:r>
-        </a:p>
-      </dgm:t>
-    </dgm:pt>
-    <dgm:pt modelId="{F4EDF0EA-CB73-45AD-903B-C600BDC068CA}" type="parTrans" cxnId="{128F0AE4-6D71-40DC-9D09-705E51A72710}">
-      <dgm:prSet/>
-      <dgm:spPr/>
-    </dgm:pt>
-    <dgm:pt modelId="{0A7A08A9-C8BE-4235-A4F5-032F4D02624C}" type="sibTrans" cxnId="{128F0AE4-6D71-40DC-9D09-705E51A72710}">
-      <dgm:prSet/>
-      <dgm:spPr/>
-    </dgm:pt>
-    <dgm:pt modelId="{9F0F584C-7469-45FC-8BE3-E5B811A7B2C9}" type="pres">
-      <dgm:prSet presAssocID="{FA2E557E-F158-4CBC-A5F6-8D3D6C7C3D60}" presName="Name0" presStyleCnt="0">
-        <dgm:presLayoutVars>
-          <dgm:chMax val="7"/>
-          <dgm:dir/>
-          <dgm:animLvl val="lvl"/>
-          <dgm:resizeHandles val="exact"/>
-        </dgm:presLayoutVars>
-      </dgm:prSet>
-      <dgm:spPr/>
-    </dgm:pt>
-    <dgm:pt modelId="{9060F266-88B4-431D-A1B3-C3AE96DB1479}" type="pres">
-      <dgm:prSet presAssocID="{BD9117E0-507E-45C5-8FA4-57237BEACC6E}" presName="circle1" presStyleLbl="node1" presStyleIdx="0" presStyleCnt="2"/>
-      <dgm:spPr/>
-    </dgm:pt>
-    <dgm:pt modelId="{55841FFB-2F5A-46C3-A7F3-79BF0C5164DF}" type="pres">
-      <dgm:prSet presAssocID="{BD9117E0-507E-45C5-8FA4-57237BEACC6E}" presName="space" presStyleCnt="0"/>
-      <dgm:spPr/>
-    </dgm:pt>
-    <dgm:pt modelId="{B835AEEC-6B8F-4B74-8B49-BCDC7D5876F0}" type="pres">
-      <dgm:prSet presAssocID="{BD9117E0-507E-45C5-8FA4-57237BEACC6E}" presName="rect1" presStyleLbl="alignAcc1" presStyleIdx="0" presStyleCnt="2"/>
-      <dgm:spPr/>
-    </dgm:pt>
-    <dgm:pt modelId="{5783E3C5-F1B6-45BA-B7D2-8DBC88B647EF}" type="pres">
-      <dgm:prSet presAssocID="{95A91894-A46E-472F-80D8-F65E91E531C8}" presName="vertSpace2" presStyleLbl="node1" presStyleIdx="0" presStyleCnt="2"/>
-      <dgm:spPr/>
-    </dgm:pt>
-    <dgm:pt modelId="{0452C1EC-3A21-4421-B0EA-9625FD560D86}" type="pres">
-      <dgm:prSet presAssocID="{95A91894-A46E-472F-80D8-F65E91E531C8}" presName="circle2" presStyleLbl="node1" presStyleIdx="1" presStyleCnt="2"/>
-      <dgm:spPr/>
-    </dgm:pt>
-    <dgm:pt modelId="{07059255-70FD-47E4-A1A2-447BADABE3DC}" type="pres">
-      <dgm:prSet presAssocID="{95A91894-A46E-472F-80D8-F65E91E531C8}" presName="rect2" presStyleLbl="alignAcc1" presStyleIdx="1" presStyleCnt="2"/>
-      <dgm:spPr/>
-    </dgm:pt>
-    <dgm:pt modelId="{8FA2B959-4704-406E-BE34-53C03CAF5056}" type="pres">
-      <dgm:prSet presAssocID="{BD9117E0-507E-45C5-8FA4-57237BEACC6E}" presName="rect1ParTx" presStyleLbl="alignAcc1" presStyleIdx="1" presStyleCnt="2">
-        <dgm:presLayoutVars>
-          <dgm:chMax val="1"/>
-          <dgm:bulletEnabled val="1"/>
-        </dgm:presLayoutVars>
-      </dgm:prSet>
-      <dgm:spPr/>
-    </dgm:pt>
-    <dgm:pt modelId="{F81966C5-2EC3-4E13-B36A-92FDA21DBB71}" type="pres">
-      <dgm:prSet presAssocID="{BD9117E0-507E-45C5-8FA4-57237BEACC6E}" presName="rect1ChTx" presStyleLbl="alignAcc1" presStyleIdx="1" presStyleCnt="2">
-        <dgm:presLayoutVars>
-          <dgm:bulletEnabled val="1"/>
-        </dgm:presLayoutVars>
-      </dgm:prSet>
-      <dgm:spPr/>
-    </dgm:pt>
-    <dgm:pt modelId="{E7A5746A-FB41-41AF-8551-3AD3764D2F71}" type="pres">
-      <dgm:prSet presAssocID="{95A91894-A46E-472F-80D8-F65E91E531C8}" presName="rect2ParTx" presStyleLbl="alignAcc1" presStyleIdx="1" presStyleCnt="2">
-        <dgm:presLayoutVars>
-          <dgm:chMax val="1"/>
-          <dgm:bulletEnabled val="1"/>
-        </dgm:presLayoutVars>
-      </dgm:prSet>
-      <dgm:spPr/>
-    </dgm:pt>
-    <dgm:pt modelId="{FFDEDC35-17BB-4548-ACE6-818E62F9AD4C}" type="pres">
-      <dgm:prSet presAssocID="{95A91894-A46E-472F-80D8-F65E91E531C8}" presName="rect2ChTx" presStyleLbl="alignAcc1" presStyleIdx="1" presStyleCnt="2">
-        <dgm:presLayoutVars>
-          <dgm:bulletEnabled val="1"/>
-        </dgm:presLayoutVars>
-      </dgm:prSet>
-      <dgm:spPr/>
-    </dgm:pt>
-  </dgm:ptLst>
-  <dgm:cxnLst>
-    <dgm:cxn modelId="{5F3A122F-E997-499D-A4A4-A6E746D53DC2}" type="presOf" srcId="{9A073F8F-1A9F-4CD2-B2F2-79EA745E402F}" destId="{FFDEDC35-17BB-4548-ACE6-818E62F9AD4C}" srcOrd="0" destOrd="0" presId="urn:microsoft.com/office/officeart/2005/8/layout/target3"/>
-    <dgm:cxn modelId="{193EBD30-9A37-4B18-938E-A2A440F337D1}" type="presOf" srcId="{4E56B1E4-B131-41B0-9402-CAA4079F6B0B}" destId="{FFDEDC35-17BB-4548-ACE6-818E62F9AD4C}" srcOrd="0" destOrd="2" presId="urn:microsoft.com/office/officeart/2005/8/layout/target3"/>
-    <dgm:cxn modelId="{37E6E434-B518-4333-AB86-41F1526DB273}" srcId="{95A91894-A46E-472F-80D8-F65E91E531C8}" destId="{4E56B1E4-B131-41B0-9402-CAA4079F6B0B}" srcOrd="2" destOrd="0" parTransId="{F2F7420D-A803-482C-837D-B29FE9BEF721}" sibTransId="{69C6FA25-A640-4FA7-96EE-1DCFDBE723C0}"/>
-    <dgm:cxn modelId="{590C2842-2A8E-4452-BA12-EAC351630BDF}" srcId="{BD9117E0-507E-45C5-8FA4-57237BEACC6E}" destId="{96BD55D6-AAC9-4259-85FA-500BA70F6642}" srcOrd="1" destOrd="0" parTransId="{68FE1BC5-DE83-49E4-BCBB-A73E5B92E079}" sibTransId="{B04EE5CF-BC9E-405A-8CA1-7DC160B4B05A}"/>
-    <dgm:cxn modelId="{0555744A-48DE-4D19-B297-5FDD63FE6E21}" type="presOf" srcId="{FA2E557E-F158-4CBC-A5F6-8D3D6C7C3D60}" destId="{9F0F584C-7469-45FC-8BE3-E5B811A7B2C9}" srcOrd="0" destOrd="0" presId="urn:microsoft.com/office/officeart/2005/8/layout/target3"/>
-    <dgm:cxn modelId="{2B9F446D-8897-4AF3-A1D1-584588CD7F4B}" srcId="{95A91894-A46E-472F-80D8-F65E91E531C8}" destId="{A10C1B36-D92B-4781-9AF8-3FDBEA5272E6}" srcOrd="4" destOrd="0" parTransId="{0E228C61-CE52-4841-B0E1-15F359710512}" sibTransId="{626E2FED-742B-4887-AD40-2ABD21A823D4}"/>
-    <dgm:cxn modelId="{8550347A-9AE4-4476-8310-3AB2D935973A}" type="presOf" srcId="{158961B9-CC5C-47E7-B4F9-FB4F7FA5087D}" destId="{F81966C5-2EC3-4E13-B36A-92FDA21DBB71}" srcOrd="0" destOrd="0" presId="urn:microsoft.com/office/officeart/2005/8/layout/target3"/>
-    <dgm:cxn modelId="{1D2E2F7B-5D74-490E-90BE-B8739B7799CD}" srcId="{BD9117E0-507E-45C5-8FA4-57237BEACC6E}" destId="{158961B9-CC5C-47E7-B4F9-FB4F7FA5087D}" srcOrd="0" destOrd="0" parTransId="{B4417F76-F703-49FE-B6A5-E20DAE4A91A9}" sibTransId="{C6C1CF4D-8DE2-4771-8BCD-65B10E955FF3}"/>
-    <dgm:cxn modelId="{563F1487-D87E-463A-A9F1-1066BD499DB5}" type="presOf" srcId="{96BD55D6-AAC9-4259-85FA-500BA70F6642}" destId="{F81966C5-2EC3-4E13-B36A-92FDA21DBB71}" srcOrd="0" destOrd="1" presId="urn:microsoft.com/office/officeart/2005/8/layout/target3"/>
-    <dgm:cxn modelId="{CDF03E8D-55CD-4D9E-B0E2-26D708F0EDC9}" srcId="{95A91894-A46E-472F-80D8-F65E91E531C8}" destId="{DCECE32E-24E0-4F0A-9EB0-26ECB0B36C9E}" srcOrd="1" destOrd="0" parTransId="{58E46030-C161-4DA3-B6B6-ABECAD750EE1}" sibTransId="{484776BB-13F6-4B73-8A47-0066F714CF55}"/>
-    <dgm:cxn modelId="{6C5DF08D-A00D-4C2F-B2D3-6E765D6A40D3}" type="presOf" srcId="{A10C1B36-D92B-4781-9AF8-3FDBEA5272E6}" destId="{FFDEDC35-17BB-4548-ACE6-818E62F9AD4C}" srcOrd="0" destOrd="4" presId="urn:microsoft.com/office/officeart/2005/8/layout/target3"/>
-    <dgm:cxn modelId="{ECFB7792-DE31-45F3-9A5A-D8DC162EBAEE}" type="presOf" srcId="{8C8F6346-000E-471C-A193-41E7F8A5850A}" destId="{FFDEDC35-17BB-4548-ACE6-818E62F9AD4C}" srcOrd="0" destOrd="3" presId="urn:microsoft.com/office/officeart/2005/8/layout/target3"/>
-    <dgm:cxn modelId="{74CEE4C8-F4B9-48B4-AA87-F7ACF84D19E6}" type="presOf" srcId="{BD9117E0-507E-45C5-8FA4-57237BEACC6E}" destId="{B835AEEC-6B8F-4B74-8B49-BCDC7D5876F0}" srcOrd="0" destOrd="0" presId="urn:microsoft.com/office/officeart/2005/8/layout/target3"/>
-    <dgm:cxn modelId="{69B130CC-D011-4092-A978-89A566FB8EB3}" srcId="{FA2E557E-F158-4CBC-A5F6-8D3D6C7C3D60}" destId="{95A91894-A46E-472F-80D8-F65E91E531C8}" srcOrd="1" destOrd="0" parTransId="{7CE12A53-C969-476F-9CE9-2331B11AE65F}" sibTransId="{312BBF37-88BF-4F5B-A8F5-6D552CCA7057}"/>
-    <dgm:cxn modelId="{0DD2E3CC-B115-4D23-98EB-2A251F56815A}" type="presOf" srcId="{95A91894-A46E-472F-80D8-F65E91E531C8}" destId="{07059255-70FD-47E4-A1A2-447BADABE3DC}" srcOrd="0" destOrd="0" presId="urn:microsoft.com/office/officeart/2005/8/layout/target3"/>
-    <dgm:cxn modelId="{276228CE-7025-40CD-84C9-8DF5DC814495}" type="presOf" srcId="{BD9117E0-507E-45C5-8FA4-57237BEACC6E}" destId="{8FA2B959-4704-406E-BE34-53C03CAF5056}" srcOrd="1" destOrd="0" presId="urn:microsoft.com/office/officeart/2005/8/layout/target3"/>
-    <dgm:cxn modelId="{D98346D0-1193-42D1-B7D5-57EF0B5C09FF}" type="presOf" srcId="{95A91894-A46E-472F-80D8-F65E91E531C8}" destId="{E7A5746A-FB41-41AF-8551-3AD3764D2F71}" srcOrd="1" destOrd="0" presId="urn:microsoft.com/office/officeart/2005/8/layout/target3"/>
-    <dgm:cxn modelId="{128F0AE4-6D71-40DC-9D09-705E51A72710}" srcId="{FA2E557E-F158-4CBC-A5F6-8D3D6C7C3D60}" destId="{BD9117E0-507E-45C5-8FA4-57237BEACC6E}" srcOrd="0" destOrd="0" parTransId="{F4EDF0EA-CB73-45AD-903B-C600BDC068CA}" sibTransId="{0A7A08A9-C8BE-4235-A4F5-032F4D02624C}"/>
-    <dgm:cxn modelId="{616B99EA-EB10-4B0C-A816-122BB6F87FC6}" srcId="{95A91894-A46E-472F-80D8-F65E91E531C8}" destId="{8C8F6346-000E-471C-A193-41E7F8A5850A}" srcOrd="3" destOrd="0" parTransId="{DFE0E806-1276-4465-89ED-360C8F876232}" sibTransId="{23793724-FC95-4C94-B1D2-950ADF753A28}"/>
-    <dgm:cxn modelId="{98A21AEE-2969-43D8-A6F3-47A6A291B325}" type="presOf" srcId="{DCECE32E-24E0-4F0A-9EB0-26ECB0B36C9E}" destId="{FFDEDC35-17BB-4548-ACE6-818E62F9AD4C}" srcOrd="0" destOrd="1" presId="urn:microsoft.com/office/officeart/2005/8/layout/target3"/>
-    <dgm:cxn modelId="{5379BCF6-B777-4BD1-95E6-6FFA1FC26DD7}" srcId="{95A91894-A46E-472F-80D8-F65E91E531C8}" destId="{9A073F8F-1A9F-4CD2-B2F2-79EA745E402F}" srcOrd="0" destOrd="0" parTransId="{DF8B603C-3989-409B-9391-AB84530103AF}" sibTransId="{ED9A71A3-E30B-4425-A924-C0F17DB828A5}"/>
-    <dgm:cxn modelId="{53EAA13D-A67D-4B21-A7D6-A96CCAB97DDC}" type="presParOf" srcId="{9F0F584C-7469-45FC-8BE3-E5B811A7B2C9}" destId="{9060F266-88B4-431D-A1B3-C3AE96DB1479}" srcOrd="0" destOrd="0" presId="urn:microsoft.com/office/officeart/2005/8/layout/target3"/>
-    <dgm:cxn modelId="{49570EC3-2340-41D0-8D92-113416F7AB8C}" type="presParOf" srcId="{9F0F584C-7469-45FC-8BE3-E5B811A7B2C9}" destId="{55841FFB-2F5A-46C3-A7F3-79BF0C5164DF}" srcOrd="1" destOrd="0" presId="urn:microsoft.com/office/officeart/2005/8/layout/target3"/>
-    <dgm:cxn modelId="{CEFB8F79-0C2C-4986-A3F2-F9772131E764}" type="presParOf" srcId="{9F0F584C-7469-45FC-8BE3-E5B811A7B2C9}" destId="{B835AEEC-6B8F-4B74-8B49-BCDC7D5876F0}" srcOrd="2" destOrd="0" presId="urn:microsoft.com/office/officeart/2005/8/layout/target3"/>
-    <dgm:cxn modelId="{D5FCEDA3-D686-4CAA-B8B9-D24913B07368}" type="presParOf" srcId="{9F0F584C-7469-45FC-8BE3-E5B811A7B2C9}" destId="{5783E3C5-F1B6-45BA-B7D2-8DBC88B647EF}" srcOrd="3" destOrd="0" presId="urn:microsoft.com/office/officeart/2005/8/layout/target3"/>
-    <dgm:cxn modelId="{63ABC84D-2ABC-4D01-9D38-D1341FE4FC7A}" type="presParOf" srcId="{9F0F584C-7469-45FC-8BE3-E5B811A7B2C9}" destId="{0452C1EC-3A21-4421-B0EA-9625FD560D86}" srcOrd="4" destOrd="0" presId="urn:microsoft.com/office/officeart/2005/8/layout/target3"/>
-    <dgm:cxn modelId="{C90D7A09-DE66-4BF1-A938-EEF263CEE1C8}" type="presParOf" srcId="{9F0F584C-7469-45FC-8BE3-E5B811A7B2C9}" destId="{07059255-70FD-47E4-A1A2-447BADABE3DC}" srcOrd="5" destOrd="0" presId="urn:microsoft.com/office/officeart/2005/8/layout/target3"/>
-    <dgm:cxn modelId="{4A6A6B47-8AA3-4075-9FE6-F8892F75A1F6}" type="presParOf" srcId="{9F0F584C-7469-45FC-8BE3-E5B811A7B2C9}" destId="{8FA2B959-4704-406E-BE34-53C03CAF5056}" srcOrd="6" destOrd="0" presId="urn:microsoft.com/office/officeart/2005/8/layout/target3"/>
-    <dgm:cxn modelId="{D84BE8F0-C7A5-46F2-8AB1-93AA40AC846D}" type="presParOf" srcId="{9F0F584C-7469-45FC-8BE3-E5B811A7B2C9}" destId="{F81966C5-2EC3-4E13-B36A-92FDA21DBB71}" srcOrd="7" destOrd="0" presId="urn:microsoft.com/office/officeart/2005/8/layout/target3"/>
-    <dgm:cxn modelId="{9CE7CD12-310C-4411-BDCD-99E5A7482D63}" type="presParOf" srcId="{9F0F584C-7469-45FC-8BE3-E5B811A7B2C9}" destId="{E7A5746A-FB41-41AF-8551-3AD3764D2F71}" srcOrd="8" destOrd="0" presId="urn:microsoft.com/office/officeart/2005/8/layout/target3"/>
-    <dgm:cxn modelId="{DDA80B4F-D3F2-4730-9C18-4AFF72D37B5F}" type="presParOf" srcId="{9F0F584C-7469-45FC-8BE3-E5B811A7B2C9}" destId="{FFDEDC35-17BB-4548-ACE6-818E62F9AD4C}" srcOrd="9" destOrd="0" presId="urn:microsoft.com/office/officeart/2005/8/layout/target3"/>
-  </dgm:cxnLst>
-  <dgm:bg/>
-  <dgm:whole/>
-  <dgm:extLst>
-    <a:ext uri="http://schemas.microsoft.com/office/drawing/2008/diagram">
-      <dsp:dataModelExt xmlns:dsp="http://schemas.microsoft.com/office/drawing/2008/diagram" relId="rId6" minVer="http://schemas.openxmlformats.org/drawingml/2006/diagram"/>
-    </a:ext>
-  </dgm:extLst>
-</dgm:dataModel>
-</file>
-
 <file path=ppt/diagrams/drawing1.xml><?xml version="1.0" encoding="utf-8"?>
-<dsp:drawing xmlns:dgm="http://schemas.openxmlformats.org/drawingml/2006/diagram" xmlns:dsp="http://schemas.microsoft.com/office/drawing/2008/diagram" xmlns:a="http://schemas.openxmlformats.org/drawingml/2006/main">
-  <dsp:spTree>
-    <dsp:nvGrpSpPr>
-      <dsp:cNvPr id="0" name=""/>
-      <dsp:cNvGrpSpPr/>
-    </dsp:nvGrpSpPr>
-    <dsp:grpSpPr/>
-    <dsp:sp modelId="{4C78F7BF-FBC9-402B-B0EF-8C63C1370FD1}">
-      <dsp:nvSpPr>
-        <dsp:cNvPr id="0" name=""/>
-        <dsp:cNvSpPr/>
-      </dsp:nvSpPr>
-      <dsp:spPr>
-        <a:xfrm>
-          <a:off x="3953" y="119843"/>
-          <a:ext cx="2377306" cy="460800"/>
-        </a:xfrm>
-        <a:prstGeom prst="rect">
-          <a:avLst/>
-        </a:prstGeom>
-        <a:solidFill>
-          <a:schemeClr val="accent2">
-            <a:hueOff val="0"/>
-            <a:satOff val="0"/>
-            <a:lumOff val="0"/>
-            <a:alphaOff val="0"/>
-          </a:schemeClr>
-        </a:solidFill>
-        <a:ln w="12700" cap="flat" cmpd="sng" algn="ctr">
-          <a:solidFill>
-            <a:schemeClr val="accent2">
-              <a:hueOff val="0"/>
-              <a:satOff val="0"/>
-              <a:lumOff val="0"/>
-              <a:alphaOff val="0"/>
-            </a:schemeClr>
-          </a:solidFill>
-          <a:prstDash val="solid"/>
-          <a:miter lim="800000"/>
-        </a:ln>
-        <a:effectLst/>
-      </dsp:spPr>
-      <dsp:style>
-        <a:lnRef idx="2">
-          <a:scrgbClr r="0" g="0" b="0"/>
-        </a:lnRef>
-        <a:fillRef idx="1">
-          <a:scrgbClr r="0" g="0" b="0"/>
-        </a:fillRef>
-        <a:effectRef idx="0">
-          <a:scrgbClr r="0" g="0" b="0"/>
-        </a:effectRef>
-        <a:fontRef idx="minor">
-          <a:schemeClr val="lt1"/>
-        </a:fontRef>
-      </dsp:style>
-      <dsp:txBody>
-        <a:bodyPr spcFirstLastPara="0" vert="horz" wrap="square" lIns="113792" tIns="65024" rIns="113792" bIns="65024" numCol="1" spcCol="1270" anchor="ctr" anchorCtr="0">
-          <a:noAutofit/>
-        </a:bodyPr>
-        <a:lstStyle/>
-        <a:p>
-          <a:pPr marL="0" lvl="0" indent="0" algn="ctr" defTabSz="711200">
-            <a:lnSpc>
-              <a:spcPct val="90000"/>
-            </a:lnSpc>
-            <a:spcBef>
-              <a:spcPct val="0"/>
-            </a:spcBef>
-            <a:spcAft>
-              <a:spcPct val="35000"/>
-            </a:spcAft>
-            <a:buNone/>
-          </a:pPr>
-          <a:r>
-            <a:rPr lang="en-US" sz="1600" kern="1200" dirty="0"/>
-            <a:t>Playlist</a:t>
-          </a:r>
-        </a:p>
-      </dsp:txBody>
-      <dsp:txXfrm>
-        <a:off x="3953" y="119843"/>
-        <a:ext cx="2377306" cy="460800"/>
-      </dsp:txXfrm>
-    </dsp:sp>
-    <dsp:sp modelId="{131BDF30-91AC-42C3-8E1F-CBB8821C33B8}">
-      <dsp:nvSpPr>
-        <dsp:cNvPr id="0" name=""/>
-        <dsp:cNvSpPr/>
-      </dsp:nvSpPr>
-      <dsp:spPr>
-        <a:xfrm>
-          <a:off x="3953" y="580643"/>
-          <a:ext cx="2377306" cy="3650850"/>
-        </a:xfrm>
-        <a:prstGeom prst="rect">
-          <a:avLst/>
-        </a:prstGeom>
-        <a:solidFill>
-          <a:schemeClr val="accent2">
-            <a:tint val="40000"/>
-            <a:alpha val="90000"/>
-            <a:hueOff val="0"/>
-            <a:satOff val="0"/>
-            <a:lumOff val="0"/>
-            <a:alphaOff val="0"/>
-          </a:schemeClr>
-        </a:solidFill>
-        <a:ln w="12700" cap="flat" cmpd="sng" algn="ctr">
-          <a:solidFill>
-            <a:schemeClr val="accent2">
-              <a:tint val="40000"/>
-              <a:alpha val="90000"/>
-              <a:hueOff val="0"/>
-              <a:satOff val="0"/>
-              <a:lumOff val="0"/>
-              <a:alphaOff val="0"/>
-            </a:schemeClr>
-          </a:solidFill>
-          <a:prstDash val="solid"/>
-          <a:miter lim="800000"/>
-        </a:ln>
-        <a:effectLst/>
-      </dsp:spPr>
-      <dsp:style>
-        <a:lnRef idx="2">
-          <a:scrgbClr r="0" g="0" b="0"/>
-        </a:lnRef>
-        <a:fillRef idx="1">
-          <a:scrgbClr r="0" g="0" b="0"/>
-        </a:fillRef>
-        <a:effectRef idx="0">
-          <a:scrgbClr r="0" g="0" b="0"/>
-        </a:effectRef>
-        <a:fontRef idx="minor"/>
-      </dsp:style>
-      <dsp:txBody>
-        <a:bodyPr spcFirstLastPara="0" vert="horz" wrap="square" lIns="85344" tIns="85344" rIns="113792" bIns="128016" numCol="1" spcCol="1270" anchor="t" anchorCtr="0">
-          <a:noAutofit/>
-        </a:bodyPr>
-        <a:lstStyle/>
-        <a:p>
-          <a:pPr marL="171450" lvl="1" indent="-171450" algn="l" defTabSz="711200">
-            <a:lnSpc>
-              <a:spcPct val="90000"/>
-            </a:lnSpc>
-            <a:spcBef>
-              <a:spcPct val="0"/>
-            </a:spcBef>
-            <a:spcAft>
-              <a:spcPct val="15000"/>
-            </a:spcAft>
-            <a:buChar char="•"/>
-          </a:pPr>
-          <a:r>
-            <a:rPr lang="en-US" sz="1600" kern="1200"/>
-            <a:t>name</a:t>
-          </a:r>
-          <a:endParaRPr lang="en-US" sz="1600" kern="1200" dirty="0"/>
-        </a:p>
-        <a:p>
-          <a:pPr marL="171450" lvl="1" indent="-171450" algn="l" defTabSz="711200">
-            <a:lnSpc>
-              <a:spcPct val="90000"/>
-            </a:lnSpc>
-            <a:spcBef>
-              <a:spcPct val="0"/>
-            </a:spcBef>
-            <a:spcAft>
-              <a:spcPct val="15000"/>
-            </a:spcAft>
-            <a:buChar char="•"/>
-          </a:pPr>
-          <a:r>
-            <a:rPr lang="en-US" sz="1600" kern="1200"/>
-            <a:t>collaborative</a:t>
-          </a:r>
-        </a:p>
-        <a:p>
-          <a:pPr marL="171450" lvl="1" indent="-171450" algn="l" defTabSz="711200">
-            <a:lnSpc>
-              <a:spcPct val="90000"/>
-            </a:lnSpc>
-            <a:spcBef>
-              <a:spcPct val="0"/>
-            </a:spcBef>
-            <a:spcAft>
-              <a:spcPct val="15000"/>
-            </a:spcAft>
-            <a:buChar char="•"/>
-          </a:pPr>
-          <a:r>
-            <a:rPr lang="en-US" sz="1600" kern="1200"/>
-            <a:t>pid</a:t>
-          </a:r>
-        </a:p>
-        <a:p>
-          <a:pPr marL="171450" lvl="1" indent="-171450" algn="l" defTabSz="711200">
-            <a:lnSpc>
-              <a:spcPct val="90000"/>
-            </a:lnSpc>
-            <a:spcBef>
-              <a:spcPct val="0"/>
-            </a:spcBef>
-            <a:spcAft>
-              <a:spcPct val="15000"/>
-            </a:spcAft>
-            <a:buChar char="•"/>
-          </a:pPr>
-          <a:r>
-            <a:rPr lang="en-US" sz="1600" kern="1200"/>
-            <a:t>modified_at</a:t>
-          </a:r>
-        </a:p>
-        <a:p>
-          <a:pPr marL="171450" lvl="1" indent="-171450" algn="l" defTabSz="711200">
-            <a:lnSpc>
-              <a:spcPct val="90000"/>
-            </a:lnSpc>
-            <a:spcBef>
-              <a:spcPct val="0"/>
-            </a:spcBef>
-            <a:spcAft>
-              <a:spcPct val="15000"/>
-            </a:spcAft>
-            <a:buChar char="•"/>
-          </a:pPr>
-          <a:r>
-            <a:rPr lang="en-US" sz="1600" kern="1200"/>
-            <a:t>num_albums</a:t>
-          </a:r>
-        </a:p>
-        <a:p>
-          <a:pPr marL="171450" lvl="1" indent="-171450" algn="l" defTabSz="711200">
-            <a:lnSpc>
-              <a:spcPct val="90000"/>
-            </a:lnSpc>
-            <a:spcBef>
-              <a:spcPct val="0"/>
-            </a:spcBef>
-            <a:spcAft>
-              <a:spcPct val="15000"/>
-            </a:spcAft>
-            <a:buChar char="•"/>
-          </a:pPr>
-          <a:r>
-            <a:rPr lang="en-US" sz="1600" kern="1200"/>
-            <a:t>num_tracks</a:t>
-          </a:r>
-        </a:p>
-        <a:p>
-          <a:pPr marL="171450" lvl="1" indent="-171450" algn="l" defTabSz="711200">
-            <a:lnSpc>
-              <a:spcPct val="90000"/>
-            </a:lnSpc>
-            <a:spcBef>
-              <a:spcPct val="0"/>
-            </a:spcBef>
-            <a:spcAft>
-              <a:spcPct val="15000"/>
-            </a:spcAft>
-            <a:buChar char="•"/>
-          </a:pPr>
-          <a:r>
-            <a:rPr lang="en-US" sz="1600" kern="1200"/>
-            <a:t>num_followers</a:t>
-          </a:r>
-        </a:p>
-        <a:p>
-          <a:pPr marL="171450" lvl="1" indent="-171450" algn="l" defTabSz="711200">
-            <a:lnSpc>
-              <a:spcPct val="90000"/>
-            </a:lnSpc>
-            <a:spcBef>
-              <a:spcPct val="0"/>
-            </a:spcBef>
-            <a:spcAft>
-              <a:spcPct val="15000"/>
-            </a:spcAft>
-            <a:buChar char="•"/>
-          </a:pPr>
-          <a:r>
-            <a:rPr lang="en-US" sz="1600" kern="1200"/>
-            <a:t>num_edits</a:t>
-          </a:r>
-        </a:p>
-        <a:p>
-          <a:pPr marL="171450" lvl="1" indent="-171450" algn="l" defTabSz="711200">
-            <a:lnSpc>
-              <a:spcPct val="90000"/>
-            </a:lnSpc>
-            <a:spcBef>
-              <a:spcPct val="0"/>
-            </a:spcBef>
-            <a:spcAft>
-              <a:spcPct val="15000"/>
-            </a:spcAft>
-            <a:buChar char="•"/>
-          </a:pPr>
-          <a:r>
-            <a:rPr lang="en-US" sz="1600" kern="1200"/>
-            <a:t>duration_ms</a:t>
-          </a:r>
-        </a:p>
-        <a:p>
-          <a:pPr marL="171450" lvl="1" indent="-171450" algn="l" defTabSz="711200">
-            <a:lnSpc>
-              <a:spcPct val="90000"/>
-            </a:lnSpc>
-            <a:spcBef>
-              <a:spcPct val="0"/>
-            </a:spcBef>
-            <a:spcAft>
-              <a:spcPct val="15000"/>
-            </a:spcAft>
-            <a:buChar char="•"/>
-          </a:pPr>
-          <a:r>
-            <a:rPr lang="en-US" sz="1600" kern="1200"/>
-            <a:t>num_artists</a:t>
-          </a:r>
-        </a:p>
-        <a:p>
-          <a:pPr marL="171450" lvl="1" indent="-171450" algn="l" defTabSz="711200">
-            <a:lnSpc>
-              <a:spcPct val="90000"/>
-            </a:lnSpc>
-            <a:spcBef>
-              <a:spcPct val="0"/>
-            </a:spcBef>
-            <a:spcAft>
-              <a:spcPct val="15000"/>
-            </a:spcAft>
-            <a:buChar char="•"/>
-          </a:pPr>
-          <a:r>
-            <a:rPr lang="en-US" sz="1600" kern="1200" dirty="0"/>
-            <a:t>tracks</a:t>
-          </a:r>
-        </a:p>
-      </dsp:txBody>
-      <dsp:txXfrm>
-        <a:off x="3953" y="580643"/>
-        <a:ext cx="2377306" cy="3650850"/>
-      </dsp:txXfrm>
-    </dsp:sp>
-    <dsp:sp modelId="{66C469A9-8CB0-4F02-AD2C-45AC010076A5}">
-      <dsp:nvSpPr>
-        <dsp:cNvPr id="0" name=""/>
-        <dsp:cNvSpPr/>
-      </dsp:nvSpPr>
-      <dsp:spPr>
-        <a:xfrm>
-          <a:off x="2714082" y="119843"/>
-          <a:ext cx="2377306" cy="460800"/>
-        </a:xfrm>
-        <a:prstGeom prst="rect">
-          <a:avLst/>
-        </a:prstGeom>
-        <a:solidFill>
-          <a:schemeClr val="accent3">
-            <a:hueOff val="0"/>
-            <a:satOff val="0"/>
-            <a:lumOff val="0"/>
-            <a:alphaOff val="0"/>
-          </a:schemeClr>
-        </a:solidFill>
-        <a:ln w="12700" cap="flat" cmpd="sng" algn="ctr">
-          <a:solidFill>
-            <a:schemeClr val="accent3">
-              <a:hueOff val="0"/>
-              <a:satOff val="0"/>
-              <a:lumOff val="0"/>
-              <a:alphaOff val="0"/>
-            </a:schemeClr>
-          </a:solidFill>
-          <a:prstDash val="solid"/>
-          <a:miter lim="800000"/>
-        </a:ln>
-        <a:effectLst/>
-      </dsp:spPr>
-      <dsp:style>
-        <a:lnRef idx="2">
-          <a:scrgbClr r="0" g="0" b="0"/>
-        </a:lnRef>
-        <a:fillRef idx="1">
-          <a:scrgbClr r="0" g="0" b="0"/>
-        </a:fillRef>
-        <a:effectRef idx="0">
-          <a:scrgbClr r="0" g="0" b="0"/>
-        </a:effectRef>
-        <a:fontRef idx="minor">
-          <a:schemeClr val="lt1"/>
-        </a:fontRef>
-      </dsp:style>
-      <dsp:txBody>
-        <a:bodyPr spcFirstLastPara="0" vert="horz" wrap="square" lIns="113792" tIns="65024" rIns="113792" bIns="65024" numCol="1" spcCol="1270" anchor="ctr" anchorCtr="0">
-          <a:noAutofit/>
-        </a:bodyPr>
-        <a:lstStyle/>
-        <a:p>
-          <a:pPr marL="0" lvl="0" indent="0" algn="ctr" defTabSz="711200">
-            <a:lnSpc>
-              <a:spcPct val="90000"/>
-            </a:lnSpc>
-            <a:spcBef>
-              <a:spcPct val="0"/>
-            </a:spcBef>
-            <a:spcAft>
-              <a:spcPct val="35000"/>
-            </a:spcAft>
-            <a:buNone/>
-          </a:pPr>
-          <a:r>
-            <a:rPr lang="en-US" sz="1600" kern="1200" dirty="0"/>
-            <a:t>Songs</a:t>
-          </a:r>
-        </a:p>
-      </dsp:txBody>
-      <dsp:txXfrm>
-        <a:off x="2714082" y="119843"/>
-        <a:ext cx="2377306" cy="460800"/>
-      </dsp:txXfrm>
-    </dsp:sp>
-    <dsp:sp modelId="{3DF75DD8-6FF5-4C7B-B779-C50A3E64701A}">
-      <dsp:nvSpPr>
-        <dsp:cNvPr id="0" name=""/>
-        <dsp:cNvSpPr/>
-      </dsp:nvSpPr>
-      <dsp:spPr>
-        <a:xfrm>
-          <a:off x="2714082" y="580643"/>
-          <a:ext cx="2377306" cy="3650850"/>
-        </a:xfrm>
-        <a:prstGeom prst="rect">
-          <a:avLst/>
-        </a:prstGeom>
-        <a:solidFill>
-          <a:schemeClr val="accent3">
-            <a:tint val="40000"/>
-            <a:alpha val="90000"/>
-            <a:hueOff val="0"/>
-            <a:satOff val="0"/>
-            <a:lumOff val="0"/>
-            <a:alphaOff val="0"/>
-          </a:schemeClr>
-        </a:solidFill>
-        <a:ln w="12700" cap="flat" cmpd="sng" algn="ctr">
-          <a:solidFill>
-            <a:schemeClr val="accent3">
-              <a:tint val="40000"/>
-              <a:alpha val="90000"/>
-              <a:hueOff val="0"/>
-              <a:satOff val="0"/>
-              <a:lumOff val="0"/>
-              <a:alphaOff val="0"/>
-            </a:schemeClr>
-          </a:solidFill>
-          <a:prstDash val="solid"/>
-          <a:miter lim="800000"/>
-        </a:ln>
-        <a:effectLst/>
-      </dsp:spPr>
-      <dsp:style>
-        <a:lnRef idx="2">
-          <a:scrgbClr r="0" g="0" b="0"/>
-        </a:lnRef>
-        <a:fillRef idx="1">
-          <a:scrgbClr r="0" g="0" b="0"/>
-        </a:fillRef>
-        <a:effectRef idx="0">
-          <a:scrgbClr r="0" g="0" b="0"/>
-        </a:effectRef>
-        <a:fontRef idx="minor"/>
-      </dsp:style>
-      <dsp:txBody>
-        <a:bodyPr spcFirstLastPara="0" vert="horz" wrap="square" lIns="85344" tIns="85344" rIns="113792" bIns="128016" numCol="1" spcCol="1270" anchor="t" anchorCtr="0">
-          <a:noAutofit/>
-        </a:bodyPr>
-        <a:lstStyle/>
-        <a:p>
-          <a:pPr marL="171450" lvl="1" indent="-171450" algn="l" defTabSz="711200">
-            <a:lnSpc>
-              <a:spcPct val="90000"/>
-            </a:lnSpc>
-            <a:spcBef>
-              <a:spcPct val="0"/>
-            </a:spcBef>
-            <a:spcAft>
-              <a:spcPct val="15000"/>
-            </a:spcAft>
-            <a:buChar char="•"/>
-          </a:pPr>
-          <a:r>
-            <a:rPr lang="en-US" sz="1600" kern="1200" dirty="0"/>
-            <a:t>Artist</a:t>
-          </a:r>
-        </a:p>
-        <a:p>
-          <a:pPr marL="171450" lvl="1" indent="-171450" algn="l" defTabSz="711200">
-            <a:lnSpc>
-              <a:spcPct val="90000"/>
-            </a:lnSpc>
-            <a:spcBef>
-              <a:spcPct val="0"/>
-            </a:spcBef>
-            <a:spcAft>
-              <a:spcPct val="15000"/>
-            </a:spcAft>
-            <a:buChar char="•"/>
-          </a:pPr>
-          <a:r>
-            <a:rPr lang="en-US" sz="1600" kern="1200" dirty="0"/>
-            <a:t>Album</a:t>
-          </a:r>
-        </a:p>
-        <a:p>
-          <a:pPr marL="171450" lvl="1" indent="-171450" algn="l" defTabSz="711200">
-            <a:lnSpc>
-              <a:spcPct val="90000"/>
-            </a:lnSpc>
-            <a:spcBef>
-              <a:spcPct val="0"/>
-            </a:spcBef>
-            <a:spcAft>
-              <a:spcPct val="15000"/>
-            </a:spcAft>
-            <a:buChar char="•"/>
-          </a:pPr>
-          <a:r>
-            <a:rPr lang="en-US" sz="1600" kern="1200" dirty="0"/>
-            <a:t>Year</a:t>
-          </a:r>
-        </a:p>
-        <a:p>
-          <a:pPr marL="171450" lvl="1" indent="-171450" algn="l" defTabSz="711200">
-            <a:lnSpc>
-              <a:spcPct val="90000"/>
-            </a:lnSpc>
-            <a:spcBef>
-              <a:spcPct val="0"/>
-            </a:spcBef>
-            <a:spcAft>
-              <a:spcPct val="15000"/>
-            </a:spcAft>
-            <a:buChar char="•"/>
-          </a:pPr>
-          <a:r>
-            <a:rPr lang="en-US" sz="1600" kern="1200" dirty="0"/>
-            <a:t>Other </a:t>
-          </a:r>
-        </a:p>
-        <a:p>
-          <a:pPr marL="171450" lvl="1" indent="-171450" algn="l" defTabSz="711200">
-            <a:lnSpc>
-              <a:spcPct val="90000"/>
-            </a:lnSpc>
-            <a:spcBef>
-              <a:spcPct val="0"/>
-            </a:spcBef>
-            <a:spcAft>
-              <a:spcPct val="15000"/>
-            </a:spcAft>
-            <a:buClrTx/>
-            <a:buSzTx/>
-            <a:buFontTx/>
-            <a:buNone/>
-          </a:pPr>
-          <a:r>
-            <a:rPr kumimoji="0" lang="en-US" altLang="en-US" sz="1600" b="0" i="0" u="none" strike="noStrike" kern="1200" cap="none" normalizeH="0" baseline="0" dirty="0">
-              <a:ln>
-                <a:noFill/>
-              </a:ln>
-              <a:solidFill>
-                <a:srgbClr val="0F1214"/>
-              </a:solidFill>
-              <a:effectLst/>
-              <a:latin typeface="SFMono-Regular"/>
-            </a:rPr>
-            <a:t>position</a:t>
-          </a:r>
-          <a:endParaRPr lang="en-US" sz="1600" kern="1200" dirty="0"/>
-        </a:p>
-        <a:p>
-          <a:pPr marL="171450" lvl="1" indent="-171450" algn="l" defTabSz="711200">
-            <a:lnSpc>
-              <a:spcPct val="90000"/>
-            </a:lnSpc>
-            <a:spcBef>
-              <a:spcPct val="0"/>
-            </a:spcBef>
-            <a:spcAft>
-              <a:spcPct val="15000"/>
-            </a:spcAft>
-            <a:buChar char="•"/>
-          </a:pPr>
-          <a:r>
-            <a:rPr kumimoji="0" lang="en-US" altLang="en-US" sz="1600" b="0" i="0" u="none" strike="noStrike" kern="1200" cap="none" normalizeH="0" baseline="0" dirty="0" err="1">
-              <a:ln>
-                <a:noFill/>
-              </a:ln>
-              <a:solidFill>
-                <a:srgbClr val="0F1214"/>
-              </a:solidFill>
-              <a:effectLst/>
-              <a:latin typeface="SFMono-Regular"/>
-            </a:rPr>
-            <a:t>artist_name</a:t>
-          </a:r>
-          <a:endParaRPr kumimoji="0" lang="en-US" altLang="en-US" sz="1600" b="0" i="0" u="none" strike="noStrike" kern="1200" cap="none" normalizeH="0" baseline="0" dirty="0">
-            <a:ln>
-              <a:noFill/>
-            </a:ln>
-            <a:solidFill>
-              <a:srgbClr val="0F1214"/>
-            </a:solidFill>
-            <a:effectLst/>
-            <a:latin typeface="SFMono-Regular"/>
-          </a:endParaRPr>
-        </a:p>
-        <a:p>
-          <a:pPr marL="171450" lvl="1" indent="-171450" algn="l" defTabSz="711200">
-            <a:lnSpc>
-              <a:spcPct val="90000"/>
-            </a:lnSpc>
-            <a:spcBef>
-              <a:spcPct val="0"/>
-            </a:spcBef>
-            <a:spcAft>
-              <a:spcPct val="15000"/>
-            </a:spcAft>
-            <a:buChar char="•"/>
-          </a:pPr>
-          <a:r>
-            <a:rPr kumimoji="0" lang="en-US" altLang="en-US" sz="1600" b="0" i="0" u="none" strike="noStrike" kern="1200" cap="none" normalizeH="0" baseline="0" dirty="0" err="1">
-              <a:ln>
-                <a:noFill/>
-              </a:ln>
-              <a:solidFill>
-                <a:srgbClr val="0F1214"/>
-              </a:solidFill>
-              <a:effectLst/>
-              <a:latin typeface="SFMono-Regular"/>
-            </a:rPr>
-            <a:t>track_uri</a:t>
-          </a:r>
-          <a:endParaRPr kumimoji="0" lang="en-US" altLang="en-US" sz="1600" b="0" i="0" u="none" strike="noStrike" kern="1200" cap="none" normalizeH="0" baseline="0" dirty="0">
-            <a:ln>
-              <a:noFill/>
-            </a:ln>
-            <a:solidFill>
-              <a:srgbClr val="0F1214"/>
-            </a:solidFill>
-            <a:effectLst/>
-            <a:latin typeface="SFMono-Regular"/>
-          </a:endParaRPr>
-        </a:p>
-        <a:p>
-          <a:pPr marL="171450" lvl="1" indent="-171450" algn="l" defTabSz="711200">
-            <a:lnSpc>
-              <a:spcPct val="90000"/>
-            </a:lnSpc>
-            <a:spcBef>
-              <a:spcPct val="0"/>
-            </a:spcBef>
-            <a:spcAft>
-              <a:spcPct val="15000"/>
-            </a:spcAft>
-            <a:buChar char="•"/>
-          </a:pPr>
-          <a:r>
-            <a:rPr kumimoji="0" lang="en-US" altLang="en-US" sz="1600" b="0" i="0" u="none" strike="noStrike" kern="1200" cap="none" normalizeH="0" baseline="0" dirty="0" err="1">
-              <a:ln>
-                <a:noFill/>
-              </a:ln>
-              <a:solidFill>
-                <a:srgbClr val="0F1214"/>
-              </a:solidFill>
-              <a:effectLst/>
-              <a:latin typeface="SFMono-Regular"/>
-            </a:rPr>
-            <a:t>artist_uri</a:t>
-          </a:r>
-          <a:endParaRPr kumimoji="0" lang="en-US" altLang="en-US" sz="1600" b="0" i="0" u="none" strike="noStrike" kern="1200" cap="none" normalizeH="0" baseline="0" dirty="0">
-            <a:ln>
-              <a:noFill/>
-            </a:ln>
-            <a:solidFill>
-              <a:srgbClr val="0F1214"/>
-            </a:solidFill>
-            <a:effectLst/>
-            <a:latin typeface="SFMono-Regular"/>
-          </a:endParaRPr>
-        </a:p>
-        <a:p>
-          <a:pPr marL="171450" lvl="1" indent="-171450" algn="l" defTabSz="711200">
-            <a:lnSpc>
-              <a:spcPct val="90000"/>
-            </a:lnSpc>
-            <a:spcBef>
-              <a:spcPct val="0"/>
-            </a:spcBef>
-            <a:spcAft>
-              <a:spcPct val="15000"/>
-            </a:spcAft>
-            <a:buChar char="•"/>
-          </a:pPr>
-          <a:r>
-            <a:rPr kumimoji="0" lang="en-US" altLang="en-US" sz="1600" b="0" i="0" u="none" strike="noStrike" kern="1200" cap="none" normalizeH="0" baseline="0" dirty="0" err="1">
-              <a:ln>
-                <a:noFill/>
-              </a:ln>
-              <a:solidFill>
-                <a:srgbClr val="0F1214"/>
-              </a:solidFill>
-              <a:effectLst/>
-              <a:latin typeface="SFMono-Regular"/>
-            </a:rPr>
-            <a:t>track_name</a:t>
-          </a:r>
-          <a:endParaRPr kumimoji="0" lang="en-US" altLang="en-US" sz="1600" b="0" i="0" u="none" strike="noStrike" kern="1200" cap="none" normalizeH="0" baseline="0" dirty="0">
-            <a:ln>
-              <a:noFill/>
-            </a:ln>
-            <a:solidFill>
-              <a:srgbClr val="0F1214"/>
-            </a:solidFill>
-            <a:effectLst/>
-            <a:latin typeface="SFMono-Regular"/>
-          </a:endParaRPr>
-        </a:p>
-        <a:p>
-          <a:pPr marL="171450" lvl="1" indent="-171450" algn="l" defTabSz="711200">
-            <a:lnSpc>
-              <a:spcPct val="90000"/>
-            </a:lnSpc>
-            <a:spcBef>
-              <a:spcPct val="0"/>
-            </a:spcBef>
-            <a:spcAft>
-              <a:spcPct val="15000"/>
-            </a:spcAft>
-            <a:buChar char="•"/>
-          </a:pPr>
-          <a:r>
-            <a:rPr kumimoji="0" lang="en-US" altLang="en-US" sz="1600" b="0" i="0" u="none" strike="noStrike" kern="1200" cap="none" normalizeH="0" baseline="0" dirty="0" err="1">
-              <a:ln>
-                <a:noFill/>
-              </a:ln>
-              <a:solidFill>
-                <a:srgbClr val="0F1214"/>
-              </a:solidFill>
-              <a:effectLst/>
-              <a:latin typeface="SFMono-Regular"/>
-            </a:rPr>
-            <a:t>album_uri</a:t>
-          </a:r>
-          <a:endParaRPr kumimoji="0" lang="en-US" altLang="en-US" sz="1600" b="0" i="0" u="none" strike="noStrike" kern="1200" cap="none" normalizeH="0" baseline="0" dirty="0">
-            <a:ln>
-              <a:noFill/>
-            </a:ln>
-            <a:solidFill>
-              <a:srgbClr val="0F1214"/>
-            </a:solidFill>
-            <a:effectLst/>
-            <a:latin typeface="SFMono-Regular"/>
-          </a:endParaRPr>
-        </a:p>
-        <a:p>
-          <a:pPr marL="171450" lvl="1" indent="-171450" algn="l" defTabSz="711200">
-            <a:lnSpc>
-              <a:spcPct val="90000"/>
-            </a:lnSpc>
-            <a:spcBef>
-              <a:spcPct val="0"/>
-            </a:spcBef>
-            <a:spcAft>
-              <a:spcPct val="15000"/>
-            </a:spcAft>
-            <a:buChar char="•"/>
-          </a:pPr>
-          <a:r>
-            <a:rPr kumimoji="0" lang="en-US" altLang="en-US" sz="1600" b="0" i="0" u="none" strike="noStrike" kern="1200" cap="none" normalizeH="0" baseline="0" dirty="0" err="1">
-              <a:ln>
-                <a:noFill/>
-              </a:ln>
-              <a:solidFill>
-                <a:srgbClr val="0F1214"/>
-              </a:solidFill>
-              <a:effectLst/>
-              <a:latin typeface="SFMono-Regular"/>
-            </a:rPr>
-            <a:t>duration_ms</a:t>
-          </a:r>
-          <a:endParaRPr kumimoji="0" lang="en-US" altLang="en-US" sz="1600" b="0" i="0" u="none" strike="noStrike" kern="1200" cap="none" normalizeH="0" baseline="0" dirty="0">
-            <a:ln>
-              <a:noFill/>
-            </a:ln>
-            <a:solidFill>
-              <a:srgbClr val="0F1214"/>
-            </a:solidFill>
-            <a:effectLst/>
-            <a:latin typeface="SFMono-Regular"/>
-          </a:endParaRPr>
-        </a:p>
-        <a:p>
-          <a:pPr marL="171450" lvl="1" indent="-171450" algn="l" defTabSz="711200">
-            <a:lnSpc>
-              <a:spcPct val="90000"/>
-            </a:lnSpc>
-            <a:spcBef>
-              <a:spcPct val="0"/>
-            </a:spcBef>
-            <a:spcAft>
-              <a:spcPct val="15000"/>
-            </a:spcAft>
-            <a:buChar char="•"/>
-          </a:pPr>
-          <a:r>
-            <a:rPr kumimoji="0" lang="en-US" altLang="en-US" sz="1600" b="0" i="0" u="none" strike="noStrike" kern="1200" cap="none" normalizeH="0" baseline="0" dirty="0" err="1">
-              <a:ln>
-                <a:noFill/>
-              </a:ln>
-              <a:solidFill>
-                <a:srgbClr val="0F1214"/>
-              </a:solidFill>
-              <a:effectLst/>
-              <a:latin typeface="SFMono-Regular"/>
-            </a:rPr>
-            <a:t>album_name</a:t>
-          </a:r>
-          <a:endParaRPr kumimoji="0" lang="en-US" altLang="en-US" sz="1600" b="0" i="0" u="none" strike="noStrike" kern="1200" cap="none" normalizeH="0" baseline="0" dirty="0">
-            <a:ln>
-              <a:noFill/>
-            </a:ln>
-            <a:solidFill>
-              <a:srgbClr val="0F1214"/>
-            </a:solidFill>
-            <a:effectLst/>
-            <a:latin typeface="SFMono-Regular"/>
-          </a:endParaRPr>
-        </a:p>
-        <a:p>
-          <a:pPr marL="171450" lvl="1" indent="-171450" algn="l" defTabSz="711200">
-            <a:lnSpc>
-              <a:spcPct val="90000"/>
-            </a:lnSpc>
-            <a:spcBef>
-              <a:spcPct val="0"/>
-            </a:spcBef>
-            <a:spcAft>
-              <a:spcPct val="15000"/>
-            </a:spcAft>
-            <a:buChar char="•"/>
-          </a:pPr>
-          <a:r>
-            <a:rPr kumimoji="0" lang="en-US" altLang="en-US" sz="1600" b="0" i="0" u="none" strike="noStrike" kern="1200" cap="none" normalizeH="0" baseline="0" dirty="0">
-              <a:ln>
-                <a:noFill/>
-              </a:ln>
-              <a:solidFill>
-                <a:srgbClr val="0F1214"/>
-              </a:solidFill>
-              <a:effectLst/>
-              <a:latin typeface="SFMono-Regular"/>
-            </a:rPr>
-            <a:t>genre</a:t>
-          </a:r>
-        </a:p>
-      </dsp:txBody>
-      <dsp:txXfrm>
-        <a:off x="2714082" y="580643"/>
-        <a:ext cx="2377306" cy="3650850"/>
-      </dsp:txXfrm>
-    </dsp:sp>
-    <dsp:sp modelId="{2C1AF223-F4AB-4CF5-A1C9-64D5F64FE6E3}">
-      <dsp:nvSpPr>
-        <dsp:cNvPr id="0" name=""/>
-        <dsp:cNvSpPr/>
-      </dsp:nvSpPr>
-      <dsp:spPr>
-        <a:xfrm>
-          <a:off x="5424211" y="119843"/>
-          <a:ext cx="2377306" cy="460800"/>
-        </a:xfrm>
-        <a:prstGeom prst="rect">
-          <a:avLst/>
-        </a:prstGeom>
-        <a:solidFill>
-          <a:schemeClr val="accent4">
-            <a:hueOff val="0"/>
-            <a:satOff val="0"/>
-            <a:lumOff val="0"/>
-            <a:alphaOff val="0"/>
-          </a:schemeClr>
-        </a:solidFill>
-        <a:ln w="12700" cap="flat" cmpd="sng" algn="ctr">
-          <a:solidFill>
-            <a:schemeClr val="accent4">
-              <a:hueOff val="0"/>
-              <a:satOff val="0"/>
-              <a:lumOff val="0"/>
-              <a:alphaOff val="0"/>
-            </a:schemeClr>
-          </a:solidFill>
-          <a:prstDash val="solid"/>
-          <a:miter lim="800000"/>
-        </a:ln>
-        <a:effectLst/>
-      </dsp:spPr>
-      <dsp:style>
-        <a:lnRef idx="2">
-          <a:scrgbClr r="0" g="0" b="0"/>
-        </a:lnRef>
-        <a:fillRef idx="1">
-          <a:scrgbClr r="0" g="0" b="0"/>
-        </a:fillRef>
-        <a:effectRef idx="0">
-          <a:scrgbClr r="0" g="0" b="0"/>
-        </a:effectRef>
-        <a:fontRef idx="minor">
-          <a:schemeClr val="lt1"/>
-        </a:fontRef>
-      </dsp:style>
-      <dsp:txBody>
-        <a:bodyPr spcFirstLastPara="0" vert="horz" wrap="square" lIns="113792" tIns="65024" rIns="113792" bIns="65024" numCol="1" spcCol="1270" anchor="ctr" anchorCtr="0">
-          <a:noAutofit/>
-        </a:bodyPr>
-        <a:lstStyle/>
-        <a:p>
-          <a:pPr marL="0" lvl="0" indent="0" algn="ctr" defTabSz="711200">
-            <a:lnSpc>
-              <a:spcPct val="90000"/>
-            </a:lnSpc>
-            <a:spcBef>
-              <a:spcPct val="0"/>
-            </a:spcBef>
-            <a:spcAft>
-              <a:spcPct val="35000"/>
-            </a:spcAft>
-            <a:buNone/>
-          </a:pPr>
-          <a:r>
-            <a:rPr lang="en-US" sz="1600" kern="1200" dirty="0"/>
-            <a:t>Album</a:t>
-          </a:r>
-        </a:p>
-      </dsp:txBody>
-      <dsp:txXfrm>
-        <a:off x="5424211" y="119843"/>
-        <a:ext cx="2377306" cy="460800"/>
-      </dsp:txXfrm>
-    </dsp:sp>
-    <dsp:sp modelId="{9AE96857-773B-426D-82EC-166E138E800C}">
-      <dsp:nvSpPr>
-        <dsp:cNvPr id="0" name=""/>
-        <dsp:cNvSpPr/>
-      </dsp:nvSpPr>
-      <dsp:spPr>
-        <a:xfrm>
-          <a:off x="5424211" y="580643"/>
-          <a:ext cx="2377306" cy="3650850"/>
-        </a:xfrm>
-        <a:prstGeom prst="rect">
-          <a:avLst/>
-        </a:prstGeom>
-        <a:solidFill>
-          <a:schemeClr val="accent4">
-            <a:tint val="40000"/>
-            <a:alpha val="90000"/>
-            <a:hueOff val="0"/>
-            <a:satOff val="0"/>
-            <a:lumOff val="0"/>
-            <a:alphaOff val="0"/>
-          </a:schemeClr>
-        </a:solidFill>
-        <a:ln w="12700" cap="flat" cmpd="sng" algn="ctr">
-          <a:solidFill>
-            <a:schemeClr val="accent4">
-              <a:tint val="40000"/>
-              <a:alpha val="90000"/>
-              <a:hueOff val="0"/>
-              <a:satOff val="0"/>
-              <a:lumOff val="0"/>
-              <a:alphaOff val="0"/>
-            </a:schemeClr>
-          </a:solidFill>
-          <a:prstDash val="solid"/>
-          <a:miter lim="800000"/>
-        </a:ln>
-        <a:effectLst/>
-      </dsp:spPr>
-      <dsp:style>
-        <a:lnRef idx="2">
-          <a:scrgbClr r="0" g="0" b="0"/>
-        </a:lnRef>
-        <a:fillRef idx="1">
-          <a:scrgbClr r="0" g="0" b="0"/>
-        </a:fillRef>
-        <a:effectRef idx="0">
-          <a:scrgbClr r="0" g="0" b="0"/>
-        </a:effectRef>
-        <a:fontRef idx="minor"/>
-      </dsp:style>
-      <dsp:txBody>
-        <a:bodyPr spcFirstLastPara="0" vert="horz" wrap="square" lIns="85344" tIns="85344" rIns="113792" bIns="128016" numCol="1" spcCol="1270" anchor="t" anchorCtr="0">
-          <a:noAutofit/>
-        </a:bodyPr>
-        <a:lstStyle/>
-        <a:p>
-          <a:pPr marL="171450" lvl="1" indent="-171450" algn="l" defTabSz="711200">
-            <a:lnSpc>
-              <a:spcPct val="90000"/>
-            </a:lnSpc>
-            <a:spcBef>
-              <a:spcPct val="0"/>
-            </a:spcBef>
-            <a:spcAft>
-              <a:spcPct val="15000"/>
-            </a:spcAft>
-            <a:buChar char="•"/>
-          </a:pPr>
-          <a:r>
-            <a:rPr lang="en-US" sz="1600" kern="1200" dirty="0"/>
-            <a:t>Songs</a:t>
-          </a:r>
-        </a:p>
-        <a:p>
-          <a:pPr marL="171450" lvl="1" indent="-171450" algn="l" defTabSz="711200">
-            <a:lnSpc>
-              <a:spcPct val="90000"/>
-            </a:lnSpc>
-            <a:spcBef>
-              <a:spcPct val="0"/>
-            </a:spcBef>
-            <a:spcAft>
-              <a:spcPct val="15000"/>
-            </a:spcAft>
-            <a:buChar char="•"/>
-          </a:pPr>
-          <a:r>
-            <a:rPr lang="en-US" sz="1600" kern="1200" dirty="0" err="1"/>
-            <a:t>Top_tracks</a:t>
-          </a:r>
-          <a:endParaRPr lang="en-US" sz="1600" kern="1200" dirty="0"/>
-        </a:p>
-        <a:p>
-          <a:pPr marL="171450" lvl="1" indent="-171450" algn="l" defTabSz="711200">
-            <a:lnSpc>
-              <a:spcPct val="90000"/>
-            </a:lnSpc>
-            <a:spcBef>
-              <a:spcPct val="0"/>
-            </a:spcBef>
-            <a:spcAft>
-              <a:spcPct val="15000"/>
-            </a:spcAft>
-            <a:buChar char="•"/>
-          </a:pPr>
-          <a:r>
-            <a:rPr lang="en-US" sz="1600" kern="1200" dirty="0"/>
-            <a:t>Year</a:t>
-          </a:r>
-        </a:p>
-        <a:p>
-          <a:pPr marL="171450" lvl="1" indent="-171450" algn="l" defTabSz="711200">
-            <a:lnSpc>
-              <a:spcPct val="90000"/>
-            </a:lnSpc>
-            <a:spcBef>
-              <a:spcPct val="0"/>
-            </a:spcBef>
-            <a:spcAft>
-              <a:spcPct val="15000"/>
-            </a:spcAft>
-            <a:buChar char="•"/>
-          </a:pPr>
-          <a:r>
-            <a:rPr lang="en-US" sz="1600" kern="1200" dirty="0"/>
-            <a:t>Other Artists</a:t>
-          </a:r>
-        </a:p>
-      </dsp:txBody>
-      <dsp:txXfrm>
-        <a:off x="5424211" y="580643"/>
-        <a:ext cx="2377306" cy="3650850"/>
-      </dsp:txXfrm>
-    </dsp:sp>
-    <dsp:sp modelId="{F67F7D9B-D810-4890-AD77-EBEED5B68414}">
-      <dsp:nvSpPr>
-        <dsp:cNvPr id="0" name=""/>
-        <dsp:cNvSpPr/>
-      </dsp:nvSpPr>
-      <dsp:spPr>
-        <a:xfrm>
-          <a:off x="8134340" y="119843"/>
-          <a:ext cx="2377306" cy="460800"/>
-        </a:xfrm>
-        <a:prstGeom prst="rect">
-          <a:avLst/>
-        </a:prstGeom>
-        <a:solidFill>
-          <a:schemeClr val="accent5">
-            <a:hueOff val="0"/>
-            <a:satOff val="0"/>
-            <a:lumOff val="0"/>
-            <a:alphaOff val="0"/>
-          </a:schemeClr>
-        </a:solidFill>
-        <a:ln w="12700" cap="flat" cmpd="sng" algn="ctr">
-          <a:solidFill>
-            <a:schemeClr val="accent5">
-              <a:hueOff val="0"/>
-              <a:satOff val="0"/>
-              <a:lumOff val="0"/>
-              <a:alphaOff val="0"/>
-            </a:schemeClr>
-          </a:solidFill>
-          <a:prstDash val="solid"/>
-          <a:miter lim="800000"/>
-        </a:ln>
-        <a:effectLst/>
-      </dsp:spPr>
-      <dsp:style>
-        <a:lnRef idx="2">
-          <a:scrgbClr r="0" g="0" b="0"/>
-        </a:lnRef>
-        <a:fillRef idx="1">
-          <a:scrgbClr r="0" g="0" b="0"/>
-        </a:fillRef>
-        <a:effectRef idx="0">
-          <a:scrgbClr r="0" g="0" b="0"/>
-        </a:effectRef>
-        <a:fontRef idx="minor">
-          <a:schemeClr val="lt1"/>
-        </a:fontRef>
-      </dsp:style>
-      <dsp:txBody>
-        <a:bodyPr spcFirstLastPara="0" vert="horz" wrap="square" lIns="113792" tIns="65024" rIns="113792" bIns="65024" numCol="1" spcCol="1270" anchor="ctr" anchorCtr="0">
-          <a:noAutofit/>
-        </a:bodyPr>
-        <a:lstStyle/>
-        <a:p>
-          <a:pPr marL="0" lvl="0" indent="0" algn="ctr" defTabSz="711200">
-            <a:lnSpc>
-              <a:spcPct val="90000"/>
-            </a:lnSpc>
-            <a:spcBef>
-              <a:spcPct val="0"/>
-            </a:spcBef>
-            <a:spcAft>
-              <a:spcPct val="35000"/>
-            </a:spcAft>
-            <a:buNone/>
-          </a:pPr>
-          <a:r>
-            <a:rPr lang="en-US" sz="1600" kern="1200" dirty="0"/>
-            <a:t>Artist</a:t>
-          </a:r>
-        </a:p>
-      </dsp:txBody>
-      <dsp:txXfrm>
-        <a:off x="8134340" y="119843"/>
-        <a:ext cx="2377306" cy="460800"/>
-      </dsp:txXfrm>
-    </dsp:sp>
-    <dsp:sp modelId="{180E0154-73F1-4AB5-8B40-F7241FCEE9AA}">
-      <dsp:nvSpPr>
-        <dsp:cNvPr id="0" name=""/>
-        <dsp:cNvSpPr/>
-      </dsp:nvSpPr>
-      <dsp:spPr>
-        <a:xfrm>
-          <a:off x="8134340" y="580643"/>
-          <a:ext cx="2377306" cy="3650850"/>
-        </a:xfrm>
-        <a:prstGeom prst="rect">
-          <a:avLst/>
-        </a:prstGeom>
-        <a:solidFill>
-          <a:schemeClr val="accent5">
-            <a:tint val="40000"/>
-            <a:alpha val="90000"/>
-            <a:hueOff val="0"/>
-            <a:satOff val="0"/>
-            <a:lumOff val="0"/>
-            <a:alphaOff val="0"/>
-          </a:schemeClr>
-        </a:solidFill>
-        <a:ln w="12700" cap="flat" cmpd="sng" algn="ctr">
-          <a:solidFill>
-            <a:schemeClr val="accent5">
-              <a:tint val="40000"/>
-              <a:alpha val="90000"/>
-              <a:hueOff val="0"/>
-              <a:satOff val="0"/>
-              <a:lumOff val="0"/>
-              <a:alphaOff val="0"/>
-            </a:schemeClr>
-          </a:solidFill>
-          <a:prstDash val="solid"/>
-          <a:miter lim="800000"/>
-        </a:ln>
-        <a:effectLst/>
-      </dsp:spPr>
-      <dsp:style>
-        <a:lnRef idx="2">
-          <a:scrgbClr r="0" g="0" b="0"/>
-        </a:lnRef>
-        <a:fillRef idx="1">
-          <a:scrgbClr r="0" g="0" b="0"/>
-        </a:fillRef>
-        <a:effectRef idx="0">
-          <a:scrgbClr r="0" g="0" b="0"/>
-        </a:effectRef>
-        <a:fontRef idx="minor"/>
-      </dsp:style>
-      <dsp:txBody>
-        <a:bodyPr spcFirstLastPara="0" vert="horz" wrap="square" lIns="85344" tIns="85344" rIns="113792" bIns="128016" numCol="1" spcCol="1270" anchor="t" anchorCtr="0">
-          <a:noAutofit/>
-        </a:bodyPr>
-        <a:lstStyle/>
-        <a:p>
-          <a:pPr marL="171450" lvl="1" indent="-171450" algn="l" defTabSz="711200">
-            <a:lnSpc>
-              <a:spcPct val="90000"/>
-            </a:lnSpc>
-            <a:spcBef>
-              <a:spcPct val="0"/>
-            </a:spcBef>
-            <a:spcAft>
-              <a:spcPct val="15000"/>
-            </a:spcAft>
-            <a:buChar char="•"/>
-          </a:pPr>
-          <a:r>
-            <a:rPr lang="en-US" sz="1600" kern="1200" dirty="0"/>
-            <a:t>Albums</a:t>
-          </a:r>
-        </a:p>
-        <a:p>
-          <a:pPr marL="171450" lvl="1" indent="-171450" algn="l" defTabSz="711200">
-            <a:lnSpc>
-              <a:spcPct val="90000"/>
-            </a:lnSpc>
-            <a:spcBef>
-              <a:spcPct val="0"/>
-            </a:spcBef>
-            <a:spcAft>
-              <a:spcPct val="15000"/>
-            </a:spcAft>
-            <a:buChar char="•"/>
-          </a:pPr>
-          <a:r>
-            <a:rPr lang="en-US" sz="1600" kern="1200" dirty="0" err="1"/>
-            <a:t>Top_tracks</a:t>
-          </a:r>
-          <a:endParaRPr lang="en-US" sz="1600" kern="1200" dirty="0"/>
-        </a:p>
-        <a:p>
-          <a:pPr marL="171450" lvl="1" indent="-171450" algn="l" defTabSz="711200">
-            <a:lnSpc>
-              <a:spcPct val="90000"/>
-            </a:lnSpc>
-            <a:spcBef>
-              <a:spcPct val="0"/>
-            </a:spcBef>
-            <a:spcAft>
-              <a:spcPct val="15000"/>
-            </a:spcAft>
-            <a:buChar char="•"/>
-          </a:pPr>
-          <a:r>
-            <a:rPr lang="en-US" sz="1600" kern="1200" dirty="0" err="1"/>
-            <a:t>Top_albums</a:t>
-          </a:r>
-          <a:r>
-            <a:rPr lang="en-US" sz="1600" kern="1200" dirty="0"/>
-            <a:t>*</a:t>
-          </a:r>
-        </a:p>
-        <a:p>
-          <a:pPr marL="171450" lvl="1" indent="-171450" algn="l" defTabSz="711200">
-            <a:lnSpc>
-              <a:spcPct val="90000"/>
-            </a:lnSpc>
-            <a:spcBef>
-              <a:spcPct val="0"/>
-            </a:spcBef>
-            <a:spcAft>
-              <a:spcPct val="15000"/>
-            </a:spcAft>
-            <a:buChar char="•"/>
-          </a:pPr>
-          <a:r>
-            <a:rPr lang="en-US" sz="1600" kern="1200" dirty="0"/>
-            <a:t>Related artists</a:t>
-          </a:r>
-        </a:p>
-      </dsp:txBody>
-      <dsp:txXfrm>
-        <a:off x="8134340" y="580643"/>
-        <a:ext cx="2377306" cy="3650850"/>
-      </dsp:txXfrm>
-    </dsp:sp>
-  </dsp:spTree>
-</dsp:drawing>
-</file>
-
-<file path=ppt/diagrams/drawing2.xml><?xml version="1.0" encoding="utf-8"?>
 <dsp:drawing xmlns:dgm="http://schemas.openxmlformats.org/drawingml/2006/diagram" xmlns:dsp="http://schemas.microsoft.com/office/drawing/2008/diagram" xmlns:a="http://schemas.openxmlformats.org/drawingml/2006/main">
   <dsp:spTree>
     <dsp:nvGrpSpPr>
@@ -5607,34 +4360,20 @@
       </dsp:nvSpPr>
       <dsp:spPr>
         <a:xfrm>
-          <a:off x="2175669" y="0"/>
-          <a:ext cx="8339931" cy="4351338"/>
+          <a:off x="6345634" y="0"/>
+          <a:ext cx="4169965" cy="2066885"/>
         </a:xfrm>
         <a:prstGeom prst="rect">
           <a:avLst/>
         </a:prstGeom>
-        <a:solidFill>
-          <a:schemeClr val="lt1">
-            <a:alpha val="90000"/>
-            <a:hueOff val="0"/>
-            <a:satOff val="0"/>
-            <a:lumOff val="0"/>
-            <a:alphaOff val="0"/>
-          </a:schemeClr>
-        </a:solidFill>
+        <a:noFill/>
         <a:ln w="12700" cap="flat" cmpd="sng" algn="ctr">
-          <a:solidFill>
-            <a:schemeClr val="accent5">
-              <a:hueOff val="-6758543"/>
-              <a:satOff val="-17419"/>
-              <a:lumOff val="-11765"/>
-              <a:alphaOff val="0"/>
-            </a:schemeClr>
-          </a:solidFill>
+          <a:noFill/>
           <a:prstDash val="solid"/>
           <a:miter lim="800000"/>
         </a:ln>
         <a:effectLst/>
+        <a:sp3d/>
       </dsp:spPr>
       <dsp:style>
         <a:lnRef idx="2">
@@ -5850,224 +4589,1317 @@
 </dsp:drawing>
 </file>
 
-<file path=ppt/diagrams/layout1.xml><?xml version="1.0" encoding="utf-8"?>
-<dgm:layoutDef xmlns:dgm="http://schemas.openxmlformats.org/drawingml/2006/diagram" xmlns:a="http://schemas.openxmlformats.org/drawingml/2006/main" uniqueId="urn:microsoft.com/office/officeart/2005/8/layout/hList1">
-  <dgm:title val=""/>
-  <dgm:desc val=""/>
-  <dgm:catLst>
-    <dgm:cat type="list" pri="5000"/>
-    <dgm:cat type="convert" pri="5000"/>
-  </dgm:catLst>
-  <dgm:sampData>
-    <dgm:dataModel>
-      <dgm:ptLst>
-        <dgm:pt modelId="0" type="doc"/>
-        <dgm:pt modelId="1">
-          <dgm:prSet phldr="1"/>
-        </dgm:pt>
-        <dgm:pt modelId="11">
-          <dgm:prSet phldr="1"/>
-        </dgm:pt>
-        <dgm:pt modelId="12">
-          <dgm:prSet phldr="1"/>
-        </dgm:pt>
-        <dgm:pt modelId="2">
-          <dgm:prSet phldr="1"/>
-        </dgm:pt>
-        <dgm:pt modelId="21">
-          <dgm:prSet phldr="1"/>
-        </dgm:pt>
-        <dgm:pt modelId="22">
-          <dgm:prSet phldr="1"/>
-        </dgm:pt>
-        <dgm:pt modelId="3">
-          <dgm:prSet phldr="1"/>
-        </dgm:pt>
-        <dgm:pt modelId="31">
-          <dgm:prSet phldr="1"/>
-        </dgm:pt>
-        <dgm:pt modelId="32">
-          <dgm:prSet phldr="1"/>
-        </dgm:pt>
-      </dgm:ptLst>
-      <dgm:cxnLst>
-        <dgm:cxn modelId="4" srcId="0" destId="1" srcOrd="0" destOrd="0"/>
-        <dgm:cxn modelId="5" srcId="0" destId="2" srcOrd="1" destOrd="0"/>
-        <dgm:cxn modelId="6" srcId="0" destId="3" srcOrd="2" destOrd="0"/>
-        <dgm:cxn modelId="13" srcId="1" destId="11" srcOrd="0" destOrd="0"/>
-        <dgm:cxn modelId="14" srcId="1" destId="12" srcOrd="1" destOrd="0"/>
-        <dgm:cxn modelId="23" srcId="2" destId="21" srcOrd="0" destOrd="0"/>
-        <dgm:cxn modelId="24" srcId="2" destId="22" srcOrd="1" destOrd="0"/>
-        <dgm:cxn modelId="33" srcId="3" destId="31" srcOrd="0" destOrd="0"/>
-        <dgm:cxn modelId="34" srcId="3" destId="32" srcOrd="1" destOrd="0"/>
-      </dgm:cxnLst>
-      <dgm:bg/>
-      <dgm:whole/>
-    </dgm:dataModel>
-  </dgm:sampData>
-  <dgm:styleData>
-    <dgm:dataModel>
-      <dgm:ptLst>
-        <dgm:pt modelId="0" type="doc"/>
-        <dgm:pt modelId="1">
-          <dgm:prSet phldr="1"/>
-        </dgm:pt>
-        <dgm:pt modelId="2">
-          <dgm:prSet phldr="1"/>
-        </dgm:pt>
-      </dgm:ptLst>
-      <dgm:cxnLst>
-        <dgm:cxn modelId="3" srcId="0" destId="1" srcOrd="0" destOrd="0"/>
-        <dgm:cxn modelId="4" srcId="0" destId="2" srcOrd="1" destOrd="0"/>
-      </dgm:cxnLst>
-      <dgm:bg/>
-      <dgm:whole/>
-    </dgm:dataModel>
-  </dgm:styleData>
-  <dgm:clrData>
-    <dgm:dataModel>
-      <dgm:ptLst>
-        <dgm:pt modelId="0" type="doc"/>
-        <dgm:pt modelId="1">
-          <dgm:prSet phldr="1"/>
-        </dgm:pt>
-        <dgm:pt modelId="2">
-          <dgm:prSet phldr="1"/>
-        </dgm:pt>
-        <dgm:pt modelId="3">
-          <dgm:prSet phldr="1"/>
-        </dgm:pt>
-        <dgm:pt modelId="4">
-          <dgm:prSet phldr="1"/>
-        </dgm:pt>
-      </dgm:ptLst>
-      <dgm:cxnLst>
-        <dgm:cxn modelId="5" srcId="0" destId="1" srcOrd="0" destOrd="0"/>
-        <dgm:cxn modelId="6" srcId="0" destId="2" srcOrd="1" destOrd="0"/>
-        <dgm:cxn modelId="7" srcId="0" destId="3" srcOrd="2" destOrd="0"/>
-        <dgm:cxn modelId="8" srcId="0" destId="4" srcOrd="3" destOrd="0"/>
-      </dgm:cxnLst>
-      <dgm:bg/>
-      <dgm:whole/>
-    </dgm:dataModel>
-  </dgm:clrData>
-  <dgm:layoutNode name="Name0">
-    <dgm:varLst>
-      <dgm:dir/>
-      <dgm:animLvl val="lvl"/>
-      <dgm:resizeHandles val="exact"/>
-    </dgm:varLst>
-    <dgm:choose name="Name1">
-      <dgm:if name="Name2" func="var" arg="dir" op="equ" val="norm">
-        <dgm:alg type="lin"/>
-      </dgm:if>
-      <dgm:else name="Name3">
-        <dgm:alg type="lin">
-          <dgm:param type="linDir" val="fromR"/>
-        </dgm:alg>
-      </dgm:else>
-    </dgm:choose>
-    <dgm:shape xmlns:r="http://schemas.openxmlformats.org/officeDocument/2006/relationships" r:blip="">
-      <dgm:adjLst/>
-    </dgm:shape>
-    <dgm:presOf/>
-    <dgm:constrLst>
-      <dgm:constr type="h" for="ch" forName="composite" refType="h"/>
-      <dgm:constr type="w" for="ch" forName="composite" refType="w"/>
-      <dgm:constr type="w" for="des" forName="parTx"/>
-      <dgm:constr type="h" for="des" forName="parTx" op="equ"/>
-      <dgm:constr type="w" for="des" forName="desTx"/>
-      <dgm:constr type="h" for="des" forName="desTx" op="equ"/>
-      <dgm:constr type="primFontSz" for="des" forName="parTx" val="65"/>
-      <dgm:constr type="secFontSz" for="des" forName="desTx" refType="primFontSz" refFor="des" refForName="parTx" op="equ"/>
-      <dgm:constr type="h" for="des" forName="parTx" refType="primFontSz" refFor="des" refForName="parTx" fact="0.8"/>
-      <dgm:constr type="h" for="des" forName="desTx" refType="primFontSz" refFor="des" refForName="parTx" fact="1.22"/>
-      <dgm:constr type="w" for="ch" forName="space" refType="w" refFor="ch" refForName="composite" op="equ" fact="0.14"/>
-    </dgm:constrLst>
-    <dgm:ruleLst>
-      <dgm:rule type="w" for="ch" forName="composite" val="0" fact="NaN" max="NaN"/>
-      <dgm:rule type="primFontSz" for="des" forName="parTx" val="5" fact="NaN" max="NaN"/>
-    </dgm:ruleLst>
-    <dgm:forEach name="Name4" axis="ch" ptType="node">
-      <dgm:layoutNode name="composite">
-        <dgm:alg type="composite"/>
-        <dgm:shape xmlns:r="http://schemas.openxmlformats.org/officeDocument/2006/relationships" r:blip="">
-          <dgm:adjLst/>
-        </dgm:shape>
-        <dgm:presOf/>
-        <dgm:constrLst>
-          <dgm:constr type="l" for="ch" forName="parTx"/>
-          <dgm:constr type="w" for="ch" forName="parTx" refType="w"/>
-          <dgm:constr type="t" for="ch" forName="parTx"/>
-          <dgm:constr type="l" for="ch" forName="desTx"/>
-          <dgm:constr type="w" for="ch" forName="desTx" refType="w" refFor="ch" refForName="parTx"/>
-          <dgm:constr type="t" for="ch" forName="desTx" refType="h" refFor="ch" refForName="parTx"/>
-        </dgm:constrLst>
-        <dgm:ruleLst>
-          <dgm:rule type="h" val="INF" fact="NaN" max="NaN"/>
-        </dgm:ruleLst>
-        <dgm:layoutNode name="parTx" styleLbl="alignNode1">
-          <dgm:varLst>
-            <dgm:chMax val="0"/>
-            <dgm:chPref val="0"/>
-            <dgm:bulletEnabled val="1"/>
-          </dgm:varLst>
-          <dgm:alg type="tx"/>
-          <dgm:shape xmlns:r="http://schemas.openxmlformats.org/officeDocument/2006/relationships" type="rect" r:blip="">
-            <dgm:adjLst/>
-          </dgm:shape>
-          <dgm:presOf axis="self" ptType="node"/>
-          <dgm:constrLst>
-            <dgm:constr type="h" refType="w" op="lte" fact="0.4"/>
-            <dgm:constr type="h"/>
-            <dgm:constr type="tMarg" refType="primFontSz" fact="0.32"/>
-            <dgm:constr type="bMarg" refType="primFontSz" fact="0.32"/>
-          </dgm:constrLst>
-          <dgm:ruleLst>
-            <dgm:rule type="h" val="INF" fact="NaN" max="NaN"/>
-          </dgm:ruleLst>
-        </dgm:layoutNode>
-        <dgm:layoutNode name="desTx" styleLbl="alignAccFollowNode1">
-          <dgm:varLst>
-            <dgm:bulletEnabled val="1"/>
-          </dgm:varLst>
-          <dgm:alg type="tx">
-            <dgm:param type="stBulletLvl" val="1"/>
-          </dgm:alg>
-          <dgm:shape xmlns:r="http://schemas.openxmlformats.org/officeDocument/2006/relationships" type="rect" r:blip="">
-            <dgm:adjLst/>
-          </dgm:shape>
-          <dgm:presOf axis="des" ptType="node"/>
-          <dgm:constrLst>
-            <dgm:constr type="secFontSz" val="65"/>
-            <dgm:constr type="primFontSz" refType="secFontSz"/>
-            <dgm:constr type="h"/>
-            <dgm:constr type="lMarg" refType="primFontSz" fact="0.42"/>
-            <dgm:constr type="tMarg" refType="primFontSz" fact="0.42"/>
-            <dgm:constr type="bMarg" refType="primFontSz" fact="0.63"/>
-          </dgm:constrLst>
-          <dgm:ruleLst>
-            <dgm:rule type="h" val="INF" fact="NaN" max="NaN"/>
-          </dgm:ruleLst>
-        </dgm:layoutNode>
-      </dgm:layoutNode>
-      <dgm:forEach name="Name5" axis="followSib" ptType="sibTrans" cnt="1">
-        <dgm:layoutNode name="space">
-          <dgm:alg type="sp"/>
-          <dgm:shape xmlns:r="http://schemas.openxmlformats.org/officeDocument/2006/relationships" r:blip="">
-            <dgm:adjLst/>
-          </dgm:shape>
-          <dgm:presOf/>
-          <dgm:constrLst/>
-          <dgm:ruleLst/>
-        </dgm:layoutNode>
-      </dgm:forEach>
-    </dgm:forEach>
-  </dgm:layoutNode>
-</dgm:layoutDef>
+<file path=ppt/diagrams/drawing2.xml><?xml version="1.0" encoding="utf-8"?>
+<dsp:drawing xmlns:dgm="http://schemas.openxmlformats.org/drawingml/2006/diagram" xmlns:dsp="http://schemas.microsoft.com/office/drawing/2008/diagram" xmlns:a="http://schemas.openxmlformats.org/drawingml/2006/main">
+  <dsp:spTree>
+    <dsp:nvGrpSpPr>
+      <dsp:cNvPr id="0" name=""/>
+      <dsp:cNvGrpSpPr/>
+    </dsp:nvGrpSpPr>
+    <dsp:grpSpPr/>
+    <dsp:sp modelId="{4C78F7BF-FBC9-402B-B0EF-8C63C1370FD1}">
+      <dsp:nvSpPr>
+        <dsp:cNvPr id="0" name=""/>
+        <dsp:cNvSpPr/>
+      </dsp:nvSpPr>
+      <dsp:spPr>
+        <a:xfrm>
+          <a:off x="3953" y="119843"/>
+          <a:ext cx="2377306" cy="460800"/>
+        </a:xfrm>
+        <a:prstGeom prst="rect">
+          <a:avLst/>
+        </a:prstGeom>
+        <a:solidFill>
+          <a:schemeClr val="accent2">
+            <a:hueOff val="0"/>
+            <a:satOff val="0"/>
+            <a:lumOff val="0"/>
+            <a:alphaOff val="0"/>
+          </a:schemeClr>
+        </a:solidFill>
+        <a:ln w="12700" cap="flat" cmpd="sng" algn="ctr">
+          <a:solidFill>
+            <a:schemeClr val="accent2">
+              <a:hueOff val="0"/>
+              <a:satOff val="0"/>
+              <a:lumOff val="0"/>
+              <a:alphaOff val="0"/>
+            </a:schemeClr>
+          </a:solidFill>
+          <a:prstDash val="solid"/>
+          <a:miter lim="800000"/>
+        </a:ln>
+        <a:effectLst/>
+      </dsp:spPr>
+      <dsp:style>
+        <a:lnRef idx="2">
+          <a:scrgbClr r="0" g="0" b="0"/>
+        </a:lnRef>
+        <a:fillRef idx="1">
+          <a:scrgbClr r="0" g="0" b="0"/>
+        </a:fillRef>
+        <a:effectRef idx="0">
+          <a:scrgbClr r="0" g="0" b="0"/>
+        </a:effectRef>
+        <a:fontRef idx="minor">
+          <a:schemeClr val="lt1"/>
+        </a:fontRef>
+      </dsp:style>
+      <dsp:txBody>
+        <a:bodyPr spcFirstLastPara="0" vert="horz" wrap="square" lIns="113792" tIns="65024" rIns="113792" bIns="65024" numCol="1" spcCol="1270" anchor="ctr" anchorCtr="0">
+          <a:noAutofit/>
+        </a:bodyPr>
+        <a:lstStyle/>
+        <a:p>
+          <a:pPr marL="0" lvl="0" indent="0" algn="ctr" defTabSz="711200">
+            <a:lnSpc>
+              <a:spcPct val="90000"/>
+            </a:lnSpc>
+            <a:spcBef>
+              <a:spcPct val="0"/>
+            </a:spcBef>
+            <a:spcAft>
+              <a:spcPct val="35000"/>
+            </a:spcAft>
+            <a:buNone/>
+          </a:pPr>
+          <a:r>
+            <a:rPr lang="en-US" sz="1600" kern="1200" dirty="0"/>
+            <a:t>Playlist</a:t>
+          </a:r>
+        </a:p>
+      </dsp:txBody>
+      <dsp:txXfrm>
+        <a:off x="3953" y="119843"/>
+        <a:ext cx="2377306" cy="460800"/>
+      </dsp:txXfrm>
+    </dsp:sp>
+    <dsp:sp modelId="{131BDF30-91AC-42C3-8E1F-CBB8821C33B8}">
+      <dsp:nvSpPr>
+        <dsp:cNvPr id="0" name=""/>
+        <dsp:cNvSpPr/>
+      </dsp:nvSpPr>
+      <dsp:spPr>
+        <a:xfrm>
+          <a:off x="3953" y="580643"/>
+          <a:ext cx="2377306" cy="3650850"/>
+        </a:xfrm>
+        <a:prstGeom prst="rect">
+          <a:avLst/>
+        </a:prstGeom>
+        <a:solidFill>
+          <a:schemeClr val="accent2">
+            <a:tint val="40000"/>
+            <a:alpha val="90000"/>
+            <a:hueOff val="0"/>
+            <a:satOff val="0"/>
+            <a:lumOff val="0"/>
+            <a:alphaOff val="0"/>
+          </a:schemeClr>
+        </a:solidFill>
+        <a:ln w="12700" cap="flat" cmpd="sng" algn="ctr">
+          <a:solidFill>
+            <a:schemeClr val="accent2">
+              <a:tint val="40000"/>
+              <a:alpha val="90000"/>
+              <a:hueOff val="0"/>
+              <a:satOff val="0"/>
+              <a:lumOff val="0"/>
+              <a:alphaOff val="0"/>
+            </a:schemeClr>
+          </a:solidFill>
+          <a:prstDash val="solid"/>
+          <a:miter lim="800000"/>
+        </a:ln>
+        <a:effectLst/>
+      </dsp:spPr>
+      <dsp:style>
+        <a:lnRef idx="2">
+          <a:scrgbClr r="0" g="0" b="0"/>
+        </a:lnRef>
+        <a:fillRef idx="1">
+          <a:scrgbClr r="0" g="0" b="0"/>
+        </a:fillRef>
+        <a:effectRef idx="0">
+          <a:scrgbClr r="0" g="0" b="0"/>
+        </a:effectRef>
+        <a:fontRef idx="minor"/>
+      </dsp:style>
+      <dsp:txBody>
+        <a:bodyPr spcFirstLastPara="0" vert="horz" wrap="square" lIns="85344" tIns="85344" rIns="113792" bIns="128016" numCol="1" spcCol="1270" anchor="t" anchorCtr="0">
+          <a:noAutofit/>
+        </a:bodyPr>
+        <a:lstStyle/>
+        <a:p>
+          <a:pPr marL="171450" lvl="1" indent="-171450" algn="l" defTabSz="711200">
+            <a:lnSpc>
+              <a:spcPct val="90000"/>
+            </a:lnSpc>
+            <a:spcBef>
+              <a:spcPct val="0"/>
+            </a:spcBef>
+            <a:spcAft>
+              <a:spcPct val="15000"/>
+            </a:spcAft>
+            <a:buChar char="•"/>
+          </a:pPr>
+          <a:r>
+            <a:rPr lang="en-US" sz="1600" kern="1200"/>
+            <a:t>name</a:t>
+          </a:r>
+          <a:endParaRPr lang="en-US" sz="1600" kern="1200" dirty="0"/>
+        </a:p>
+        <a:p>
+          <a:pPr marL="171450" lvl="1" indent="-171450" algn="l" defTabSz="711200">
+            <a:lnSpc>
+              <a:spcPct val="90000"/>
+            </a:lnSpc>
+            <a:spcBef>
+              <a:spcPct val="0"/>
+            </a:spcBef>
+            <a:spcAft>
+              <a:spcPct val="15000"/>
+            </a:spcAft>
+            <a:buChar char="•"/>
+          </a:pPr>
+          <a:r>
+            <a:rPr lang="en-US" sz="1600" kern="1200"/>
+            <a:t>collaborative</a:t>
+          </a:r>
+        </a:p>
+        <a:p>
+          <a:pPr marL="171450" lvl="1" indent="-171450" algn="l" defTabSz="711200">
+            <a:lnSpc>
+              <a:spcPct val="90000"/>
+            </a:lnSpc>
+            <a:spcBef>
+              <a:spcPct val="0"/>
+            </a:spcBef>
+            <a:spcAft>
+              <a:spcPct val="15000"/>
+            </a:spcAft>
+            <a:buChar char="•"/>
+          </a:pPr>
+          <a:r>
+            <a:rPr lang="en-US" sz="1600" kern="1200"/>
+            <a:t>pid</a:t>
+          </a:r>
+        </a:p>
+        <a:p>
+          <a:pPr marL="171450" lvl="1" indent="-171450" algn="l" defTabSz="711200">
+            <a:lnSpc>
+              <a:spcPct val="90000"/>
+            </a:lnSpc>
+            <a:spcBef>
+              <a:spcPct val="0"/>
+            </a:spcBef>
+            <a:spcAft>
+              <a:spcPct val="15000"/>
+            </a:spcAft>
+            <a:buChar char="•"/>
+          </a:pPr>
+          <a:r>
+            <a:rPr lang="en-US" sz="1600" kern="1200"/>
+            <a:t>modified_at</a:t>
+          </a:r>
+        </a:p>
+        <a:p>
+          <a:pPr marL="171450" lvl="1" indent="-171450" algn="l" defTabSz="711200">
+            <a:lnSpc>
+              <a:spcPct val="90000"/>
+            </a:lnSpc>
+            <a:spcBef>
+              <a:spcPct val="0"/>
+            </a:spcBef>
+            <a:spcAft>
+              <a:spcPct val="15000"/>
+            </a:spcAft>
+            <a:buChar char="•"/>
+          </a:pPr>
+          <a:r>
+            <a:rPr lang="en-US" sz="1600" kern="1200"/>
+            <a:t>num_albums</a:t>
+          </a:r>
+        </a:p>
+        <a:p>
+          <a:pPr marL="171450" lvl="1" indent="-171450" algn="l" defTabSz="711200">
+            <a:lnSpc>
+              <a:spcPct val="90000"/>
+            </a:lnSpc>
+            <a:spcBef>
+              <a:spcPct val="0"/>
+            </a:spcBef>
+            <a:spcAft>
+              <a:spcPct val="15000"/>
+            </a:spcAft>
+            <a:buChar char="•"/>
+          </a:pPr>
+          <a:r>
+            <a:rPr lang="en-US" sz="1600" kern="1200"/>
+            <a:t>num_tracks</a:t>
+          </a:r>
+        </a:p>
+        <a:p>
+          <a:pPr marL="171450" lvl="1" indent="-171450" algn="l" defTabSz="711200">
+            <a:lnSpc>
+              <a:spcPct val="90000"/>
+            </a:lnSpc>
+            <a:spcBef>
+              <a:spcPct val="0"/>
+            </a:spcBef>
+            <a:spcAft>
+              <a:spcPct val="15000"/>
+            </a:spcAft>
+            <a:buChar char="•"/>
+          </a:pPr>
+          <a:r>
+            <a:rPr lang="en-US" sz="1600" kern="1200"/>
+            <a:t>num_followers</a:t>
+          </a:r>
+        </a:p>
+        <a:p>
+          <a:pPr marL="171450" lvl="1" indent="-171450" algn="l" defTabSz="711200">
+            <a:lnSpc>
+              <a:spcPct val="90000"/>
+            </a:lnSpc>
+            <a:spcBef>
+              <a:spcPct val="0"/>
+            </a:spcBef>
+            <a:spcAft>
+              <a:spcPct val="15000"/>
+            </a:spcAft>
+            <a:buChar char="•"/>
+          </a:pPr>
+          <a:r>
+            <a:rPr lang="en-US" sz="1600" kern="1200"/>
+            <a:t>num_edits</a:t>
+          </a:r>
+        </a:p>
+        <a:p>
+          <a:pPr marL="171450" lvl="1" indent="-171450" algn="l" defTabSz="711200">
+            <a:lnSpc>
+              <a:spcPct val="90000"/>
+            </a:lnSpc>
+            <a:spcBef>
+              <a:spcPct val="0"/>
+            </a:spcBef>
+            <a:spcAft>
+              <a:spcPct val="15000"/>
+            </a:spcAft>
+            <a:buChar char="•"/>
+          </a:pPr>
+          <a:r>
+            <a:rPr lang="en-US" sz="1600" kern="1200"/>
+            <a:t>duration_ms</a:t>
+          </a:r>
+        </a:p>
+        <a:p>
+          <a:pPr marL="171450" lvl="1" indent="-171450" algn="l" defTabSz="711200">
+            <a:lnSpc>
+              <a:spcPct val="90000"/>
+            </a:lnSpc>
+            <a:spcBef>
+              <a:spcPct val="0"/>
+            </a:spcBef>
+            <a:spcAft>
+              <a:spcPct val="15000"/>
+            </a:spcAft>
+            <a:buChar char="•"/>
+          </a:pPr>
+          <a:r>
+            <a:rPr lang="en-US" sz="1600" kern="1200"/>
+            <a:t>num_artists</a:t>
+          </a:r>
+        </a:p>
+        <a:p>
+          <a:pPr marL="171450" lvl="1" indent="-171450" algn="l" defTabSz="711200">
+            <a:lnSpc>
+              <a:spcPct val="90000"/>
+            </a:lnSpc>
+            <a:spcBef>
+              <a:spcPct val="0"/>
+            </a:spcBef>
+            <a:spcAft>
+              <a:spcPct val="15000"/>
+            </a:spcAft>
+            <a:buChar char="•"/>
+          </a:pPr>
+          <a:r>
+            <a:rPr lang="en-US" sz="1600" kern="1200" dirty="0"/>
+            <a:t>tracks</a:t>
+          </a:r>
+        </a:p>
+      </dsp:txBody>
+      <dsp:txXfrm>
+        <a:off x="3953" y="580643"/>
+        <a:ext cx="2377306" cy="3650850"/>
+      </dsp:txXfrm>
+    </dsp:sp>
+    <dsp:sp modelId="{66C469A9-8CB0-4F02-AD2C-45AC010076A5}">
+      <dsp:nvSpPr>
+        <dsp:cNvPr id="0" name=""/>
+        <dsp:cNvSpPr/>
+      </dsp:nvSpPr>
+      <dsp:spPr>
+        <a:xfrm>
+          <a:off x="2714082" y="119843"/>
+          <a:ext cx="2377306" cy="460800"/>
+        </a:xfrm>
+        <a:prstGeom prst="rect">
+          <a:avLst/>
+        </a:prstGeom>
+        <a:solidFill>
+          <a:schemeClr val="accent3">
+            <a:hueOff val="0"/>
+            <a:satOff val="0"/>
+            <a:lumOff val="0"/>
+            <a:alphaOff val="0"/>
+          </a:schemeClr>
+        </a:solidFill>
+        <a:ln w="12700" cap="flat" cmpd="sng" algn="ctr">
+          <a:solidFill>
+            <a:schemeClr val="accent3">
+              <a:hueOff val="0"/>
+              <a:satOff val="0"/>
+              <a:lumOff val="0"/>
+              <a:alphaOff val="0"/>
+            </a:schemeClr>
+          </a:solidFill>
+          <a:prstDash val="solid"/>
+          <a:miter lim="800000"/>
+        </a:ln>
+        <a:effectLst/>
+      </dsp:spPr>
+      <dsp:style>
+        <a:lnRef idx="2">
+          <a:scrgbClr r="0" g="0" b="0"/>
+        </a:lnRef>
+        <a:fillRef idx="1">
+          <a:scrgbClr r="0" g="0" b="0"/>
+        </a:fillRef>
+        <a:effectRef idx="0">
+          <a:scrgbClr r="0" g="0" b="0"/>
+        </a:effectRef>
+        <a:fontRef idx="minor">
+          <a:schemeClr val="lt1"/>
+        </a:fontRef>
+      </dsp:style>
+      <dsp:txBody>
+        <a:bodyPr spcFirstLastPara="0" vert="horz" wrap="square" lIns="113792" tIns="65024" rIns="113792" bIns="65024" numCol="1" spcCol="1270" anchor="ctr" anchorCtr="0">
+          <a:noAutofit/>
+        </a:bodyPr>
+        <a:lstStyle/>
+        <a:p>
+          <a:pPr marL="0" lvl="0" indent="0" algn="ctr" defTabSz="711200">
+            <a:lnSpc>
+              <a:spcPct val="90000"/>
+            </a:lnSpc>
+            <a:spcBef>
+              <a:spcPct val="0"/>
+            </a:spcBef>
+            <a:spcAft>
+              <a:spcPct val="35000"/>
+            </a:spcAft>
+            <a:buNone/>
+          </a:pPr>
+          <a:r>
+            <a:rPr lang="en-US" sz="1600" kern="1200" dirty="0"/>
+            <a:t>Song</a:t>
+          </a:r>
+        </a:p>
+      </dsp:txBody>
+      <dsp:txXfrm>
+        <a:off x="2714082" y="119843"/>
+        <a:ext cx="2377306" cy="460800"/>
+      </dsp:txXfrm>
+    </dsp:sp>
+    <dsp:sp modelId="{3DF75DD8-6FF5-4C7B-B779-C50A3E64701A}">
+      <dsp:nvSpPr>
+        <dsp:cNvPr id="0" name=""/>
+        <dsp:cNvSpPr/>
+      </dsp:nvSpPr>
+      <dsp:spPr>
+        <a:xfrm>
+          <a:off x="2714082" y="580643"/>
+          <a:ext cx="2377306" cy="3650850"/>
+        </a:xfrm>
+        <a:prstGeom prst="rect">
+          <a:avLst/>
+        </a:prstGeom>
+        <a:solidFill>
+          <a:schemeClr val="accent3">
+            <a:tint val="40000"/>
+            <a:alpha val="90000"/>
+            <a:hueOff val="0"/>
+            <a:satOff val="0"/>
+            <a:lumOff val="0"/>
+            <a:alphaOff val="0"/>
+          </a:schemeClr>
+        </a:solidFill>
+        <a:ln w="12700" cap="flat" cmpd="sng" algn="ctr">
+          <a:solidFill>
+            <a:schemeClr val="accent3">
+              <a:tint val="40000"/>
+              <a:alpha val="90000"/>
+              <a:hueOff val="0"/>
+              <a:satOff val="0"/>
+              <a:lumOff val="0"/>
+              <a:alphaOff val="0"/>
+            </a:schemeClr>
+          </a:solidFill>
+          <a:prstDash val="solid"/>
+          <a:miter lim="800000"/>
+        </a:ln>
+        <a:effectLst/>
+      </dsp:spPr>
+      <dsp:style>
+        <a:lnRef idx="2">
+          <a:scrgbClr r="0" g="0" b="0"/>
+        </a:lnRef>
+        <a:fillRef idx="1">
+          <a:scrgbClr r="0" g="0" b="0"/>
+        </a:fillRef>
+        <a:effectRef idx="0">
+          <a:scrgbClr r="0" g="0" b="0"/>
+        </a:effectRef>
+        <a:fontRef idx="minor"/>
+      </dsp:style>
+      <dsp:txBody>
+        <a:bodyPr spcFirstLastPara="0" vert="horz" wrap="square" lIns="85344" tIns="85344" rIns="113792" bIns="128016" numCol="1" spcCol="1270" anchor="t" anchorCtr="0">
+          <a:noAutofit/>
+        </a:bodyPr>
+        <a:lstStyle/>
+        <a:p>
+          <a:pPr marL="171450" lvl="1" indent="-171450" algn="l" defTabSz="711200">
+            <a:lnSpc>
+              <a:spcPct val="90000"/>
+            </a:lnSpc>
+            <a:spcBef>
+              <a:spcPct val="0"/>
+            </a:spcBef>
+            <a:spcAft>
+              <a:spcPct val="15000"/>
+            </a:spcAft>
+            <a:buChar char="•"/>
+          </a:pPr>
+          <a:r>
+            <a:rPr lang="en-US" sz="1600" kern="1200" dirty="0"/>
+            <a:t>Artist</a:t>
+          </a:r>
+        </a:p>
+        <a:p>
+          <a:pPr marL="171450" lvl="1" indent="-171450" algn="l" defTabSz="711200">
+            <a:lnSpc>
+              <a:spcPct val="90000"/>
+            </a:lnSpc>
+            <a:spcBef>
+              <a:spcPct val="0"/>
+            </a:spcBef>
+            <a:spcAft>
+              <a:spcPct val="15000"/>
+            </a:spcAft>
+            <a:buChar char="•"/>
+          </a:pPr>
+          <a:r>
+            <a:rPr lang="en-US" sz="1600" kern="1200" dirty="0"/>
+            <a:t>Album</a:t>
+          </a:r>
+        </a:p>
+        <a:p>
+          <a:pPr marL="171450" lvl="1" indent="-171450" algn="l" defTabSz="711200">
+            <a:lnSpc>
+              <a:spcPct val="90000"/>
+            </a:lnSpc>
+            <a:spcBef>
+              <a:spcPct val="0"/>
+            </a:spcBef>
+            <a:spcAft>
+              <a:spcPct val="15000"/>
+            </a:spcAft>
+            <a:buChar char="•"/>
+          </a:pPr>
+          <a:r>
+            <a:rPr lang="en-US" sz="1600" kern="1200" dirty="0"/>
+            <a:t>Year</a:t>
+          </a:r>
+        </a:p>
+        <a:p>
+          <a:pPr marL="171450" lvl="1" indent="-171450" algn="l" defTabSz="711200">
+            <a:lnSpc>
+              <a:spcPct val="90000"/>
+            </a:lnSpc>
+            <a:spcBef>
+              <a:spcPct val="0"/>
+            </a:spcBef>
+            <a:spcAft>
+              <a:spcPct val="15000"/>
+            </a:spcAft>
+            <a:buChar char="•"/>
+          </a:pPr>
+          <a:r>
+            <a:rPr lang="en-US" sz="1600" kern="1200" dirty="0"/>
+            <a:t>Other </a:t>
+          </a:r>
+        </a:p>
+        <a:p>
+          <a:pPr marL="171450" lvl="1" indent="-171450" algn="l" defTabSz="711200">
+            <a:lnSpc>
+              <a:spcPct val="90000"/>
+            </a:lnSpc>
+            <a:spcBef>
+              <a:spcPct val="0"/>
+            </a:spcBef>
+            <a:spcAft>
+              <a:spcPct val="15000"/>
+            </a:spcAft>
+            <a:buClrTx/>
+            <a:buSzTx/>
+            <a:buFontTx/>
+            <a:buNone/>
+          </a:pPr>
+          <a:r>
+            <a:rPr kumimoji="0" lang="en-US" altLang="en-US" sz="1600" b="0" i="0" u="none" strike="noStrike" kern="1200" cap="none" normalizeH="0" baseline="0" dirty="0">
+              <a:ln>
+                <a:noFill/>
+              </a:ln>
+              <a:solidFill>
+                <a:srgbClr val="0F1214"/>
+              </a:solidFill>
+              <a:effectLst/>
+              <a:latin typeface="SFMono-Regular"/>
+            </a:rPr>
+            <a:t>position</a:t>
+          </a:r>
+          <a:endParaRPr lang="en-US" sz="1600" kern="1200" dirty="0"/>
+        </a:p>
+        <a:p>
+          <a:pPr marL="171450" lvl="1" indent="-171450" algn="l" defTabSz="711200">
+            <a:lnSpc>
+              <a:spcPct val="90000"/>
+            </a:lnSpc>
+            <a:spcBef>
+              <a:spcPct val="0"/>
+            </a:spcBef>
+            <a:spcAft>
+              <a:spcPct val="15000"/>
+            </a:spcAft>
+            <a:buChar char="•"/>
+          </a:pPr>
+          <a:r>
+            <a:rPr kumimoji="0" lang="en-US" altLang="en-US" sz="1600" b="0" i="0" u="none" strike="noStrike" kern="1200" cap="none" normalizeH="0" baseline="0" dirty="0" err="1">
+              <a:ln>
+                <a:noFill/>
+              </a:ln>
+              <a:solidFill>
+                <a:srgbClr val="0F1214"/>
+              </a:solidFill>
+              <a:effectLst/>
+              <a:latin typeface="SFMono-Regular"/>
+            </a:rPr>
+            <a:t>artist_name</a:t>
+          </a:r>
+          <a:endParaRPr kumimoji="0" lang="en-US" altLang="en-US" sz="1600" b="0" i="0" u="none" strike="noStrike" kern="1200" cap="none" normalizeH="0" baseline="0" dirty="0">
+            <a:ln>
+              <a:noFill/>
+            </a:ln>
+            <a:solidFill>
+              <a:srgbClr val="0F1214"/>
+            </a:solidFill>
+            <a:effectLst/>
+            <a:latin typeface="SFMono-Regular"/>
+          </a:endParaRPr>
+        </a:p>
+        <a:p>
+          <a:pPr marL="171450" lvl="1" indent="-171450" algn="l" defTabSz="711200">
+            <a:lnSpc>
+              <a:spcPct val="90000"/>
+            </a:lnSpc>
+            <a:spcBef>
+              <a:spcPct val="0"/>
+            </a:spcBef>
+            <a:spcAft>
+              <a:spcPct val="15000"/>
+            </a:spcAft>
+            <a:buChar char="•"/>
+          </a:pPr>
+          <a:r>
+            <a:rPr kumimoji="0" lang="en-US" altLang="en-US" sz="1600" b="0" i="0" u="none" strike="noStrike" kern="1200" cap="none" normalizeH="0" baseline="0" dirty="0" err="1">
+              <a:ln>
+                <a:noFill/>
+              </a:ln>
+              <a:solidFill>
+                <a:srgbClr val="0F1214"/>
+              </a:solidFill>
+              <a:effectLst/>
+              <a:latin typeface="SFMono-Regular"/>
+            </a:rPr>
+            <a:t>track_uri</a:t>
+          </a:r>
+          <a:endParaRPr kumimoji="0" lang="en-US" altLang="en-US" sz="1600" b="0" i="0" u="none" strike="noStrike" kern="1200" cap="none" normalizeH="0" baseline="0" dirty="0">
+            <a:ln>
+              <a:noFill/>
+            </a:ln>
+            <a:solidFill>
+              <a:srgbClr val="0F1214"/>
+            </a:solidFill>
+            <a:effectLst/>
+            <a:latin typeface="SFMono-Regular"/>
+          </a:endParaRPr>
+        </a:p>
+        <a:p>
+          <a:pPr marL="171450" lvl="1" indent="-171450" algn="l" defTabSz="711200">
+            <a:lnSpc>
+              <a:spcPct val="90000"/>
+            </a:lnSpc>
+            <a:spcBef>
+              <a:spcPct val="0"/>
+            </a:spcBef>
+            <a:spcAft>
+              <a:spcPct val="15000"/>
+            </a:spcAft>
+            <a:buChar char="•"/>
+          </a:pPr>
+          <a:r>
+            <a:rPr kumimoji="0" lang="en-US" altLang="en-US" sz="1600" b="0" i="0" u="none" strike="noStrike" kern="1200" cap="none" normalizeH="0" baseline="0" dirty="0" err="1">
+              <a:ln>
+                <a:noFill/>
+              </a:ln>
+              <a:solidFill>
+                <a:srgbClr val="0F1214"/>
+              </a:solidFill>
+              <a:effectLst/>
+              <a:latin typeface="SFMono-Regular"/>
+            </a:rPr>
+            <a:t>artist_uri</a:t>
+          </a:r>
+          <a:endParaRPr kumimoji="0" lang="en-US" altLang="en-US" sz="1600" b="0" i="0" u="none" strike="noStrike" kern="1200" cap="none" normalizeH="0" baseline="0" dirty="0">
+            <a:ln>
+              <a:noFill/>
+            </a:ln>
+            <a:solidFill>
+              <a:srgbClr val="0F1214"/>
+            </a:solidFill>
+            <a:effectLst/>
+            <a:latin typeface="SFMono-Regular"/>
+          </a:endParaRPr>
+        </a:p>
+        <a:p>
+          <a:pPr marL="171450" lvl="1" indent="-171450" algn="l" defTabSz="711200">
+            <a:lnSpc>
+              <a:spcPct val="90000"/>
+            </a:lnSpc>
+            <a:spcBef>
+              <a:spcPct val="0"/>
+            </a:spcBef>
+            <a:spcAft>
+              <a:spcPct val="15000"/>
+            </a:spcAft>
+            <a:buChar char="•"/>
+          </a:pPr>
+          <a:r>
+            <a:rPr kumimoji="0" lang="en-US" altLang="en-US" sz="1600" b="0" i="0" u="none" strike="noStrike" kern="1200" cap="none" normalizeH="0" baseline="0" dirty="0" err="1">
+              <a:ln>
+                <a:noFill/>
+              </a:ln>
+              <a:solidFill>
+                <a:srgbClr val="0F1214"/>
+              </a:solidFill>
+              <a:effectLst/>
+              <a:latin typeface="SFMono-Regular"/>
+            </a:rPr>
+            <a:t>track_name</a:t>
+          </a:r>
+          <a:endParaRPr kumimoji="0" lang="en-US" altLang="en-US" sz="1600" b="0" i="0" u="none" strike="noStrike" kern="1200" cap="none" normalizeH="0" baseline="0" dirty="0">
+            <a:ln>
+              <a:noFill/>
+            </a:ln>
+            <a:solidFill>
+              <a:srgbClr val="0F1214"/>
+            </a:solidFill>
+            <a:effectLst/>
+            <a:latin typeface="SFMono-Regular"/>
+          </a:endParaRPr>
+        </a:p>
+        <a:p>
+          <a:pPr marL="171450" lvl="1" indent="-171450" algn="l" defTabSz="711200">
+            <a:lnSpc>
+              <a:spcPct val="90000"/>
+            </a:lnSpc>
+            <a:spcBef>
+              <a:spcPct val="0"/>
+            </a:spcBef>
+            <a:spcAft>
+              <a:spcPct val="15000"/>
+            </a:spcAft>
+            <a:buChar char="•"/>
+          </a:pPr>
+          <a:r>
+            <a:rPr kumimoji="0" lang="en-US" altLang="en-US" sz="1600" b="0" i="0" u="none" strike="noStrike" kern="1200" cap="none" normalizeH="0" baseline="0" dirty="0" err="1">
+              <a:ln>
+                <a:noFill/>
+              </a:ln>
+              <a:solidFill>
+                <a:srgbClr val="0F1214"/>
+              </a:solidFill>
+              <a:effectLst/>
+              <a:latin typeface="SFMono-Regular"/>
+            </a:rPr>
+            <a:t>album_uri</a:t>
+          </a:r>
+          <a:endParaRPr kumimoji="0" lang="en-US" altLang="en-US" sz="1600" b="0" i="0" u="none" strike="noStrike" kern="1200" cap="none" normalizeH="0" baseline="0" dirty="0">
+            <a:ln>
+              <a:noFill/>
+            </a:ln>
+            <a:solidFill>
+              <a:srgbClr val="0F1214"/>
+            </a:solidFill>
+            <a:effectLst/>
+            <a:latin typeface="SFMono-Regular"/>
+          </a:endParaRPr>
+        </a:p>
+        <a:p>
+          <a:pPr marL="171450" lvl="1" indent="-171450" algn="l" defTabSz="711200">
+            <a:lnSpc>
+              <a:spcPct val="90000"/>
+            </a:lnSpc>
+            <a:spcBef>
+              <a:spcPct val="0"/>
+            </a:spcBef>
+            <a:spcAft>
+              <a:spcPct val="15000"/>
+            </a:spcAft>
+            <a:buChar char="•"/>
+          </a:pPr>
+          <a:r>
+            <a:rPr kumimoji="0" lang="en-US" altLang="en-US" sz="1600" b="0" i="0" u="none" strike="noStrike" kern="1200" cap="none" normalizeH="0" baseline="0" dirty="0" err="1">
+              <a:ln>
+                <a:noFill/>
+              </a:ln>
+              <a:solidFill>
+                <a:srgbClr val="0F1214"/>
+              </a:solidFill>
+              <a:effectLst/>
+              <a:latin typeface="SFMono-Regular"/>
+            </a:rPr>
+            <a:t>duration_ms</a:t>
+          </a:r>
+          <a:endParaRPr kumimoji="0" lang="en-US" altLang="en-US" sz="1600" b="0" i="0" u="none" strike="noStrike" kern="1200" cap="none" normalizeH="0" baseline="0" dirty="0">
+            <a:ln>
+              <a:noFill/>
+            </a:ln>
+            <a:solidFill>
+              <a:srgbClr val="0F1214"/>
+            </a:solidFill>
+            <a:effectLst/>
+            <a:latin typeface="SFMono-Regular"/>
+          </a:endParaRPr>
+        </a:p>
+        <a:p>
+          <a:pPr marL="171450" lvl="1" indent="-171450" algn="l" defTabSz="711200">
+            <a:lnSpc>
+              <a:spcPct val="90000"/>
+            </a:lnSpc>
+            <a:spcBef>
+              <a:spcPct val="0"/>
+            </a:spcBef>
+            <a:spcAft>
+              <a:spcPct val="15000"/>
+            </a:spcAft>
+            <a:buChar char="•"/>
+          </a:pPr>
+          <a:r>
+            <a:rPr kumimoji="0" lang="en-US" altLang="en-US" sz="1600" b="0" i="0" u="none" strike="noStrike" kern="1200" cap="none" normalizeH="0" baseline="0" dirty="0" err="1">
+              <a:ln>
+                <a:noFill/>
+              </a:ln>
+              <a:solidFill>
+                <a:srgbClr val="0F1214"/>
+              </a:solidFill>
+              <a:effectLst/>
+              <a:latin typeface="SFMono-Regular"/>
+            </a:rPr>
+            <a:t>album_name</a:t>
+          </a:r>
+          <a:endParaRPr kumimoji="0" lang="en-US" altLang="en-US" sz="1600" b="0" i="0" u="none" strike="noStrike" kern="1200" cap="none" normalizeH="0" baseline="0" dirty="0">
+            <a:ln>
+              <a:noFill/>
+            </a:ln>
+            <a:solidFill>
+              <a:srgbClr val="0F1214"/>
+            </a:solidFill>
+            <a:effectLst/>
+            <a:latin typeface="SFMono-Regular"/>
+          </a:endParaRPr>
+        </a:p>
+        <a:p>
+          <a:pPr marL="171450" lvl="1" indent="-171450" algn="l" defTabSz="711200">
+            <a:lnSpc>
+              <a:spcPct val="90000"/>
+            </a:lnSpc>
+            <a:spcBef>
+              <a:spcPct val="0"/>
+            </a:spcBef>
+            <a:spcAft>
+              <a:spcPct val="15000"/>
+            </a:spcAft>
+            <a:buChar char="•"/>
+          </a:pPr>
+          <a:r>
+            <a:rPr kumimoji="0" lang="en-US" altLang="en-US" sz="1600" b="0" i="0" u="none" strike="noStrike" kern="1200" cap="none" normalizeH="0" baseline="0" dirty="0">
+              <a:ln>
+                <a:noFill/>
+              </a:ln>
+              <a:solidFill>
+                <a:srgbClr val="0F1214"/>
+              </a:solidFill>
+              <a:effectLst/>
+              <a:latin typeface="SFMono-Regular"/>
+            </a:rPr>
+            <a:t>genre</a:t>
+          </a:r>
+        </a:p>
+      </dsp:txBody>
+      <dsp:txXfrm>
+        <a:off x="2714082" y="580643"/>
+        <a:ext cx="2377306" cy="3650850"/>
+      </dsp:txXfrm>
+    </dsp:sp>
+    <dsp:sp modelId="{2C1AF223-F4AB-4CF5-A1C9-64D5F64FE6E3}">
+      <dsp:nvSpPr>
+        <dsp:cNvPr id="0" name=""/>
+        <dsp:cNvSpPr/>
+      </dsp:nvSpPr>
+      <dsp:spPr>
+        <a:xfrm>
+          <a:off x="5424211" y="119843"/>
+          <a:ext cx="2377306" cy="460800"/>
+        </a:xfrm>
+        <a:prstGeom prst="rect">
+          <a:avLst/>
+        </a:prstGeom>
+        <a:solidFill>
+          <a:schemeClr val="accent4">
+            <a:hueOff val="0"/>
+            <a:satOff val="0"/>
+            <a:lumOff val="0"/>
+            <a:alphaOff val="0"/>
+          </a:schemeClr>
+        </a:solidFill>
+        <a:ln w="12700" cap="flat" cmpd="sng" algn="ctr">
+          <a:solidFill>
+            <a:schemeClr val="accent4">
+              <a:hueOff val="0"/>
+              <a:satOff val="0"/>
+              <a:lumOff val="0"/>
+              <a:alphaOff val="0"/>
+            </a:schemeClr>
+          </a:solidFill>
+          <a:prstDash val="solid"/>
+          <a:miter lim="800000"/>
+        </a:ln>
+        <a:effectLst/>
+      </dsp:spPr>
+      <dsp:style>
+        <a:lnRef idx="2">
+          <a:scrgbClr r="0" g="0" b="0"/>
+        </a:lnRef>
+        <a:fillRef idx="1">
+          <a:scrgbClr r="0" g="0" b="0"/>
+        </a:fillRef>
+        <a:effectRef idx="0">
+          <a:scrgbClr r="0" g="0" b="0"/>
+        </a:effectRef>
+        <a:fontRef idx="minor">
+          <a:schemeClr val="lt1"/>
+        </a:fontRef>
+      </dsp:style>
+      <dsp:txBody>
+        <a:bodyPr spcFirstLastPara="0" vert="horz" wrap="square" lIns="113792" tIns="65024" rIns="113792" bIns="65024" numCol="1" spcCol="1270" anchor="ctr" anchorCtr="0">
+          <a:noAutofit/>
+        </a:bodyPr>
+        <a:lstStyle/>
+        <a:p>
+          <a:pPr marL="0" lvl="0" indent="0" algn="ctr" defTabSz="711200">
+            <a:lnSpc>
+              <a:spcPct val="90000"/>
+            </a:lnSpc>
+            <a:spcBef>
+              <a:spcPct val="0"/>
+            </a:spcBef>
+            <a:spcAft>
+              <a:spcPct val="35000"/>
+            </a:spcAft>
+            <a:buNone/>
+          </a:pPr>
+          <a:r>
+            <a:rPr lang="en-US" sz="1600" kern="1200" dirty="0"/>
+            <a:t>Album</a:t>
+          </a:r>
+        </a:p>
+      </dsp:txBody>
+      <dsp:txXfrm>
+        <a:off x="5424211" y="119843"/>
+        <a:ext cx="2377306" cy="460800"/>
+      </dsp:txXfrm>
+    </dsp:sp>
+    <dsp:sp modelId="{9AE96857-773B-426D-82EC-166E138E800C}">
+      <dsp:nvSpPr>
+        <dsp:cNvPr id="0" name=""/>
+        <dsp:cNvSpPr/>
+      </dsp:nvSpPr>
+      <dsp:spPr>
+        <a:xfrm>
+          <a:off x="5424211" y="580643"/>
+          <a:ext cx="2377306" cy="3650850"/>
+        </a:xfrm>
+        <a:prstGeom prst="rect">
+          <a:avLst/>
+        </a:prstGeom>
+        <a:solidFill>
+          <a:schemeClr val="accent4">
+            <a:tint val="40000"/>
+            <a:alpha val="90000"/>
+            <a:hueOff val="0"/>
+            <a:satOff val="0"/>
+            <a:lumOff val="0"/>
+            <a:alphaOff val="0"/>
+          </a:schemeClr>
+        </a:solidFill>
+        <a:ln w="12700" cap="flat" cmpd="sng" algn="ctr">
+          <a:solidFill>
+            <a:schemeClr val="accent4">
+              <a:tint val="40000"/>
+              <a:alpha val="90000"/>
+              <a:hueOff val="0"/>
+              <a:satOff val="0"/>
+              <a:lumOff val="0"/>
+              <a:alphaOff val="0"/>
+            </a:schemeClr>
+          </a:solidFill>
+          <a:prstDash val="solid"/>
+          <a:miter lim="800000"/>
+        </a:ln>
+        <a:effectLst/>
+      </dsp:spPr>
+      <dsp:style>
+        <a:lnRef idx="2">
+          <a:scrgbClr r="0" g="0" b="0"/>
+        </a:lnRef>
+        <a:fillRef idx="1">
+          <a:scrgbClr r="0" g="0" b="0"/>
+        </a:fillRef>
+        <a:effectRef idx="0">
+          <a:scrgbClr r="0" g="0" b="0"/>
+        </a:effectRef>
+        <a:fontRef idx="minor"/>
+      </dsp:style>
+      <dsp:txBody>
+        <a:bodyPr spcFirstLastPara="0" vert="horz" wrap="square" lIns="85344" tIns="85344" rIns="113792" bIns="128016" numCol="1" spcCol="1270" anchor="t" anchorCtr="0">
+          <a:noAutofit/>
+        </a:bodyPr>
+        <a:lstStyle/>
+        <a:p>
+          <a:pPr marL="171450" lvl="1" indent="-171450" algn="l" defTabSz="711200">
+            <a:lnSpc>
+              <a:spcPct val="90000"/>
+            </a:lnSpc>
+            <a:spcBef>
+              <a:spcPct val="0"/>
+            </a:spcBef>
+            <a:spcAft>
+              <a:spcPct val="15000"/>
+            </a:spcAft>
+            <a:buChar char="•"/>
+          </a:pPr>
+          <a:r>
+            <a:rPr lang="en-US" sz="1600" kern="1200" dirty="0"/>
+            <a:t>Songs</a:t>
+          </a:r>
+        </a:p>
+        <a:p>
+          <a:pPr marL="171450" lvl="1" indent="-171450" algn="l" defTabSz="711200">
+            <a:lnSpc>
+              <a:spcPct val="90000"/>
+            </a:lnSpc>
+            <a:spcBef>
+              <a:spcPct val="0"/>
+            </a:spcBef>
+            <a:spcAft>
+              <a:spcPct val="15000"/>
+            </a:spcAft>
+            <a:buChar char="•"/>
+          </a:pPr>
+          <a:r>
+            <a:rPr lang="en-US" sz="1600" kern="1200" dirty="0" err="1"/>
+            <a:t>Top_tracks</a:t>
+          </a:r>
+          <a:endParaRPr lang="en-US" sz="1600" kern="1200" dirty="0"/>
+        </a:p>
+        <a:p>
+          <a:pPr marL="171450" lvl="1" indent="-171450" algn="l" defTabSz="711200">
+            <a:lnSpc>
+              <a:spcPct val="90000"/>
+            </a:lnSpc>
+            <a:spcBef>
+              <a:spcPct val="0"/>
+            </a:spcBef>
+            <a:spcAft>
+              <a:spcPct val="15000"/>
+            </a:spcAft>
+            <a:buChar char="•"/>
+          </a:pPr>
+          <a:r>
+            <a:rPr lang="en-US" sz="1600" kern="1200" dirty="0"/>
+            <a:t>Year</a:t>
+          </a:r>
+        </a:p>
+        <a:p>
+          <a:pPr marL="171450" lvl="1" indent="-171450" algn="l" defTabSz="711200">
+            <a:lnSpc>
+              <a:spcPct val="90000"/>
+            </a:lnSpc>
+            <a:spcBef>
+              <a:spcPct val="0"/>
+            </a:spcBef>
+            <a:spcAft>
+              <a:spcPct val="15000"/>
+            </a:spcAft>
+            <a:buChar char="•"/>
+          </a:pPr>
+          <a:r>
+            <a:rPr lang="en-US" sz="1600" kern="1200" dirty="0"/>
+            <a:t>Other Artists</a:t>
+          </a:r>
+        </a:p>
+      </dsp:txBody>
+      <dsp:txXfrm>
+        <a:off x="5424211" y="580643"/>
+        <a:ext cx="2377306" cy="3650850"/>
+      </dsp:txXfrm>
+    </dsp:sp>
+    <dsp:sp modelId="{F67F7D9B-D810-4890-AD77-EBEED5B68414}">
+      <dsp:nvSpPr>
+        <dsp:cNvPr id="0" name=""/>
+        <dsp:cNvSpPr/>
+      </dsp:nvSpPr>
+      <dsp:spPr>
+        <a:xfrm>
+          <a:off x="8134340" y="119843"/>
+          <a:ext cx="2377306" cy="460800"/>
+        </a:xfrm>
+        <a:prstGeom prst="rect">
+          <a:avLst/>
+        </a:prstGeom>
+        <a:solidFill>
+          <a:schemeClr val="accent5">
+            <a:hueOff val="0"/>
+            <a:satOff val="0"/>
+            <a:lumOff val="0"/>
+            <a:alphaOff val="0"/>
+          </a:schemeClr>
+        </a:solidFill>
+        <a:ln w="12700" cap="flat" cmpd="sng" algn="ctr">
+          <a:solidFill>
+            <a:schemeClr val="accent5">
+              <a:hueOff val="0"/>
+              <a:satOff val="0"/>
+              <a:lumOff val="0"/>
+              <a:alphaOff val="0"/>
+            </a:schemeClr>
+          </a:solidFill>
+          <a:prstDash val="solid"/>
+          <a:miter lim="800000"/>
+        </a:ln>
+        <a:effectLst/>
+      </dsp:spPr>
+      <dsp:style>
+        <a:lnRef idx="2">
+          <a:scrgbClr r="0" g="0" b="0"/>
+        </a:lnRef>
+        <a:fillRef idx="1">
+          <a:scrgbClr r="0" g="0" b="0"/>
+        </a:fillRef>
+        <a:effectRef idx="0">
+          <a:scrgbClr r="0" g="0" b="0"/>
+        </a:effectRef>
+        <a:fontRef idx="minor">
+          <a:schemeClr val="lt1"/>
+        </a:fontRef>
+      </dsp:style>
+      <dsp:txBody>
+        <a:bodyPr spcFirstLastPara="0" vert="horz" wrap="square" lIns="113792" tIns="65024" rIns="113792" bIns="65024" numCol="1" spcCol="1270" anchor="ctr" anchorCtr="0">
+          <a:noAutofit/>
+        </a:bodyPr>
+        <a:lstStyle/>
+        <a:p>
+          <a:pPr marL="0" lvl="0" indent="0" algn="ctr" defTabSz="711200">
+            <a:lnSpc>
+              <a:spcPct val="90000"/>
+            </a:lnSpc>
+            <a:spcBef>
+              <a:spcPct val="0"/>
+            </a:spcBef>
+            <a:spcAft>
+              <a:spcPct val="35000"/>
+            </a:spcAft>
+            <a:buNone/>
+          </a:pPr>
+          <a:r>
+            <a:rPr lang="en-US" sz="1600" kern="1200" dirty="0"/>
+            <a:t>Artist</a:t>
+          </a:r>
+        </a:p>
+      </dsp:txBody>
+      <dsp:txXfrm>
+        <a:off x="8134340" y="119843"/>
+        <a:ext cx="2377306" cy="460800"/>
+      </dsp:txXfrm>
+    </dsp:sp>
+    <dsp:sp modelId="{180E0154-73F1-4AB5-8B40-F7241FCEE9AA}">
+      <dsp:nvSpPr>
+        <dsp:cNvPr id="0" name=""/>
+        <dsp:cNvSpPr/>
+      </dsp:nvSpPr>
+      <dsp:spPr>
+        <a:xfrm>
+          <a:off x="8134340" y="580643"/>
+          <a:ext cx="2377306" cy="3650850"/>
+        </a:xfrm>
+        <a:prstGeom prst="rect">
+          <a:avLst/>
+        </a:prstGeom>
+        <a:solidFill>
+          <a:schemeClr val="accent5">
+            <a:tint val="40000"/>
+            <a:alpha val="90000"/>
+            <a:hueOff val="0"/>
+            <a:satOff val="0"/>
+            <a:lumOff val="0"/>
+            <a:alphaOff val="0"/>
+          </a:schemeClr>
+        </a:solidFill>
+        <a:ln w="12700" cap="flat" cmpd="sng" algn="ctr">
+          <a:solidFill>
+            <a:schemeClr val="accent5">
+              <a:tint val="40000"/>
+              <a:alpha val="90000"/>
+              <a:hueOff val="0"/>
+              <a:satOff val="0"/>
+              <a:lumOff val="0"/>
+              <a:alphaOff val="0"/>
+            </a:schemeClr>
+          </a:solidFill>
+          <a:prstDash val="solid"/>
+          <a:miter lim="800000"/>
+        </a:ln>
+        <a:effectLst/>
+      </dsp:spPr>
+      <dsp:style>
+        <a:lnRef idx="2">
+          <a:scrgbClr r="0" g="0" b="0"/>
+        </a:lnRef>
+        <a:fillRef idx="1">
+          <a:scrgbClr r="0" g="0" b="0"/>
+        </a:fillRef>
+        <a:effectRef idx="0">
+          <a:scrgbClr r="0" g="0" b="0"/>
+        </a:effectRef>
+        <a:fontRef idx="minor"/>
+      </dsp:style>
+      <dsp:txBody>
+        <a:bodyPr spcFirstLastPara="0" vert="horz" wrap="square" lIns="85344" tIns="85344" rIns="113792" bIns="128016" numCol="1" spcCol="1270" anchor="t" anchorCtr="0">
+          <a:noAutofit/>
+        </a:bodyPr>
+        <a:lstStyle/>
+        <a:p>
+          <a:pPr marL="171450" lvl="1" indent="-171450" algn="l" defTabSz="711200">
+            <a:lnSpc>
+              <a:spcPct val="90000"/>
+            </a:lnSpc>
+            <a:spcBef>
+              <a:spcPct val="0"/>
+            </a:spcBef>
+            <a:spcAft>
+              <a:spcPct val="15000"/>
+            </a:spcAft>
+            <a:buChar char="•"/>
+          </a:pPr>
+          <a:r>
+            <a:rPr lang="en-US" sz="1600" kern="1200" dirty="0"/>
+            <a:t>Albums</a:t>
+          </a:r>
+        </a:p>
+        <a:p>
+          <a:pPr marL="171450" lvl="1" indent="-171450" algn="l" defTabSz="711200">
+            <a:lnSpc>
+              <a:spcPct val="90000"/>
+            </a:lnSpc>
+            <a:spcBef>
+              <a:spcPct val="0"/>
+            </a:spcBef>
+            <a:spcAft>
+              <a:spcPct val="15000"/>
+            </a:spcAft>
+            <a:buChar char="•"/>
+          </a:pPr>
+          <a:r>
+            <a:rPr lang="en-US" sz="1600" kern="1200" dirty="0" err="1"/>
+            <a:t>Top_tracks</a:t>
+          </a:r>
+          <a:endParaRPr lang="en-US" sz="1600" kern="1200" dirty="0"/>
+        </a:p>
+        <a:p>
+          <a:pPr marL="171450" lvl="1" indent="-171450" algn="l" defTabSz="711200">
+            <a:lnSpc>
+              <a:spcPct val="90000"/>
+            </a:lnSpc>
+            <a:spcBef>
+              <a:spcPct val="0"/>
+            </a:spcBef>
+            <a:spcAft>
+              <a:spcPct val="15000"/>
+            </a:spcAft>
+            <a:buChar char="•"/>
+          </a:pPr>
+          <a:r>
+            <a:rPr lang="en-US" sz="1600" kern="1200" dirty="0" err="1"/>
+            <a:t>Top_albums</a:t>
+          </a:r>
+          <a:r>
+            <a:rPr lang="en-US" sz="1600" kern="1200" dirty="0"/>
+            <a:t>*</a:t>
+          </a:r>
+        </a:p>
+        <a:p>
+          <a:pPr marL="171450" lvl="1" indent="-171450" algn="l" defTabSz="711200">
+            <a:lnSpc>
+              <a:spcPct val="90000"/>
+            </a:lnSpc>
+            <a:spcBef>
+              <a:spcPct val="0"/>
+            </a:spcBef>
+            <a:spcAft>
+              <a:spcPct val="15000"/>
+            </a:spcAft>
+            <a:buChar char="•"/>
+          </a:pPr>
+          <a:r>
+            <a:rPr lang="en-US" sz="1600" kern="1200" dirty="0"/>
+            <a:t>Related artists</a:t>
+          </a:r>
+        </a:p>
+      </dsp:txBody>
+      <dsp:txXfrm>
+        <a:off x="8134340" y="580643"/>
+        <a:ext cx="2377306" cy="3650850"/>
+      </dsp:txXfrm>
+    </dsp:sp>
+  </dsp:spTree>
+</dsp:drawing>
 </file>
 
-<file path=ppt/diagrams/layout2.xml><?xml version="1.0" encoding="utf-8"?>
+<file path=ppt/diagrams/layout1.xml><?xml version="1.0" encoding="utf-8"?>
 <dgm:layoutDef xmlns:dgm="http://schemas.openxmlformats.org/drawingml/2006/diagram" xmlns:a="http://schemas.openxmlformats.org/drawingml/2006/main" uniqueId="urn:microsoft.com/office/officeart/2005/8/layout/target3">
   <dgm:title val=""/>
   <dgm:desc val=""/>
@@ -8575,6 +8407,223 @@
           </dgm:layoutNode>
         </dgm:else>
       </dgm:choose>
+    </dgm:forEach>
+  </dgm:layoutNode>
+</dgm:layoutDef>
+</file>
+
+<file path=ppt/diagrams/layout2.xml><?xml version="1.0" encoding="utf-8"?>
+<dgm:layoutDef xmlns:dgm="http://schemas.openxmlformats.org/drawingml/2006/diagram" xmlns:a="http://schemas.openxmlformats.org/drawingml/2006/main" uniqueId="urn:microsoft.com/office/officeart/2005/8/layout/hList1">
+  <dgm:title val=""/>
+  <dgm:desc val=""/>
+  <dgm:catLst>
+    <dgm:cat type="list" pri="5000"/>
+    <dgm:cat type="convert" pri="5000"/>
+  </dgm:catLst>
+  <dgm:sampData>
+    <dgm:dataModel>
+      <dgm:ptLst>
+        <dgm:pt modelId="0" type="doc"/>
+        <dgm:pt modelId="1">
+          <dgm:prSet phldr="1"/>
+        </dgm:pt>
+        <dgm:pt modelId="11">
+          <dgm:prSet phldr="1"/>
+        </dgm:pt>
+        <dgm:pt modelId="12">
+          <dgm:prSet phldr="1"/>
+        </dgm:pt>
+        <dgm:pt modelId="2">
+          <dgm:prSet phldr="1"/>
+        </dgm:pt>
+        <dgm:pt modelId="21">
+          <dgm:prSet phldr="1"/>
+        </dgm:pt>
+        <dgm:pt modelId="22">
+          <dgm:prSet phldr="1"/>
+        </dgm:pt>
+        <dgm:pt modelId="3">
+          <dgm:prSet phldr="1"/>
+        </dgm:pt>
+        <dgm:pt modelId="31">
+          <dgm:prSet phldr="1"/>
+        </dgm:pt>
+        <dgm:pt modelId="32">
+          <dgm:prSet phldr="1"/>
+        </dgm:pt>
+      </dgm:ptLst>
+      <dgm:cxnLst>
+        <dgm:cxn modelId="4" srcId="0" destId="1" srcOrd="0" destOrd="0"/>
+        <dgm:cxn modelId="5" srcId="0" destId="2" srcOrd="1" destOrd="0"/>
+        <dgm:cxn modelId="6" srcId="0" destId="3" srcOrd="2" destOrd="0"/>
+        <dgm:cxn modelId="13" srcId="1" destId="11" srcOrd="0" destOrd="0"/>
+        <dgm:cxn modelId="14" srcId="1" destId="12" srcOrd="1" destOrd="0"/>
+        <dgm:cxn modelId="23" srcId="2" destId="21" srcOrd="0" destOrd="0"/>
+        <dgm:cxn modelId="24" srcId="2" destId="22" srcOrd="1" destOrd="0"/>
+        <dgm:cxn modelId="33" srcId="3" destId="31" srcOrd="0" destOrd="0"/>
+        <dgm:cxn modelId="34" srcId="3" destId="32" srcOrd="1" destOrd="0"/>
+      </dgm:cxnLst>
+      <dgm:bg/>
+      <dgm:whole/>
+    </dgm:dataModel>
+  </dgm:sampData>
+  <dgm:styleData>
+    <dgm:dataModel>
+      <dgm:ptLst>
+        <dgm:pt modelId="0" type="doc"/>
+        <dgm:pt modelId="1">
+          <dgm:prSet phldr="1"/>
+        </dgm:pt>
+        <dgm:pt modelId="2">
+          <dgm:prSet phldr="1"/>
+        </dgm:pt>
+      </dgm:ptLst>
+      <dgm:cxnLst>
+        <dgm:cxn modelId="3" srcId="0" destId="1" srcOrd="0" destOrd="0"/>
+        <dgm:cxn modelId="4" srcId="0" destId="2" srcOrd="1" destOrd="0"/>
+      </dgm:cxnLst>
+      <dgm:bg/>
+      <dgm:whole/>
+    </dgm:dataModel>
+  </dgm:styleData>
+  <dgm:clrData>
+    <dgm:dataModel>
+      <dgm:ptLst>
+        <dgm:pt modelId="0" type="doc"/>
+        <dgm:pt modelId="1">
+          <dgm:prSet phldr="1"/>
+        </dgm:pt>
+        <dgm:pt modelId="2">
+          <dgm:prSet phldr="1"/>
+        </dgm:pt>
+        <dgm:pt modelId="3">
+          <dgm:prSet phldr="1"/>
+        </dgm:pt>
+        <dgm:pt modelId="4">
+          <dgm:prSet phldr="1"/>
+        </dgm:pt>
+      </dgm:ptLst>
+      <dgm:cxnLst>
+        <dgm:cxn modelId="5" srcId="0" destId="1" srcOrd="0" destOrd="0"/>
+        <dgm:cxn modelId="6" srcId="0" destId="2" srcOrd="1" destOrd="0"/>
+        <dgm:cxn modelId="7" srcId="0" destId="3" srcOrd="2" destOrd="0"/>
+        <dgm:cxn modelId="8" srcId="0" destId="4" srcOrd="3" destOrd="0"/>
+      </dgm:cxnLst>
+      <dgm:bg/>
+      <dgm:whole/>
+    </dgm:dataModel>
+  </dgm:clrData>
+  <dgm:layoutNode name="Name0">
+    <dgm:varLst>
+      <dgm:dir/>
+      <dgm:animLvl val="lvl"/>
+      <dgm:resizeHandles val="exact"/>
+    </dgm:varLst>
+    <dgm:choose name="Name1">
+      <dgm:if name="Name2" func="var" arg="dir" op="equ" val="norm">
+        <dgm:alg type="lin"/>
+      </dgm:if>
+      <dgm:else name="Name3">
+        <dgm:alg type="lin">
+          <dgm:param type="linDir" val="fromR"/>
+        </dgm:alg>
+      </dgm:else>
+    </dgm:choose>
+    <dgm:shape xmlns:r="http://schemas.openxmlformats.org/officeDocument/2006/relationships" r:blip="">
+      <dgm:adjLst/>
+    </dgm:shape>
+    <dgm:presOf/>
+    <dgm:constrLst>
+      <dgm:constr type="h" for="ch" forName="composite" refType="h"/>
+      <dgm:constr type="w" for="ch" forName="composite" refType="w"/>
+      <dgm:constr type="w" for="des" forName="parTx"/>
+      <dgm:constr type="h" for="des" forName="parTx" op="equ"/>
+      <dgm:constr type="w" for="des" forName="desTx"/>
+      <dgm:constr type="h" for="des" forName="desTx" op="equ"/>
+      <dgm:constr type="primFontSz" for="des" forName="parTx" val="65"/>
+      <dgm:constr type="secFontSz" for="des" forName="desTx" refType="primFontSz" refFor="des" refForName="parTx" op="equ"/>
+      <dgm:constr type="h" for="des" forName="parTx" refType="primFontSz" refFor="des" refForName="parTx" fact="0.8"/>
+      <dgm:constr type="h" for="des" forName="desTx" refType="primFontSz" refFor="des" refForName="parTx" fact="1.22"/>
+      <dgm:constr type="w" for="ch" forName="space" refType="w" refFor="ch" refForName="composite" op="equ" fact="0.14"/>
+    </dgm:constrLst>
+    <dgm:ruleLst>
+      <dgm:rule type="w" for="ch" forName="composite" val="0" fact="NaN" max="NaN"/>
+      <dgm:rule type="primFontSz" for="des" forName="parTx" val="5" fact="NaN" max="NaN"/>
+    </dgm:ruleLst>
+    <dgm:forEach name="Name4" axis="ch" ptType="node">
+      <dgm:layoutNode name="composite">
+        <dgm:alg type="composite"/>
+        <dgm:shape xmlns:r="http://schemas.openxmlformats.org/officeDocument/2006/relationships" r:blip="">
+          <dgm:adjLst/>
+        </dgm:shape>
+        <dgm:presOf/>
+        <dgm:constrLst>
+          <dgm:constr type="l" for="ch" forName="parTx"/>
+          <dgm:constr type="w" for="ch" forName="parTx" refType="w"/>
+          <dgm:constr type="t" for="ch" forName="parTx"/>
+          <dgm:constr type="l" for="ch" forName="desTx"/>
+          <dgm:constr type="w" for="ch" forName="desTx" refType="w" refFor="ch" refForName="parTx"/>
+          <dgm:constr type="t" for="ch" forName="desTx" refType="h" refFor="ch" refForName="parTx"/>
+        </dgm:constrLst>
+        <dgm:ruleLst>
+          <dgm:rule type="h" val="INF" fact="NaN" max="NaN"/>
+        </dgm:ruleLst>
+        <dgm:layoutNode name="parTx" styleLbl="alignNode1">
+          <dgm:varLst>
+            <dgm:chMax val="0"/>
+            <dgm:chPref val="0"/>
+            <dgm:bulletEnabled val="1"/>
+          </dgm:varLst>
+          <dgm:alg type="tx"/>
+          <dgm:shape xmlns:r="http://schemas.openxmlformats.org/officeDocument/2006/relationships" type="rect" r:blip="">
+            <dgm:adjLst/>
+          </dgm:shape>
+          <dgm:presOf axis="self" ptType="node"/>
+          <dgm:constrLst>
+            <dgm:constr type="h" refType="w" op="lte" fact="0.4"/>
+            <dgm:constr type="h"/>
+            <dgm:constr type="tMarg" refType="primFontSz" fact="0.32"/>
+            <dgm:constr type="bMarg" refType="primFontSz" fact="0.32"/>
+          </dgm:constrLst>
+          <dgm:ruleLst>
+            <dgm:rule type="h" val="INF" fact="NaN" max="NaN"/>
+          </dgm:ruleLst>
+        </dgm:layoutNode>
+        <dgm:layoutNode name="desTx" styleLbl="alignAccFollowNode1">
+          <dgm:varLst>
+            <dgm:bulletEnabled val="1"/>
+          </dgm:varLst>
+          <dgm:alg type="tx">
+            <dgm:param type="stBulletLvl" val="1"/>
+          </dgm:alg>
+          <dgm:shape xmlns:r="http://schemas.openxmlformats.org/officeDocument/2006/relationships" type="rect" r:blip="">
+            <dgm:adjLst/>
+          </dgm:shape>
+          <dgm:presOf axis="des" ptType="node"/>
+          <dgm:constrLst>
+            <dgm:constr type="secFontSz" val="65"/>
+            <dgm:constr type="primFontSz" refType="secFontSz"/>
+            <dgm:constr type="h"/>
+            <dgm:constr type="lMarg" refType="primFontSz" fact="0.42"/>
+            <dgm:constr type="tMarg" refType="primFontSz" fact="0.42"/>
+            <dgm:constr type="bMarg" refType="primFontSz" fact="0.63"/>
+          </dgm:constrLst>
+          <dgm:ruleLst>
+            <dgm:rule type="h" val="INF" fact="NaN" max="NaN"/>
+          </dgm:ruleLst>
+        </dgm:layoutNode>
+      </dgm:layoutNode>
+      <dgm:forEach name="Name5" axis="followSib" ptType="sibTrans" cnt="1">
+        <dgm:layoutNode name="space">
+          <dgm:alg type="sp"/>
+          <dgm:shape xmlns:r="http://schemas.openxmlformats.org/officeDocument/2006/relationships" r:blip="">
+            <dgm:adjLst/>
+          </dgm:shape>
+          <dgm:presOf/>
+          <dgm:constrLst/>
+          <dgm:ruleLst/>
+        </dgm:layoutNode>
+      </dgm:forEach>
     </dgm:forEach>
   </dgm:layoutNode>
 </dgm:layoutDef>
@@ -13947,92 +13996,6 @@
           <p:cNvPr id="2" name="Title 1">
             <a:extLst>
               <a:ext uri="{FF2B5EF4-FFF2-40B4-BE49-F238E27FC236}">
-                <a16:creationId xmlns:a16="http://schemas.microsoft.com/office/drawing/2014/main" id="{50AA6EE7-5A38-4DD7-8590-DD8E067159FB}"/>
-              </a:ext>
-            </a:extLst>
-          </p:cNvPr>
-          <p:cNvSpPr>
-            <a:spLocks noGrp="1"/>
-          </p:cNvSpPr>
-          <p:nvPr>
-            <p:ph type="title"/>
-          </p:nvPr>
-        </p:nvSpPr>
-        <p:spPr/>
-        <p:txBody>
-          <a:bodyPr/>
-          <a:lstStyle/>
-          <a:p>
-            <a:endParaRPr lang="en-US" dirty="0"/>
-          </a:p>
-        </p:txBody>
-      </p:sp>
-      <p:graphicFrame>
-        <p:nvGraphicFramePr>
-          <p:cNvPr id="4" name="Content Placeholder 3">
-            <a:extLst>
-              <a:ext uri="{FF2B5EF4-FFF2-40B4-BE49-F238E27FC236}">
-                <a16:creationId xmlns:a16="http://schemas.microsoft.com/office/drawing/2014/main" id="{FEEE29FD-C66D-4222-BAFE-5BAAD81FBC84}"/>
-              </a:ext>
-            </a:extLst>
-          </p:cNvPr>
-          <p:cNvGraphicFramePr>
-            <a:graphicFrameLocks noGrp="1"/>
-          </p:cNvGraphicFramePr>
-          <p:nvPr>
-            <p:ph idx="1"/>
-            <p:extLst>
-              <p:ext uri="{D42A27DB-BD31-4B8C-83A1-F6EECF244321}">
-                <p14:modId xmlns:p14="http://schemas.microsoft.com/office/powerpoint/2010/main" val="627458627"/>
-              </p:ext>
-            </p:extLst>
-          </p:nvPr>
-        </p:nvGraphicFramePr>
-        <p:xfrm>
-          <a:off x="838200" y="1825625"/>
-          <a:ext cx="10515600" cy="4351338"/>
-        </p:xfrm>
-        <a:graphic>
-          <a:graphicData uri="http://schemas.openxmlformats.org/drawingml/2006/diagram">
-            <dgm:relIds xmlns:dgm="http://schemas.openxmlformats.org/drawingml/2006/diagram" xmlns:r="http://schemas.openxmlformats.org/officeDocument/2006/relationships" r:dm="rId2" r:lo="rId3" r:qs="rId4" r:cs="rId5"/>
-          </a:graphicData>
-        </a:graphic>
-      </p:graphicFrame>
-    </p:spTree>
-    <p:extLst>
-      <p:ext uri="{BB962C8B-B14F-4D97-AF65-F5344CB8AC3E}">
-        <p14:creationId xmlns:p14="http://schemas.microsoft.com/office/powerpoint/2010/main" val="3546732777"/>
-      </p:ext>
-    </p:extLst>
-  </p:cSld>
-  <p:clrMapOvr>
-    <a:masterClrMapping/>
-  </p:clrMapOvr>
-</p:sld>
-</file>
-
-<file path=ppt/slides/slide3.xml><?xml version="1.0" encoding="utf-8"?>
-<p:sld xmlns:a="http://schemas.openxmlformats.org/drawingml/2006/main" xmlns:r="http://schemas.openxmlformats.org/officeDocument/2006/relationships" xmlns:p="http://schemas.openxmlformats.org/presentationml/2006/main">
-  <p:cSld>
-    <p:spTree>
-      <p:nvGrpSpPr>
-        <p:cNvPr id="1" name=""/>
-        <p:cNvGrpSpPr/>
-        <p:nvPr/>
-      </p:nvGrpSpPr>
-      <p:grpSpPr>
-        <a:xfrm>
-          <a:off x="0" y="0"/>
-          <a:ext cx="0" cy="0"/>
-          <a:chOff x="0" y="0"/>
-          <a:chExt cx="0" cy="0"/>
-        </a:xfrm>
-      </p:grpSpPr>
-      <p:sp>
-        <p:nvSpPr>
-          <p:cNvPr id="2" name="Title 1">
-            <a:extLst>
-              <a:ext uri="{FF2B5EF4-FFF2-40B4-BE49-F238E27FC236}">
                 <a16:creationId xmlns:a16="http://schemas.microsoft.com/office/drawing/2014/main" id="{CC6DC18B-737E-4B25-983F-752A81AC7091}"/>
               </a:ext>
             </a:extLst>
@@ -14097,6 +14060,92 @@
 </p:sld>
 </file>
 
+<file path=ppt/slides/slide3.xml><?xml version="1.0" encoding="utf-8"?>
+<p:sld xmlns:a="http://schemas.openxmlformats.org/drawingml/2006/main" xmlns:r="http://schemas.openxmlformats.org/officeDocument/2006/relationships" xmlns:p="http://schemas.openxmlformats.org/presentationml/2006/main">
+  <p:cSld>
+    <p:spTree>
+      <p:nvGrpSpPr>
+        <p:cNvPr id="1" name=""/>
+        <p:cNvGrpSpPr/>
+        <p:nvPr/>
+      </p:nvGrpSpPr>
+      <p:grpSpPr>
+        <a:xfrm>
+          <a:off x="0" y="0"/>
+          <a:ext cx="0" cy="0"/>
+          <a:chOff x="0" y="0"/>
+          <a:chExt cx="0" cy="0"/>
+        </a:xfrm>
+      </p:grpSpPr>
+      <p:sp>
+        <p:nvSpPr>
+          <p:cNvPr id="2" name="Title 1">
+            <a:extLst>
+              <a:ext uri="{FF2B5EF4-FFF2-40B4-BE49-F238E27FC236}">
+                <a16:creationId xmlns:a16="http://schemas.microsoft.com/office/drawing/2014/main" id="{50AA6EE7-5A38-4DD7-8590-DD8E067159FB}"/>
+              </a:ext>
+            </a:extLst>
+          </p:cNvPr>
+          <p:cNvSpPr>
+            <a:spLocks noGrp="1"/>
+          </p:cNvSpPr>
+          <p:nvPr>
+            <p:ph type="title"/>
+          </p:nvPr>
+        </p:nvSpPr>
+        <p:spPr/>
+        <p:txBody>
+          <a:bodyPr/>
+          <a:lstStyle/>
+          <a:p>
+            <a:endParaRPr lang="en-US" dirty="0"/>
+          </a:p>
+        </p:txBody>
+      </p:sp>
+      <p:graphicFrame>
+        <p:nvGraphicFramePr>
+          <p:cNvPr id="4" name="Content Placeholder 3">
+            <a:extLst>
+              <a:ext uri="{FF2B5EF4-FFF2-40B4-BE49-F238E27FC236}">
+                <a16:creationId xmlns:a16="http://schemas.microsoft.com/office/drawing/2014/main" id="{FEEE29FD-C66D-4222-BAFE-5BAAD81FBC84}"/>
+              </a:ext>
+            </a:extLst>
+          </p:cNvPr>
+          <p:cNvGraphicFramePr>
+            <a:graphicFrameLocks noGrp="1"/>
+          </p:cNvGraphicFramePr>
+          <p:nvPr>
+            <p:ph idx="1"/>
+            <p:extLst>
+              <p:ext uri="{D42A27DB-BD31-4B8C-83A1-F6EECF244321}">
+                <p14:modId xmlns:p14="http://schemas.microsoft.com/office/powerpoint/2010/main" val="3192455162"/>
+              </p:ext>
+            </p:extLst>
+          </p:nvPr>
+        </p:nvGraphicFramePr>
+        <p:xfrm>
+          <a:off x="838200" y="1825625"/>
+          <a:ext cx="10515600" cy="4351338"/>
+        </p:xfrm>
+        <a:graphic>
+          <a:graphicData uri="http://schemas.openxmlformats.org/drawingml/2006/diagram">
+            <dgm:relIds xmlns:dgm="http://schemas.openxmlformats.org/drawingml/2006/diagram" xmlns:r="http://schemas.openxmlformats.org/officeDocument/2006/relationships" r:dm="rId2" r:lo="rId3" r:qs="rId4" r:cs="rId5"/>
+          </a:graphicData>
+        </a:graphic>
+      </p:graphicFrame>
+    </p:spTree>
+    <p:extLst>
+      <p:ext uri="{BB962C8B-B14F-4D97-AF65-F5344CB8AC3E}">
+        <p14:creationId xmlns:p14="http://schemas.microsoft.com/office/powerpoint/2010/main" val="3546732777"/>
+      </p:ext>
+    </p:extLst>
+  </p:cSld>
+  <p:clrMapOvr>
+    <a:masterClrMapping/>
+  </p:clrMapOvr>
+</p:sld>
+</file>
+
 <file path=ppt/slides/slide4.xml><?xml version="1.0" encoding="utf-8"?>
 <p:sld xmlns:a="http://schemas.openxmlformats.org/drawingml/2006/main" xmlns:r="http://schemas.openxmlformats.org/officeDocument/2006/relationships" xmlns:p="http://schemas.openxmlformats.org/presentationml/2006/main">
   <p:cSld>
@@ -14135,16 +14184,16 @@
           <a:bodyPr/>
           <a:lstStyle/>
           <a:p>
-            <a:endParaRPr lang="en-US"/>
+            <a:endParaRPr lang="en-US" dirty="0"/>
           </a:p>
         </p:txBody>
       </p:sp>
       <p:sp>
         <p:nvSpPr>
-          <p:cNvPr id="3" name="Content Placeholder 2">
+          <p:cNvPr id="6" name="Content Placeholder 5">
             <a:extLst>
               <a:ext uri="{FF2B5EF4-FFF2-40B4-BE49-F238E27FC236}">
-                <a16:creationId xmlns:a16="http://schemas.microsoft.com/office/drawing/2014/main" id="{C288455F-F924-46B9-B406-6DA39F14CE8C}"/>
+                <a16:creationId xmlns:a16="http://schemas.microsoft.com/office/drawing/2014/main" id="{CDA71F02-49FC-4C2A-BFB3-EB05433CB9AB}"/>
               </a:ext>
             </a:extLst>
           </p:cNvPr>
@@ -14160,7 +14209,43 @@
           <a:bodyPr/>
           <a:lstStyle/>
           <a:p>
-            <a:endParaRPr lang="en-US"/>
+            <a:r>
+              <a:rPr lang="en-US" dirty="0"/>
+              <a:t>Select playlist by size?</a:t>
+            </a:r>
+          </a:p>
+          <a:p>
+            <a:pPr lvl="1"/>
+            <a:r>
+              <a:rPr lang="en-US" dirty="0"/>
+              <a:t>Minimum size</a:t>
+            </a:r>
+          </a:p>
+          <a:p>
+            <a:pPr lvl="2"/>
+            <a:r>
+              <a:rPr lang="en-US" dirty="0"/>
+              <a:t>3 songs (70/30%) – just one song to measure the performance – decision bias?</a:t>
+            </a:r>
+          </a:p>
+          <a:p>
+            <a:pPr lvl="1"/>
+            <a:r>
+              <a:rPr lang="en-US" dirty="0"/>
+              <a:t>Selecting by size </a:t>
+            </a:r>
+            <a:r>
+              <a:rPr lang="en-US"/>
+              <a:t>can create a bias?</a:t>
+            </a:r>
+          </a:p>
+          <a:p>
+            <a:pPr lvl="1"/>
+            <a:endParaRPr lang="en-US" dirty="0"/>
+          </a:p>
+          <a:p>
+            <a:pPr lvl="3"/>
+            <a:endParaRPr lang="en-US" dirty="0"/>
           </a:p>
         </p:txBody>
       </p:sp>
